--- a/PPT/03.타입스크립트 - 타입 관련 문법.pptx
+++ b/PPT/03.타입스크립트 - 타입 관련 문법.pptx
@@ -166,1460 +166,6 @@
 <file path=ppt/changesInfos/changesInfo1.xml><?xml version="1.0" encoding="utf-8"?>
 <pc:chgInfo xmlns:a="http://schemas.openxmlformats.org/drawingml/2006/main" xmlns:r="http://schemas.openxmlformats.org/officeDocument/2006/relationships" xmlns:ac="http://schemas.microsoft.com/office/drawing/2013/main/command" xmlns:pc="http://schemas.microsoft.com/office/powerpoint/2013/main/command">
   <pc:docChgLst>
-    <pc:chgData name="jeongkilyong" userId="42a1e730-e7ec-4950-9a60-48236c77d83b" providerId="ADAL" clId="{68836CF2-79A1-495E-9E4B-E0587825BCCC}"/>
-    <pc:docChg chg="undo custSel addSld delSld modSld modSection">
-      <pc:chgData name="jeongkilyong" userId="42a1e730-e7ec-4950-9a60-48236c77d83b" providerId="ADAL" clId="{68836CF2-79A1-495E-9E4B-E0587825BCCC}" dt="2023-10-21T04:19:43.449" v="518" actId="20577"/>
-      <pc:docMkLst>
-        <pc:docMk/>
-      </pc:docMkLst>
-      <pc:sldChg chg="add del">
-        <pc:chgData name="jeongkilyong" userId="42a1e730-e7ec-4950-9a60-48236c77d83b" providerId="ADAL" clId="{68836CF2-79A1-495E-9E4B-E0587825BCCC}" dt="2023-10-21T02:07:20.150" v="89" actId="47"/>
-        <pc:sldMkLst>
-          <pc:docMk/>
-          <pc:sldMk cId="3084365525" sldId="280"/>
-        </pc:sldMkLst>
-      </pc:sldChg>
-      <pc:sldChg chg="addSp delSp modSp mod">
-        <pc:chgData name="jeongkilyong" userId="42a1e730-e7ec-4950-9a60-48236c77d83b" providerId="ADAL" clId="{68836CF2-79A1-495E-9E4B-E0587825BCCC}" dt="2023-10-21T04:19:38.694" v="498" actId="20577"/>
-        <pc:sldMkLst>
-          <pc:docMk/>
-          <pc:sldMk cId="4235148381" sldId="283"/>
-        </pc:sldMkLst>
-        <pc:spChg chg="mod">
-          <ac:chgData name="jeongkilyong" userId="42a1e730-e7ec-4950-9a60-48236c77d83b" providerId="ADAL" clId="{68836CF2-79A1-495E-9E4B-E0587825BCCC}" dt="2023-10-21T02:05:11.217" v="52" actId="20577"/>
-          <ac:spMkLst>
-            <pc:docMk/>
-            <pc:sldMk cId="4235148381" sldId="283"/>
-            <ac:spMk id="3" creationId="{9B4ADA28-30F2-9041-ABD9-123916927139}"/>
-          </ac:spMkLst>
-        </pc:spChg>
-        <pc:spChg chg="add del mod">
-          <ac:chgData name="jeongkilyong" userId="42a1e730-e7ec-4950-9a60-48236c77d83b" providerId="ADAL" clId="{68836CF2-79A1-495E-9E4B-E0587825BCCC}" dt="2023-10-21T02:10:50.837" v="135"/>
-          <ac:spMkLst>
-            <pc:docMk/>
-            <pc:sldMk cId="4235148381" sldId="283"/>
-            <ac:spMk id="10" creationId="{97500FA7-C98F-443F-9E58-1D78051819EF}"/>
-          </ac:spMkLst>
-        </pc:spChg>
-        <pc:spChg chg="mod">
-          <ac:chgData name="jeongkilyong" userId="42a1e730-e7ec-4950-9a60-48236c77d83b" providerId="ADAL" clId="{68836CF2-79A1-495E-9E4B-E0587825BCCC}" dt="2023-10-21T02:04:48.250" v="1" actId="20577"/>
-          <ac:spMkLst>
-            <pc:docMk/>
-            <pc:sldMk cId="4235148381" sldId="283"/>
-            <ac:spMk id="22" creationId="{BD397849-435B-BC4F-B100-C72850C36522}"/>
-          </ac:spMkLst>
-        </pc:spChg>
-        <pc:spChg chg="mod">
-          <ac:chgData name="jeongkilyong" userId="42a1e730-e7ec-4950-9a60-48236c77d83b" providerId="ADAL" clId="{68836CF2-79A1-495E-9E4B-E0587825BCCC}" dt="2023-10-21T04:19:38.694" v="498" actId="20577"/>
-          <ac:spMkLst>
-            <pc:docMk/>
-            <pc:sldMk cId="4235148381" sldId="283"/>
-            <ac:spMk id="26" creationId="{9E4FB064-8ECA-9144-943F-EC7F301DF48C}"/>
-          </ac:spMkLst>
-        </pc:spChg>
-      </pc:sldChg>
-      <pc:sldChg chg="modSp del mod">
-        <pc:chgData name="jeongkilyong" userId="42a1e730-e7ec-4950-9a60-48236c77d83b" providerId="ADAL" clId="{68836CF2-79A1-495E-9E4B-E0587825BCCC}" dt="2023-10-21T02:07:42.124" v="90" actId="47"/>
-        <pc:sldMkLst>
-          <pc:docMk/>
-          <pc:sldMk cId="2460650979" sldId="284"/>
-        </pc:sldMkLst>
-        <pc:spChg chg="mod">
-          <ac:chgData name="jeongkilyong" userId="42a1e730-e7ec-4950-9a60-48236c77d83b" providerId="ADAL" clId="{68836CF2-79A1-495E-9E4B-E0587825BCCC}" dt="2023-10-21T02:06:37.651" v="87" actId="20577"/>
-          <ac:spMkLst>
-            <pc:docMk/>
-            <pc:sldMk cId="2460650979" sldId="284"/>
-            <ac:spMk id="12" creationId="{10ACD4E5-1FFB-574E-8F99-C84FF7F7144F}"/>
-          </ac:spMkLst>
-        </pc:spChg>
-      </pc:sldChg>
-      <pc:sldChg chg="modSp mod">
-        <pc:chgData name="jeongkilyong" userId="42a1e730-e7ec-4950-9a60-48236c77d83b" providerId="ADAL" clId="{68836CF2-79A1-495E-9E4B-E0587825BCCC}" dt="2023-10-21T04:19:43.449" v="518" actId="20577"/>
-        <pc:sldMkLst>
-          <pc:docMk/>
-          <pc:sldMk cId="2518751162" sldId="285"/>
-        </pc:sldMkLst>
-        <pc:spChg chg="mod">
-          <ac:chgData name="jeongkilyong" userId="42a1e730-e7ec-4950-9a60-48236c77d83b" providerId="ADAL" clId="{68836CF2-79A1-495E-9E4B-E0587825BCCC}" dt="2023-10-21T04:19:43.449" v="518" actId="20577"/>
-          <ac:spMkLst>
-            <pc:docMk/>
-            <pc:sldMk cId="2518751162" sldId="285"/>
-            <ac:spMk id="14" creationId="{F7047AB8-3A27-8A4C-B98D-ABDB785695C1}"/>
-          </ac:spMkLst>
-        </pc:spChg>
-      </pc:sldChg>
-      <pc:sldChg chg="addSp delSp modSp mod">
-        <pc:chgData name="jeongkilyong" userId="42a1e730-e7ec-4950-9a60-48236c77d83b" providerId="ADAL" clId="{68836CF2-79A1-495E-9E4B-E0587825BCCC}" dt="2023-10-21T02:16:54.826" v="377" actId="2711"/>
-        <pc:sldMkLst>
-          <pc:docMk/>
-          <pc:sldMk cId="3364918572" sldId="286"/>
-        </pc:sldMkLst>
-        <pc:spChg chg="del">
-          <ac:chgData name="jeongkilyong" userId="42a1e730-e7ec-4950-9a60-48236c77d83b" providerId="ADAL" clId="{68836CF2-79A1-495E-9E4B-E0587825BCCC}" dt="2023-10-21T02:08:56.603" v="91" actId="478"/>
-          <ac:spMkLst>
-            <pc:docMk/>
-            <pc:sldMk cId="3364918572" sldId="286"/>
-            <ac:spMk id="4" creationId="{4BE45E33-374F-D046-9073-1E45B685C140}"/>
-          </ac:spMkLst>
-        </pc:spChg>
-        <pc:spChg chg="del">
-          <ac:chgData name="jeongkilyong" userId="42a1e730-e7ec-4950-9a60-48236c77d83b" providerId="ADAL" clId="{68836CF2-79A1-495E-9E4B-E0587825BCCC}" dt="2023-10-21T02:08:56.603" v="91" actId="478"/>
-          <ac:spMkLst>
-            <pc:docMk/>
-            <pc:sldMk cId="3364918572" sldId="286"/>
-            <ac:spMk id="5" creationId="{AC19BBA5-A5EF-9044-8EB4-16033DD3E637}"/>
-          </ac:spMkLst>
-        </pc:spChg>
-        <pc:spChg chg="del">
-          <ac:chgData name="jeongkilyong" userId="42a1e730-e7ec-4950-9a60-48236c77d83b" providerId="ADAL" clId="{68836CF2-79A1-495E-9E4B-E0587825BCCC}" dt="2023-10-21T02:08:56.603" v="91" actId="478"/>
-          <ac:spMkLst>
-            <pc:docMk/>
-            <pc:sldMk cId="3364918572" sldId="286"/>
-            <ac:spMk id="6" creationId="{1D9939F5-FDB1-434A-92A8-CCCCF0857E9F}"/>
-          </ac:spMkLst>
-        </pc:spChg>
-        <pc:spChg chg="del">
-          <ac:chgData name="jeongkilyong" userId="42a1e730-e7ec-4950-9a60-48236c77d83b" providerId="ADAL" clId="{68836CF2-79A1-495E-9E4B-E0587825BCCC}" dt="2023-10-21T02:08:56.603" v="91" actId="478"/>
-          <ac:spMkLst>
-            <pc:docMk/>
-            <pc:sldMk cId="3364918572" sldId="286"/>
-            <ac:spMk id="7" creationId="{D2630183-7FF5-3548-9960-16BA3B63B487}"/>
-          </ac:spMkLst>
-        </pc:spChg>
-        <pc:spChg chg="del">
-          <ac:chgData name="jeongkilyong" userId="42a1e730-e7ec-4950-9a60-48236c77d83b" providerId="ADAL" clId="{68836CF2-79A1-495E-9E4B-E0587825BCCC}" dt="2023-10-21T02:08:56.603" v="91" actId="478"/>
-          <ac:spMkLst>
-            <pc:docMk/>
-            <pc:sldMk cId="3364918572" sldId="286"/>
-            <ac:spMk id="8" creationId="{D1B2F3D4-4658-6045-9673-78CBEDE89390}"/>
-          </ac:spMkLst>
-        </pc:spChg>
-        <pc:spChg chg="add mod">
-          <ac:chgData name="jeongkilyong" userId="42a1e730-e7ec-4950-9a60-48236c77d83b" providerId="ADAL" clId="{68836CF2-79A1-495E-9E4B-E0587825BCCC}" dt="2023-10-21T02:16:54.826" v="377" actId="2711"/>
-          <ac:spMkLst>
-            <pc:docMk/>
-            <pc:sldMk cId="3364918572" sldId="286"/>
-            <ac:spMk id="10" creationId="{68EEA891-BE75-4D42-876D-5105BD9CE306}"/>
-          </ac:spMkLst>
-        </pc:spChg>
-        <pc:spChg chg="mod">
-          <ac:chgData name="jeongkilyong" userId="42a1e730-e7ec-4950-9a60-48236c77d83b" providerId="ADAL" clId="{68836CF2-79A1-495E-9E4B-E0587825BCCC}" dt="2023-10-21T02:09:17.824" v="133" actId="6549"/>
-          <ac:spMkLst>
-            <pc:docMk/>
-            <pc:sldMk cId="3364918572" sldId="286"/>
-            <ac:spMk id="12" creationId="{10ACD4E5-1FFB-574E-8F99-C84FF7F7144F}"/>
-          </ac:spMkLst>
-        </pc:spChg>
-      </pc:sldChg>
-      <pc:sldChg chg="modSp mod">
-        <pc:chgData name="jeongkilyong" userId="42a1e730-e7ec-4950-9a60-48236c77d83b" providerId="ADAL" clId="{68836CF2-79A1-495E-9E4B-E0587825BCCC}" dt="2023-10-21T02:14:55.270" v="312" actId="20577"/>
-        <pc:sldMkLst>
-          <pc:docMk/>
-          <pc:sldMk cId="1487703584" sldId="287"/>
-        </pc:sldMkLst>
-        <pc:spChg chg="mod">
-          <ac:chgData name="jeongkilyong" userId="42a1e730-e7ec-4950-9a60-48236c77d83b" providerId="ADAL" clId="{68836CF2-79A1-495E-9E4B-E0587825BCCC}" dt="2023-10-21T02:14:55.270" v="312" actId="20577"/>
-          <ac:spMkLst>
-            <pc:docMk/>
-            <pc:sldMk cId="1487703584" sldId="287"/>
-            <ac:spMk id="10" creationId="{735792CB-3A94-0F4C-8FD2-F052F5BF9971}"/>
-          </ac:spMkLst>
-        </pc:spChg>
-      </pc:sldChg>
-      <pc:sldChg chg="addSp modSp add mod">
-        <pc:chgData name="jeongkilyong" userId="42a1e730-e7ec-4950-9a60-48236c77d83b" providerId="ADAL" clId="{68836CF2-79A1-495E-9E4B-E0587825BCCC}" dt="2023-10-21T04:18:58.177" v="447" actId="20577"/>
-        <pc:sldMkLst>
-          <pc:docMk/>
-          <pc:sldMk cId="3485235614" sldId="292"/>
-        </pc:sldMkLst>
-        <pc:spChg chg="add mod">
-          <ac:chgData name="jeongkilyong" userId="42a1e730-e7ec-4950-9a60-48236c77d83b" providerId="ADAL" clId="{68836CF2-79A1-495E-9E4B-E0587825BCCC}" dt="2023-10-21T04:18:58.177" v="447" actId="20577"/>
-          <ac:spMkLst>
-            <pc:docMk/>
-            <pc:sldMk cId="3485235614" sldId="292"/>
-            <ac:spMk id="5" creationId="{FB35D915-9598-4DE5-A561-CC6FE4D2171D}"/>
-          </ac:spMkLst>
-        </pc:spChg>
-        <pc:spChg chg="mod">
-          <ac:chgData name="jeongkilyong" userId="42a1e730-e7ec-4950-9a60-48236c77d83b" providerId="ADAL" clId="{68836CF2-79A1-495E-9E4B-E0587825BCCC}" dt="2023-10-21T02:11:03.800" v="180" actId="6549"/>
-          <ac:spMkLst>
-            <pc:docMk/>
-            <pc:sldMk cId="3485235614" sldId="292"/>
-            <ac:spMk id="12" creationId="{10ACD4E5-1FFB-574E-8F99-C84FF7F7144F}"/>
-          </ac:spMkLst>
-        </pc:spChg>
-      </pc:sldChg>
-    </pc:docChg>
-  </pc:docChgLst>
-  <pc:docChgLst>
-    <pc:chgData name="jeongkilyong" userId="42a1e730-e7ec-4950-9a60-48236c77d83b" providerId="ADAL" clId="{AF33EE09-1563-4B99-999A-EB513D20AF18}"/>
-    <pc:docChg chg="undo custSel addSld delSld modSld sldOrd delSection modSection">
-      <pc:chgData name="jeongkilyong" userId="42a1e730-e7ec-4950-9a60-48236c77d83b" providerId="ADAL" clId="{AF33EE09-1563-4B99-999A-EB513D20AF18}" dt="2023-10-24T05:17:12.935" v="996" actId="571"/>
-      <pc:docMkLst>
-        <pc:docMk/>
-      </pc:docMkLst>
-      <pc:sldChg chg="del">
-        <pc:chgData name="jeongkilyong" userId="42a1e730-e7ec-4950-9a60-48236c77d83b" providerId="ADAL" clId="{AF33EE09-1563-4B99-999A-EB513D20AF18}" dt="2023-10-23T07:11:44.682" v="738" actId="47"/>
-        <pc:sldMkLst>
-          <pc:docMk/>
-          <pc:sldMk cId="1948850757" sldId="266"/>
-        </pc:sldMkLst>
-      </pc:sldChg>
-      <pc:sldChg chg="del">
-        <pc:chgData name="jeongkilyong" userId="42a1e730-e7ec-4950-9a60-48236c77d83b" providerId="ADAL" clId="{AF33EE09-1563-4B99-999A-EB513D20AF18}" dt="2023-10-23T07:11:48.840" v="741" actId="47"/>
-        <pc:sldMkLst>
-          <pc:docMk/>
-          <pc:sldMk cId="2640843504" sldId="279"/>
-        </pc:sldMkLst>
-      </pc:sldChg>
-      <pc:sldChg chg="del">
-        <pc:chgData name="jeongkilyong" userId="42a1e730-e7ec-4950-9a60-48236c77d83b" providerId="ADAL" clId="{AF33EE09-1563-4B99-999A-EB513D20AF18}" dt="2023-10-23T07:11:49.641" v="742" actId="47"/>
-        <pc:sldMkLst>
-          <pc:docMk/>
-          <pc:sldMk cId="3084365525" sldId="280"/>
-        </pc:sldMkLst>
-      </pc:sldChg>
-      <pc:sldChg chg="del">
-        <pc:chgData name="jeongkilyong" userId="42a1e730-e7ec-4950-9a60-48236c77d83b" providerId="ADAL" clId="{AF33EE09-1563-4B99-999A-EB513D20AF18}" dt="2023-10-23T07:11:50.968" v="743" actId="47"/>
-        <pc:sldMkLst>
-          <pc:docMk/>
-          <pc:sldMk cId="1218562178" sldId="281"/>
-        </pc:sldMkLst>
-      </pc:sldChg>
-      <pc:sldChg chg="del">
-        <pc:chgData name="jeongkilyong" userId="42a1e730-e7ec-4950-9a60-48236c77d83b" providerId="ADAL" clId="{AF33EE09-1563-4B99-999A-EB513D20AF18}" dt="2023-10-23T07:11:51.645" v="744" actId="47"/>
-        <pc:sldMkLst>
-          <pc:docMk/>
-          <pc:sldMk cId="3914735486" sldId="282"/>
-        </pc:sldMkLst>
-      </pc:sldChg>
-      <pc:sldChg chg="addSp delSp modSp mod">
-        <pc:chgData name="jeongkilyong" userId="42a1e730-e7ec-4950-9a60-48236c77d83b" providerId="ADAL" clId="{AF33EE09-1563-4B99-999A-EB513D20AF18}" dt="2023-10-23T07:05:13.586" v="171" actId="1076"/>
-        <pc:sldMkLst>
-          <pc:docMk/>
-          <pc:sldMk cId="2518751162" sldId="285"/>
-        </pc:sldMkLst>
-        <pc:spChg chg="add del">
-          <ac:chgData name="jeongkilyong" userId="42a1e730-e7ec-4950-9a60-48236c77d83b" providerId="ADAL" clId="{AF33EE09-1563-4B99-999A-EB513D20AF18}" dt="2023-10-23T07:05:04.118" v="136" actId="22"/>
-          <ac:spMkLst>
-            <pc:docMk/>
-            <pc:sldMk cId="2518751162" sldId="285"/>
-            <ac:spMk id="11" creationId="{098B9734-6BCC-43E9-9F4D-F0C0C86C7DC2}"/>
-          </ac:spMkLst>
-        </pc:spChg>
-        <pc:spChg chg="mod">
-          <ac:chgData name="jeongkilyong" userId="42a1e730-e7ec-4950-9a60-48236c77d83b" providerId="ADAL" clId="{AF33EE09-1563-4B99-999A-EB513D20AF18}" dt="2023-10-23T07:05:13.586" v="171" actId="1076"/>
-          <ac:spMkLst>
-            <pc:docMk/>
-            <pc:sldMk cId="2518751162" sldId="285"/>
-            <ac:spMk id="12" creationId="{F8B16E97-6244-1F49-89E2-02A389AB2CB2}"/>
-          </ac:spMkLst>
-        </pc:spChg>
-      </pc:sldChg>
-      <pc:sldChg chg="addSp delSp modSp mod">
-        <pc:chgData name="jeongkilyong" userId="42a1e730-e7ec-4950-9a60-48236c77d83b" providerId="ADAL" clId="{AF33EE09-1563-4B99-999A-EB513D20AF18}" dt="2023-10-23T23:56:34.368" v="941" actId="20577"/>
-        <pc:sldMkLst>
-          <pc:docMk/>
-          <pc:sldMk cId="3364918572" sldId="286"/>
-        </pc:sldMkLst>
-        <pc:spChg chg="add mod">
-          <ac:chgData name="jeongkilyong" userId="42a1e730-e7ec-4950-9a60-48236c77d83b" providerId="ADAL" clId="{AF33EE09-1563-4B99-999A-EB513D20AF18}" dt="2023-10-23T23:56:34.368" v="941" actId="20577"/>
-          <ac:spMkLst>
-            <pc:docMk/>
-            <pc:sldMk cId="3364918572" sldId="286"/>
-            <ac:spMk id="5" creationId="{51A18909-3721-4924-A1B6-35C35C00F700}"/>
-          </ac:spMkLst>
-        </pc:spChg>
-        <pc:spChg chg="del mod">
-          <ac:chgData name="jeongkilyong" userId="42a1e730-e7ec-4950-9a60-48236c77d83b" providerId="ADAL" clId="{AF33EE09-1563-4B99-999A-EB513D20AF18}" dt="2023-10-23T07:06:08.975" v="177" actId="478"/>
-          <ac:spMkLst>
-            <pc:docMk/>
-            <pc:sldMk cId="3364918572" sldId="286"/>
-            <ac:spMk id="10" creationId="{68EEA891-BE75-4D42-876D-5105BD9CE306}"/>
-          </ac:spMkLst>
-        </pc:spChg>
-        <pc:spChg chg="mod">
-          <ac:chgData name="jeongkilyong" userId="42a1e730-e7ec-4950-9a60-48236c77d83b" providerId="ADAL" clId="{AF33EE09-1563-4B99-999A-EB513D20AF18}" dt="2023-10-23T07:06:16.919" v="194" actId="20577"/>
-          <ac:spMkLst>
-            <pc:docMk/>
-            <pc:sldMk cId="3364918572" sldId="286"/>
-            <ac:spMk id="12" creationId="{10ACD4E5-1FFB-574E-8F99-C84FF7F7144F}"/>
-          </ac:spMkLst>
-        </pc:spChg>
-      </pc:sldChg>
-      <pc:sldChg chg="del">
-        <pc:chgData name="jeongkilyong" userId="42a1e730-e7ec-4950-9a60-48236c77d83b" providerId="ADAL" clId="{AF33EE09-1563-4B99-999A-EB513D20AF18}" dt="2023-10-23T07:11:34.126" v="736" actId="47"/>
-        <pc:sldMkLst>
-          <pc:docMk/>
-          <pc:sldMk cId="1487703584" sldId="287"/>
-        </pc:sldMkLst>
-      </pc:sldChg>
-      <pc:sldChg chg="del">
-        <pc:chgData name="jeongkilyong" userId="42a1e730-e7ec-4950-9a60-48236c77d83b" providerId="ADAL" clId="{AF33EE09-1563-4B99-999A-EB513D20AF18}" dt="2023-10-23T07:11:45.710" v="739" actId="47"/>
-        <pc:sldMkLst>
-          <pc:docMk/>
-          <pc:sldMk cId="2190763565" sldId="288"/>
-        </pc:sldMkLst>
-      </pc:sldChg>
-      <pc:sldChg chg="del">
-        <pc:chgData name="jeongkilyong" userId="42a1e730-e7ec-4950-9a60-48236c77d83b" providerId="ADAL" clId="{AF33EE09-1563-4B99-999A-EB513D20AF18}" dt="2023-10-23T07:11:41.757" v="737" actId="47"/>
-        <pc:sldMkLst>
-          <pc:docMk/>
-          <pc:sldMk cId="1655413217" sldId="289"/>
-        </pc:sldMkLst>
-      </pc:sldChg>
-      <pc:sldChg chg="del">
-        <pc:chgData name="jeongkilyong" userId="42a1e730-e7ec-4950-9a60-48236c77d83b" providerId="ADAL" clId="{AF33EE09-1563-4B99-999A-EB513D20AF18}" dt="2023-10-23T07:11:46.695" v="740" actId="47"/>
-        <pc:sldMkLst>
-          <pc:docMk/>
-          <pc:sldMk cId="293648480" sldId="290"/>
-        </pc:sldMkLst>
-      </pc:sldChg>
-      <pc:sldChg chg="del">
-        <pc:chgData name="jeongkilyong" userId="42a1e730-e7ec-4950-9a60-48236c77d83b" providerId="ADAL" clId="{AF33EE09-1563-4B99-999A-EB513D20AF18}" dt="2023-10-23T07:11:53.169" v="745" actId="47"/>
-        <pc:sldMkLst>
-          <pc:docMk/>
-          <pc:sldMk cId="2979653297" sldId="291"/>
-        </pc:sldMkLst>
-      </pc:sldChg>
-      <pc:sldChg chg="addSp modSp mod ord">
-        <pc:chgData name="jeongkilyong" userId="42a1e730-e7ec-4950-9a60-48236c77d83b" providerId="ADAL" clId="{AF33EE09-1563-4B99-999A-EB513D20AF18}" dt="2023-10-23T07:43:51.847" v="887" actId="1035"/>
-        <pc:sldMkLst>
-          <pc:docMk/>
-          <pc:sldMk cId="3485235614" sldId="292"/>
-        </pc:sldMkLst>
-        <pc:spChg chg="mod">
-          <ac:chgData name="jeongkilyong" userId="42a1e730-e7ec-4950-9a60-48236c77d83b" providerId="ADAL" clId="{AF33EE09-1563-4B99-999A-EB513D20AF18}" dt="2023-10-23T07:43:51.847" v="887" actId="1035"/>
-          <ac:spMkLst>
-            <pc:docMk/>
-            <pc:sldMk cId="3485235614" sldId="292"/>
-            <ac:spMk id="5" creationId="{FB35D915-9598-4DE5-A561-CC6FE4D2171D}"/>
-          </ac:spMkLst>
-        </pc:spChg>
-        <pc:spChg chg="add mod">
-          <ac:chgData name="jeongkilyong" userId="42a1e730-e7ec-4950-9a60-48236c77d83b" providerId="ADAL" clId="{AF33EE09-1563-4B99-999A-EB513D20AF18}" dt="2023-10-23T07:05:48.699" v="175" actId="1076"/>
-          <ac:spMkLst>
-            <pc:docMk/>
-            <pc:sldMk cId="3485235614" sldId="292"/>
-            <ac:spMk id="7" creationId="{E08312F0-3BD2-4F32-9089-FB425567B7D7}"/>
-          </ac:spMkLst>
-        </pc:spChg>
-        <pc:spChg chg="mod">
-          <ac:chgData name="jeongkilyong" userId="42a1e730-e7ec-4950-9a60-48236c77d83b" providerId="ADAL" clId="{AF33EE09-1563-4B99-999A-EB513D20AF18}" dt="2023-10-23T07:12:05.778" v="753" actId="20577"/>
-          <ac:spMkLst>
-            <pc:docMk/>
-            <pc:sldMk cId="3485235614" sldId="292"/>
-            <ac:spMk id="12" creationId="{10ACD4E5-1FFB-574E-8F99-C84FF7F7144F}"/>
-          </ac:spMkLst>
-        </pc:spChg>
-        <pc:picChg chg="add mod">
-          <ac:chgData name="jeongkilyong" userId="42a1e730-e7ec-4950-9a60-48236c77d83b" providerId="ADAL" clId="{AF33EE09-1563-4B99-999A-EB513D20AF18}" dt="2023-10-23T07:05:48.699" v="175" actId="1076"/>
-          <ac:picMkLst>
-            <pc:docMk/>
-            <pc:sldMk cId="3485235614" sldId="292"/>
-            <ac:picMk id="6" creationId="{70EB4F47-E0CF-4334-93D6-7B7E49AA174A}"/>
-          </ac:picMkLst>
-        </pc:picChg>
-      </pc:sldChg>
-      <pc:sldChg chg="addSp modSp add">
-        <pc:chgData name="jeongkilyong" userId="42a1e730-e7ec-4950-9a60-48236c77d83b" providerId="ADAL" clId="{AF33EE09-1563-4B99-999A-EB513D20AF18}" dt="2023-10-23T07:12:32.508" v="755"/>
-        <pc:sldMkLst>
-          <pc:docMk/>
-          <pc:sldMk cId="2773633433" sldId="293"/>
-        </pc:sldMkLst>
-        <pc:spChg chg="add mod">
-          <ac:chgData name="jeongkilyong" userId="42a1e730-e7ec-4950-9a60-48236c77d83b" providerId="ADAL" clId="{AF33EE09-1563-4B99-999A-EB513D20AF18}" dt="2023-10-23T07:12:32.508" v="755"/>
-          <ac:spMkLst>
-            <pc:docMk/>
-            <pc:sldMk cId="2773633433" sldId="293"/>
-            <ac:spMk id="4" creationId="{8BA83490-67D1-48A7-9E3E-EF473E8F231B}"/>
-          </ac:spMkLst>
-        </pc:spChg>
-      </pc:sldChg>
-      <pc:sldChg chg="addSp modSp add mod">
-        <pc:chgData name="jeongkilyong" userId="42a1e730-e7ec-4950-9a60-48236c77d83b" providerId="ADAL" clId="{AF33EE09-1563-4B99-999A-EB513D20AF18}" dt="2023-10-23T23:56:47.176" v="949" actId="20577"/>
-        <pc:sldMkLst>
-          <pc:docMk/>
-          <pc:sldMk cId="1339143532" sldId="294"/>
-        </pc:sldMkLst>
-        <pc:spChg chg="add mod">
-          <ac:chgData name="jeongkilyong" userId="42a1e730-e7ec-4950-9a60-48236c77d83b" providerId="ADAL" clId="{AF33EE09-1563-4B99-999A-EB513D20AF18}" dt="2023-10-23T23:56:47.176" v="949" actId="20577"/>
-          <ac:spMkLst>
-            <pc:docMk/>
-            <pc:sldMk cId="1339143532" sldId="294"/>
-            <ac:spMk id="4" creationId="{774467AD-A1D1-406C-AF1E-04FD592614BB}"/>
-          </ac:spMkLst>
-        </pc:spChg>
-        <pc:spChg chg="mod">
-          <ac:chgData name="jeongkilyong" userId="42a1e730-e7ec-4950-9a60-48236c77d83b" providerId="ADAL" clId="{AF33EE09-1563-4B99-999A-EB513D20AF18}" dt="2023-10-23T07:06:45.464" v="241" actId="20577"/>
-          <ac:spMkLst>
-            <pc:docMk/>
-            <pc:sldMk cId="1339143532" sldId="294"/>
-            <ac:spMk id="12" creationId="{10ACD4E5-1FFB-574E-8F99-C84FF7F7144F}"/>
-          </ac:spMkLst>
-        </pc:spChg>
-      </pc:sldChg>
-      <pc:sldChg chg="addSp modSp add mod">
-        <pc:chgData name="jeongkilyong" userId="42a1e730-e7ec-4950-9a60-48236c77d83b" providerId="ADAL" clId="{AF33EE09-1563-4B99-999A-EB513D20AF18}" dt="2023-10-23T07:24:14.464" v="793" actId="1076"/>
-        <pc:sldMkLst>
-          <pc:docMk/>
-          <pc:sldMk cId="3262124915" sldId="295"/>
-        </pc:sldMkLst>
-        <pc:spChg chg="add mod">
-          <ac:chgData name="jeongkilyong" userId="42a1e730-e7ec-4950-9a60-48236c77d83b" providerId="ADAL" clId="{AF33EE09-1563-4B99-999A-EB513D20AF18}" dt="2023-10-23T07:12:48.027" v="757"/>
-          <ac:spMkLst>
-            <pc:docMk/>
-            <pc:sldMk cId="3262124915" sldId="295"/>
-            <ac:spMk id="4" creationId="{D04E3A88-FDB4-4439-B4EE-FFAAFB989CCE}"/>
-          </ac:spMkLst>
-        </pc:spChg>
-        <pc:spChg chg="add mod">
-          <ac:chgData name="jeongkilyong" userId="42a1e730-e7ec-4950-9a60-48236c77d83b" providerId="ADAL" clId="{AF33EE09-1563-4B99-999A-EB513D20AF18}" dt="2023-10-23T07:24:14.464" v="793" actId="1076"/>
-          <ac:spMkLst>
-            <pc:docMk/>
-            <pc:sldMk cId="3262124915" sldId="295"/>
-            <ac:spMk id="6" creationId="{73F11AA4-2D07-4A14-8F43-FC32880B25E2}"/>
-          </ac:spMkLst>
-        </pc:spChg>
-        <pc:spChg chg="mod">
-          <ac:chgData name="jeongkilyong" userId="42a1e730-e7ec-4950-9a60-48236c77d83b" providerId="ADAL" clId="{AF33EE09-1563-4B99-999A-EB513D20AF18}" dt="2023-10-23T07:06:55.778" v="242"/>
-          <ac:spMkLst>
-            <pc:docMk/>
-            <pc:sldMk cId="3262124915" sldId="295"/>
-            <ac:spMk id="12" creationId="{10ACD4E5-1FFB-574E-8F99-C84FF7F7144F}"/>
-          </ac:spMkLst>
-        </pc:spChg>
-        <pc:picChg chg="add mod">
-          <ac:chgData name="jeongkilyong" userId="42a1e730-e7ec-4950-9a60-48236c77d83b" providerId="ADAL" clId="{AF33EE09-1563-4B99-999A-EB513D20AF18}" dt="2023-10-23T07:24:14.464" v="793" actId="1076"/>
-          <ac:picMkLst>
-            <pc:docMk/>
-            <pc:sldMk cId="3262124915" sldId="295"/>
-            <ac:picMk id="5" creationId="{DC93C024-0AB1-412E-95BE-ABD99F8FBF96}"/>
-          </ac:picMkLst>
-        </pc:picChg>
-      </pc:sldChg>
-      <pc:sldChg chg="addSp modSp add mod">
-        <pc:chgData name="jeongkilyong" userId="42a1e730-e7ec-4950-9a60-48236c77d83b" providerId="ADAL" clId="{AF33EE09-1563-4B99-999A-EB513D20AF18}" dt="2023-10-23T07:24:26.737" v="795" actId="1076"/>
-        <pc:sldMkLst>
-          <pc:docMk/>
-          <pc:sldMk cId="1942727681" sldId="296"/>
-        </pc:sldMkLst>
-        <pc:spChg chg="add mod">
-          <ac:chgData name="jeongkilyong" userId="42a1e730-e7ec-4950-9a60-48236c77d83b" providerId="ADAL" clId="{AF33EE09-1563-4B99-999A-EB513D20AF18}" dt="2023-10-23T07:12:55.172" v="758"/>
-          <ac:spMkLst>
-            <pc:docMk/>
-            <pc:sldMk cId="1942727681" sldId="296"/>
-            <ac:spMk id="4" creationId="{36A61F52-C7C9-44DD-A99A-6374000ED600}"/>
-          </ac:spMkLst>
-        </pc:spChg>
-        <pc:spChg chg="add mod">
-          <ac:chgData name="jeongkilyong" userId="42a1e730-e7ec-4950-9a60-48236c77d83b" providerId="ADAL" clId="{AF33EE09-1563-4B99-999A-EB513D20AF18}" dt="2023-10-23T07:24:26.737" v="795" actId="1076"/>
-          <ac:spMkLst>
-            <pc:docMk/>
-            <pc:sldMk cId="1942727681" sldId="296"/>
-            <ac:spMk id="6" creationId="{A147224D-EFBE-412D-9D3F-EE379B287AD7}"/>
-          </ac:spMkLst>
-        </pc:spChg>
-        <pc:spChg chg="mod">
-          <ac:chgData name="jeongkilyong" userId="42a1e730-e7ec-4950-9a60-48236c77d83b" providerId="ADAL" clId="{AF33EE09-1563-4B99-999A-EB513D20AF18}" dt="2023-10-23T07:07:04.608" v="243"/>
-          <ac:spMkLst>
-            <pc:docMk/>
-            <pc:sldMk cId="1942727681" sldId="296"/>
-            <ac:spMk id="12" creationId="{10ACD4E5-1FFB-574E-8F99-C84FF7F7144F}"/>
-          </ac:spMkLst>
-        </pc:spChg>
-        <pc:picChg chg="add mod">
-          <ac:chgData name="jeongkilyong" userId="42a1e730-e7ec-4950-9a60-48236c77d83b" providerId="ADAL" clId="{AF33EE09-1563-4B99-999A-EB513D20AF18}" dt="2023-10-23T07:24:26.737" v="795" actId="1076"/>
-          <ac:picMkLst>
-            <pc:docMk/>
-            <pc:sldMk cId="1942727681" sldId="296"/>
-            <ac:picMk id="5" creationId="{1A7D9A0B-C856-4ABE-8D91-EA96E0D18A24}"/>
-          </ac:picMkLst>
-        </pc:picChg>
-      </pc:sldChg>
-      <pc:sldChg chg="addSp delSp modSp add mod delAnim modAnim">
-        <pc:chgData name="jeongkilyong" userId="42a1e730-e7ec-4950-9a60-48236c77d83b" providerId="ADAL" clId="{AF33EE09-1563-4B99-999A-EB513D20AF18}" dt="2023-10-24T04:11:52.370" v="966" actId="478"/>
-        <pc:sldMkLst>
-          <pc:docMk/>
-          <pc:sldMk cId="1332861574" sldId="297"/>
-        </pc:sldMkLst>
-        <pc:spChg chg="add mod">
-          <ac:chgData name="jeongkilyong" userId="42a1e730-e7ec-4950-9a60-48236c77d83b" providerId="ADAL" clId="{AF33EE09-1563-4B99-999A-EB513D20AF18}" dt="2023-10-23T07:13:07.212" v="759"/>
-          <ac:spMkLst>
-            <pc:docMk/>
-            <pc:sldMk cId="1332861574" sldId="297"/>
-            <ac:spMk id="4" creationId="{813D2383-DFF9-476B-A942-C1D043941864}"/>
-          </ac:spMkLst>
-        </pc:spChg>
-        <pc:spChg chg="add mod">
-          <ac:chgData name="jeongkilyong" userId="42a1e730-e7ec-4950-9a60-48236c77d83b" providerId="ADAL" clId="{AF33EE09-1563-4B99-999A-EB513D20AF18}" dt="2023-10-23T07:13:07.212" v="759"/>
-          <ac:spMkLst>
-            <pc:docMk/>
-            <pc:sldMk cId="1332861574" sldId="297"/>
-            <ac:spMk id="5" creationId="{31A6D3EF-EC83-4473-B276-497C8C7BE8D0}"/>
-          </ac:spMkLst>
-        </pc:spChg>
-        <pc:spChg chg="add mod">
-          <ac:chgData name="jeongkilyong" userId="42a1e730-e7ec-4950-9a60-48236c77d83b" providerId="ADAL" clId="{AF33EE09-1563-4B99-999A-EB513D20AF18}" dt="2023-10-23T07:13:07.212" v="759"/>
-          <ac:spMkLst>
-            <pc:docMk/>
-            <pc:sldMk cId="1332861574" sldId="297"/>
-            <ac:spMk id="6" creationId="{14E7D8C5-985C-41D3-A175-814ACF463C58}"/>
-          </ac:spMkLst>
-        </pc:spChg>
-        <pc:spChg chg="add mod">
-          <ac:chgData name="jeongkilyong" userId="42a1e730-e7ec-4950-9a60-48236c77d83b" providerId="ADAL" clId="{AF33EE09-1563-4B99-999A-EB513D20AF18}" dt="2023-10-23T07:13:07.212" v="759"/>
-          <ac:spMkLst>
-            <pc:docMk/>
-            <pc:sldMk cId="1332861574" sldId="297"/>
-            <ac:spMk id="7" creationId="{8ED3AE87-14A9-48C4-8503-5D6C13BC064C}"/>
-          </ac:spMkLst>
-        </pc:spChg>
-        <pc:spChg chg="add mod">
-          <ac:chgData name="jeongkilyong" userId="42a1e730-e7ec-4950-9a60-48236c77d83b" providerId="ADAL" clId="{AF33EE09-1563-4B99-999A-EB513D20AF18}" dt="2023-10-23T07:13:07.212" v="759"/>
-          <ac:spMkLst>
-            <pc:docMk/>
-            <pc:sldMk cId="1332861574" sldId="297"/>
-            <ac:spMk id="8" creationId="{CFFC4C4A-7FF1-48E5-AE32-04C8BF8CFAD8}"/>
-          </ac:spMkLst>
-        </pc:spChg>
-        <pc:spChg chg="add mod">
-          <ac:chgData name="jeongkilyong" userId="42a1e730-e7ec-4950-9a60-48236c77d83b" providerId="ADAL" clId="{AF33EE09-1563-4B99-999A-EB513D20AF18}" dt="2023-10-23T07:31:36.720" v="832" actId="207"/>
-          <ac:spMkLst>
-            <pc:docMk/>
-            <pc:sldMk cId="1332861574" sldId="297"/>
-            <ac:spMk id="11" creationId="{231AF68D-C902-4FFB-AAC0-39B954138494}"/>
-          </ac:spMkLst>
-        </pc:spChg>
-        <pc:spChg chg="mod">
-          <ac:chgData name="jeongkilyong" userId="42a1e730-e7ec-4950-9a60-48236c77d83b" providerId="ADAL" clId="{AF33EE09-1563-4B99-999A-EB513D20AF18}" dt="2023-10-23T07:07:18.519" v="278" actId="20577"/>
-          <ac:spMkLst>
-            <pc:docMk/>
-            <pc:sldMk cId="1332861574" sldId="297"/>
-            <ac:spMk id="12" creationId="{10ACD4E5-1FFB-574E-8F99-C84FF7F7144F}"/>
-          </ac:spMkLst>
-        </pc:spChg>
-        <pc:spChg chg="add del mod">
-          <ac:chgData name="jeongkilyong" userId="42a1e730-e7ec-4950-9a60-48236c77d83b" providerId="ADAL" clId="{AF33EE09-1563-4B99-999A-EB513D20AF18}" dt="2023-10-24T04:11:52.370" v="966" actId="478"/>
-          <ac:spMkLst>
-            <pc:docMk/>
-            <pc:sldMk cId="1332861574" sldId="297"/>
-            <ac:spMk id="14" creationId="{37376AF5-E885-40E2-AB40-62B82DB05B6F}"/>
-          </ac:spMkLst>
-        </pc:spChg>
-        <pc:spChg chg="add mod">
-          <ac:chgData name="jeongkilyong" userId="42a1e730-e7ec-4950-9a60-48236c77d83b" providerId="ADAL" clId="{AF33EE09-1563-4B99-999A-EB513D20AF18}" dt="2023-10-23T07:30:46.989" v="828"/>
-          <ac:spMkLst>
-            <pc:docMk/>
-            <pc:sldMk cId="1332861574" sldId="297"/>
-            <ac:spMk id="15" creationId="{60F2F050-D4E6-4F49-AE65-5A9AF7D1A044}"/>
-          </ac:spMkLst>
-        </pc:spChg>
-        <pc:graphicFrameChg chg="add del mod">
-          <ac:chgData name="jeongkilyong" userId="42a1e730-e7ec-4950-9a60-48236c77d83b" providerId="ADAL" clId="{AF33EE09-1563-4B99-999A-EB513D20AF18}" dt="2023-10-23T07:30:46.381" v="827" actId="478"/>
-          <ac:graphicFrameMkLst>
-            <pc:docMk/>
-            <pc:sldMk cId="1332861574" sldId="297"/>
-            <ac:graphicFrameMk id="10" creationId="{3BD5CC82-F72F-4B14-B703-4CFC3C242B79}"/>
-          </ac:graphicFrameMkLst>
-        </pc:graphicFrameChg>
-        <pc:picChg chg="add del mod">
-          <ac:chgData name="jeongkilyong" userId="42a1e730-e7ec-4950-9a60-48236c77d83b" providerId="ADAL" clId="{AF33EE09-1563-4B99-999A-EB513D20AF18}" dt="2023-10-24T04:11:52.370" v="966" actId="478"/>
-          <ac:picMkLst>
-            <pc:docMk/>
-            <pc:sldMk cId="1332861574" sldId="297"/>
-            <ac:picMk id="13" creationId="{D7A7F68F-7BD2-4329-859C-535CDC459A0A}"/>
-          </ac:picMkLst>
-        </pc:picChg>
-      </pc:sldChg>
-      <pc:sldChg chg="addSp delSp modSp add mod">
-        <pc:chgData name="jeongkilyong" userId="42a1e730-e7ec-4950-9a60-48236c77d83b" providerId="ADAL" clId="{AF33EE09-1563-4B99-999A-EB513D20AF18}" dt="2023-10-24T04:11:40.536" v="965"/>
-        <pc:sldMkLst>
-          <pc:docMk/>
-          <pc:sldMk cId="4177267907" sldId="298"/>
-        </pc:sldMkLst>
-        <pc:spChg chg="add mod">
-          <ac:chgData name="jeongkilyong" userId="42a1e730-e7ec-4950-9a60-48236c77d83b" providerId="ADAL" clId="{AF33EE09-1563-4B99-999A-EB513D20AF18}" dt="2023-10-23T07:31:51.588" v="833" actId="207"/>
-          <ac:spMkLst>
-            <pc:docMk/>
-            <pc:sldMk cId="4177267907" sldId="298"/>
-            <ac:spMk id="4" creationId="{6232393F-E770-4191-8E24-16D784BD4E73}"/>
-          </ac:spMkLst>
-        </pc:spChg>
-        <pc:spChg chg="add mod">
-          <ac:chgData name="jeongkilyong" userId="42a1e730-e7ec-4950-9a60-48236c77d83b" providerId="ADAL" clId="{AF33EE09-1563-4B99-999A-EB513D20AF18}" dt="2023-10-23T07:17:28.971" v="766"/>
-          <ac:spMkLst>
-            <pc:docMk/>
-            <pc:sldMk cId="4177267907" sldId="298"/>
-            <ac:spMk id="5" creationId="{D4F16174-A0DD-4CD8-9811-A1B2A781A450}"/>
-          </ac:spMkLst>
-        </pc:spChg>
-        <pc:spChg chg="add mod">
-          <ac:chgData name="jeongkilyong" userId="42a1e730-e7ec-4950-9a60-48236c77d83b" providerId="ADAL" clId="{AF33EE09-1563-4B99-999A-EB513D20AF18}" dt="2023-10-23T07:17:28.971" v="766"/>
-          <ac:spMkLst>
-            <pc:docMk/>
-            <pc:sldMk cId="4177267907" sldId="298"/>
-            <ac:spMk id="6" creationId="{D7A4E6A6-BF1C-4DE1-BCFB-692B4276AB25}"/>
-          </ac:spMkLst>
-        </pc:spChg>
-        <pc:spChg chg="add del mod">
-          <ac:chgData name="jeongkilyong" userId="42a1e730-e7ec-4950-9a60-48236c77d83b" providerId="ADAL" clId="{AF33EE09-1563-4B99-999A-EB513D20AF18}" dt="2023-10-24T04:11:40.172" v="964" actId="478"/>
-          <ac:spMkLst>
-            <pc:docMk/>
-            <pc:sldMk cId="4177267907" sldId="298"/>
-            <ac:spMk id="8" creationId="{65CD8C68-C7E9-40BB-B3FB-1586470DBD9B}"/>
-          </ac:spMkLst>
-        </pc:spChg>
-        <pc:spChg chg="add mod">
-          <ac:chgData name="jeongkilyong" userId="42a1e730-e7ec-4950-9a60-48236c77d83b" providerId="ADAL" clId="{AF33EE09-1563-4B99-999A-EB513D20AF18}" dt="2023-10-24T04:11:40.536" v="965"/>
-          <ac:spMkLst>
-            <pc:docMk/>
-            <pc:sldMk cId="4177267907" sldId="298"/>
-            <ac:spMk id="11" creationId="{BE57FB5D-5F9D-4A94-8054-1CC4EA3FE950}"/>
-          </ac:spMkLst>
-        </pc:spChg>
-        <pc:spChg chg="mod">
-          <ac:chgData name="jeongkilyong" userId="42a1e730-e7ec-4950-9a60-48236c77d83b" providerId="ADAL" clId="{AF33EE09-1563-4B99-999A-EB513D20AF18}" dt="2023-10-23T07:07:34.427" v="299" actId="20577"/>
-          <ac:spMkLst>
-            <pc:docMk/>
-            <pc:sldMk cId="4177267907" sldId="298"/>
-            <ac:spMk id="12" creationId="{10ACD4E5-1FFB-574E-8F99-C84FF7F7144F}"/>
-          </ac:spMkLst>
-        </pc:spChg>
-        <pc:picChg chg="add del mod">
-          <ac:chgData name="jeongkilyong" userId="42a1e730-e7ec-4950-9a60-48236c77d83b" providerId="ADAL" clId="{AF33EE09-1563-4B99-999A-EB513D20AF18}" dt="2023-10-24T04:11:40.172" v="964" actId="478"/>
-          <ac:picMkLst>
-            <pc:docMk/>
-            <pc:sldMk cId="4177267907" sldId="298"/>
-            <ac:picMk id="7" creationId="{8918B333-95E1-4BE6-95E7-8DF82765BA97}"/>
-          </ac:picMkLst>
-        </pc:picChg>
-        <pc:picChg chg="add mod">
-          <ac:chgData name="jeongkilyong" userId="42a1e730-e7ec-4950-9a60-48236c77d83b" providerId="ADAL" clId="{AF33EE09-1563-4B99-999A-EB513D20AF18}" dt="2023-10-24T04:11:40.536" v="965"/>
-          <ac:picMkLst>
-            <pc:docMk/>
-            <pc:sldMk cId="4177267907" sldId="298"/>
-            <ac:picMk id="10" creationId="{4E3FB94B-2804-422F-9A19-B899C9C9343F}"/>
-          </ac:picMkLst>
-        </pc:picChg>
-      </pc:sldChg>
-      <pc:sldChg chg="addSp modSp add mod">
-        <pc:chgData name="jeongkilyong" userId="42a1e730-e7ec-4950-9a60-48236c77d83b" providerId="ADAL" clId="{AF33EE09-1563-4B99-999A-EB513D20AF18}" dt="2023-10-23T07:18:20.860" v="770"/>
-        <pc:sldMkLst>
-          <pc:docMk/>
-          <pc:sldMk cId="1359256327" sldId="299"/>
-        </pc:sldMkLst>
-        <pc:spChg chg="add mod">
-          <ac:chgData name="jeongkilyong" userId="42a1e730-e7ec-4950-9a60-48236c77d83b" providerId="ADAL" clId="{AF33EE09-1563-4B99-999A-EB513D20AF18}" dt="2023-10-23T07:18:15.901" v="769"/>
-          <ac:spMkLst>
-            <pc:docMk/>
-            <pc:sldMk cId="1359256327" sldId="299"/>
-            <ac:spMk id="4" creationId="{34847220-2C0C-4AB6-8ED2-706D9E7F5731}"/>
-          </ac:spMkLst>
-        </pc:spChg>
-        <pc:spChg chg="mod">
-          <ac:chgData name="jeongkilyong" userId="42a1e730-e7ec-4950-9a60-48236c77d83b" providerId="ADAL" clId="{AF33EE09-1563-4B99-999A-EB513D20AF18}" dt="2023-10-23T07:07:50.755" v="318" actId="6549"/>
-          <ac:spMkLst>
-            <pc:docMk/>
-            <pc:sldMk cId="1359256327" sldId="299"/>
-            <ac:spMk id="12" creationId="{10ACD4E5-1FFB-574E-8F99-C84FF7F7144F}"/>
-          </ac:spMkLst>
-        </pc:spChg>
-        <pc:picChg chg="add mod">
-          <ac:chgData name="jeongkilyong" userId="42a1e730-e7ec-4950-9a60-48236c77d83b" providerId="ADAL" clId="{AF33EE09-1563-4B99-999A-EB513D20AF18}" dt="2023-10-23T07:18:20.860" v="770"/>
-          <ac:picMkLst>
-            <pc:docMk/>
-            <pc:sldMk cId="1359256327" sldId="299"/>
-            <ac:picMk id="5" creationId="{66E56E4D-8E27-4166-B018-7219E32909DF}"/>
-          </ac:picMkLst>
-        </pc:picChg>
-        <pc:picChg chg="add mod">
-          <ac:chgData name="jeongkilyong" userId="42a1e730-e7ec-4950-9a60-48236c77d83b" providerId="ADAL" clId="{AF33EE09-1563-4B99-999A-EB513D20AF18}" dt="2023-10-23T07:18:20.860" v="770"/>
-          <ac:picMkLst>
-            <pc:docMk/>
-            <pc:sldMk cId="1359256327" sldId="299"/>
-            <ac:picMk id="6" creationId="{0BE316FA-CDDF-48E8-8610-E18E4B194545}"/>
-          </ac:picMkLst>
-        </pc:picChg>
-      </pc:sldChg>
-      <pc:sldChg chg="addSp modSp add mod">
-        <pc:chgData name="jeongkilyong" userId="42a1e730-e7ec-4950-9a60-48236c77d83b" providerId="ADAL" clId="{AF33EE09-1563-4B99-999A-EB513D20AF18}" dt="2023-10-23T07:25:01.624" v="801" actId="1076"/>
-        <pc:sldMkLst>
-          <pc:docMk/>
-          <pc:sldMk cId="3213353773" sldId="300"/>
-        </pc:sldMkLst>
-        <pc:spChg chg="add mod">
-          <ac:chgData name="jeongkilyong" userId="42a1e730-e7ec-4950-9a60-48236c77d83b" providerId="ADAL" clId="{AF33EE09-1563-4B99-999A-EB513D20AF18}" dt="2023-10-23T07:18:35.492" v="771"/>
-          <ac:spMkLst>
-            <pc:docMk/>
-            <pc:sldMk cId="3213353773" sldId="300"/>
-            <ac:spMk id="4" creationId="{16D659E7-5297-405E-8ECD-29EFEB76874F}"/>
-          </ac:spMkLst>
-        </pc:spChg>
-        <pc:spChg chg="add mod">
-          <ac:chgData name="jeongkilyong" userId="42a1e730-e7ec-4950-9a60-48236c77d83b" providerId="ADAL" clId="{AF33EE09-1563-4B99-999A-EB513D20AF18}" dt="2023-10-23T07:18:35.492" v="771"/>
-          <ac:spMkLst>
-            <pc:docMk/>
-            <pc:sldMk cId="3213353773" sldId="300"/>
-            <ac:spMk id="5" creationId="{82886775-EA81-4354-BA54-D0808046CD03}"/>
-          </ac:spMkLst>
-        </pc:spChg>
-        <pc:spChg chg="add mod">
-          <ac:chgData name="jeongkilyong" userId="42a1e730-e7ec-4950-9a60-48236c77d83b" providerId="ADAL" clId="{AF33EE09-1563-4B99-999A-EB513D20AF18}" dt="2023-10-23T07:19:04.085" v="772"/>
-          <ac:spMkLst>
-            <pc:docMk/>
-            <pc:sldMk cId="3213353773" sldId="300"/>
-            <ac:spMk id="6" creationId="{E6CB1B00-BFBC-4233-8D96-50E82A1F7C11}"/>
-          </ac:spMkLst>
-        </pc:spChg>
-        <pc:spChg chg="add mod">
-          <ac:chgData name="jeongkilyong" userId="42a1e730-e7ec-4950-9a60-48236c77d83b" providerId="ADAL" clId="{AF33EE09-1563-4B99-999A-EB513D20AF18}" dt="2023-10-23T07:25:01.624" v="801" actId="1076"/>
-          <ac:spMkLst>
-            <pc:docMk/>
-            <pc:sldMk cId="3213353773" sldId="300"/>
-            <ac:spMk id="8" creationId="{C5B72ADC-D792-49D8-99FA-88D5C1F0871D}"/>
-          </ac:spMkLst>
-        </pc:spChg>
-        <pc:spChg chg="mod">
-          <ac:chgData name="jeongkilyong" userId="42a1e730-e7ec-4950-9a60-48236c77d83b" providerId="ADAL" clId="{AF33EE09-1563-4B99-999A-EB513D20AF18}" dt="2023-10-23T07:08:05.365" v="319"/>
-          <ac:spMkLst>
-            <pc:docMk/>
-            <pc:sldMk cId="3213353773" sldId="300"/>
-            <ac:spMk id="12" creationId="{10ACD4E5-1FFB-574E-8F99-C84FF7F7144F}"/>
-          </ac:spMkLst>
-        </pc:spChg>
-        <pc:picChg chg="add mod">
-          <ac:chgData name="jeongkilyong" userId="42a1e730-e7ec-4950-9a60-48236c77d83b" providerId="ADAL" clId="{AF33EE09-1563-4B99-999A-EB513D20AF18}" dt="2023-10-23T07:25:01.624" v="801" actId="1076"/>
-          <ac:picMkLst>
-            <pc:docMk/>
-            <pc:sldMk cId="3213353773" sldId="300"/>
-            <ac:picMk id="7" creationId="{2A75830C-65AE-4777-B38E-DF7A4C4A18C5}"/>
-          </ac:picMkLst>
-        </pc:picChg>
-      </pc:sldChg>
-      <pc:sldChg chg="addSp modSp add mod">
-        <pc:chgData name="jeongkilyong" userId="42a1e730-e7ec-4950-9a60-48236c77d83b" providerId="ADAL" clId="{AF33EE09-1563-4B99-999A-EB513D20AF18}" dt="2023-10-23T07:43:17.721" v="881" actId="207"/>
-        <pc:sldMkLst>
-          <pc:docMk/>
-          <pc:sldMk cId="648361740" sldId="301"/>
-        </pc:sldMkLst>
-        <pc:spChg chg="add mod">
-          <ac:chgData name="jeongkilyong" userId="42a1e730-e7ec-4950-9a60-48236c77d83b" providerId="ADAL" clId="{AF33EE09-1563-4B99-999A-EB513D20AF18}" dt="2023-10-23T07:43:17.721" v="881" actId="207"/>
-          <ac:spMkLst>
-            <pc:docMk/>
-            <pc:sldMk cId="648361740" sldId="301"/>
-            <ac:spMk id="4" creationId="{D0E21DA3-787C-4E3B-BB47-C3D54A1DFBC1}"/>
-          </ac:spMkLst>
-        </pc:spChg>
-        <pc:spChg chg="mod">
-          <ac:chgData name="jeongkilyong" userId="42a1e730-e7ec-4950-9a60-48236c77d83b" providerId="ADAL" clId="{AF33EE09-1563-4B99-999A-EB513D20AF18}" dt="2023-10-23T07:08:19.553" v="356" actId="20577"/>
-          <ac:spMkLst>
-            <pc:docMk/>
-            <pc:sldMk cId="648361740" sldId="301"/>
-            <ac:spMk id="12" creationId="{10ACD4E5-1FFB-574E-8F99-C84FF7F7144F}"/>
-          </ac:spMkLst>
-        </pc:spChg>
-      </pc:sldChg>
-      <pc:sldChg chg="addSp modSp add mod">
-        <pc:chgData name="jeongkilyong" userId="42a1e730-e7ec-4950-9a60-48236c77d83b" providerId="ADAL" clId="{AF33EE09-1563-4B99-999A-EB513D20AF18}" dt="2023-10-24T04:49:39.178" v="986" actId="20577"/>
-        <pc:sldMkLst>
-          <pc:docMk/>
-          <pc:sldMk cId="2154788897" sldId="302"/>
-        </pc:sldMkLst>
-        <pc:spChg chg="add mod">
-          <ac:chgData name="jeongkilyong" userId="42a1e730-e7ec-4950-9a60-48236c77d83b" providerId="ADAL" clId="{AF33EE09-1563-4B99-999A-EB513D20AF18}" dt="2023-10-23T07:19:15.360" v="774"/>
-          <ac:spMkLst>
-            <pc:docMk/>
-            <pc:sldMk cId="2154788897" sldId="302"/>
-            <ac:spMk id="4" creationId="{98929133-3EA8-43E2-B9EF-033CD02B9F78}"/>
-          </ac:spMkLst>
-        </pc:spChg>
-        <pc:spChg chg="add mod">
-          <ac:chgData name="jeongkilyong" userId="42a1e730-e7ec-4950-9a60-48236c77d83b" providerId="ADAL" clId="{AF33EE09-1563-4B99-999A-EB513D20AF18}" dt="2023-10-24T04:49:32.177" v="975" actId="20577"/>
-          <ac:spMkLst>
-            <pc:docMk/>
-            <pc:sldMk cId="2154788897" sldId="302"/>
-            <ac:spMk id="7" creationId="{0CB431E9-62D3-4083-9C31-A40CB7B749C0}"/>
-          </ac:spMkLst>
-        </pc:spChg>
-        <pc:spChg chg="add mod">
-          <ac:chgData name="jeongkilyong" userId="42a1e730-e7ec-4950-9a60-48236c77d83b" providerId="ADAL" clId="{AF33EE09-1563-4B99-999A-EB513D20AF18}" dt="2023-10-24T04:49:39.178" v="986" actId="20577"/>
-          <ac:spMkLst>
-            <pc:docMk/>
-            <pc:sldMk cId="2154788897" sldId="302"/>
-            <ac:spMk id="8" creationId="{8C5B1E61-F519-4544-B97B-D41CC394F276}"/>
-          </ac:spMkLst>
-        </pc:spChg>
-        <pc:spChg chg="mod">
-          <ac:chgData name="jeongkilyong" userId="42a1e730-e7ec-4950-9a60-48236c77d83b" providerId="ADAL" clId="{AF33EE09-1563-4B99-999A-EB513D20AF18}" dt="2023-10-23T07:08:28.657" v="357"/>
-          <ac:spMkLst>
-            <pc:docMk/>
-            <pc:sldMk cId="2154788897" sldId="302"/>
-            <ac:spMk id="12" creationId="{10ACD4E5-1FFB-574E-8F99-C84FF7F7144F}"/>
-          </ac:spMkLst>
-        </pc:spChg>
-        <pc:spChg chg="add mod">
-          <ac:chgData name="jeongkilyong" userId="42a1e730-e7ec-4950-9a60-48236c77d83b" providerId="ADAL" clId="{AF33EE09-1563-4B99-999A-EB513D20AF18}" dt="2023-10-23T07:25:13.313" v="803" actId="1076"/>
-          <ac:spMkLst>
-            <pc:docMk/>
-            <pc:sldMk cId="2154788897" sldId="302"/>
-            <ac:spMk id="14" creationId="{27B52C8A-D521-4E97-A448-90D77BB505D0}"/>
-          </ac:spMkLst>
-        </pc:spChg>
-        <pc:graphicFrameChg chg="add mod">
-          <ac:chgData name="jeongkilyong" userId="42a1e730-e7ec-4950-9a60-48236c77d83b" providerId="ADAL" clId="{AF33EE09-1563-4B99-999A-EB513D20AF18}" dt="2023-10-23T07:19:23.788" v="775"/>
-          <ac:graphicFrameMkLst>
-            <pc:docMk/>
-            <pc:sldMk cId="2154788897" sldId="302"/>
-            <ac:graphicFrameMk id="5" creationId="{0B5674B6-8DA5-4641-A0F6-0A7269EA042C}"/>
-          </ac:graphicFrameMkLst>
-        </pc:graphicFrameChg>
-        <pc:graphicFrameChg chg="add mod">
-          <ac:chgData name="jeongkilyong" userId="42a1e730-e7ec-4950-9a60-48236c77d83b" providerId="ADAL" clId="{AF33EE09-1563-4B99-999A-EB513D20AF18}" dt="2023-10-23T07:19:23.788" v="775"/>
-          <ac:graphicFrameMkLst>
-            <pc:docMk/>
-            <pc:sldMk cId="2154788897" sldId="302"/>
-            <ac:graphicFrameMk id="6" creationId="{0EBE37DC-09AD-4CB2-B26C-E90A07513179}"/>
-          </ac:graphicFrameMkLst>
-        </pc:graphicFrameChg>
-        <pc:picChg chg="add mod">
-          <ac:chgData name="jeongkilyong" userId="42a1e730-e7ec-4950-9a60-48236c77d83b" providerId="ADAL" clId="{AF33EE09-1563-4B99-999A-EB513D20AF18}" dt="2023-10-23T07:25:13.313" v="803" actId="1076"/>
-          <ac:picMkLst>
-            <pc:docMk/>
-            <pc:sldMk cId="2154788897" sldId="302"/>
-            <ac:picMk id="13" creationId="{6E557CC0-E179-4486-9546-1EABEA1A0452}"/>
-          </ac:picMkLst>
-        </pc:picChg>
-        <pc:cxnChg chg="add mod">
-          <ac:chgData name="jeongkilyong" userId="42a1e730-e7ec-4950-9a60-48236c77d83b" providerId="ADAL" clId="{AF33EE09-1563-4B99-999A-EB513D20AF18}" dt="2023-10-23T07:19:23.788" v="775"/>
-          <ac:cxnSpMkLst>
-            <pc:docMk/>
-            <pc:sldMk cId="2154788897" sldId="302"/>
-            <ac:cxnSpMk id="10" creationId="{58CF1BE2-F8B9-42E8-8F54-C3813D2B421E}"/>
-          </ac:cxnSpMkLst>
-        </pc:cxnChg>
-        <pc:cxnChg chg="add mod">
-          <ac:chgData name="jeongkilyong" userId="42a1e730-e7ec-4950-9a60-48236c77d83b" providerId="ADAL" clId="{AF33EE09-1563-4B99-999A-EB513D20AF18}" dt="2023-10-23T07:19:23.788" v="775"/>
-          <ac:cxnSpMkLst>
-            <pc:docMk/>
-            <pc:sldMk cId="2154788897" sldId="302"/>
-            <ac:cxnSpMk id="11" creationId="{8F9057C1-D213-44F8-B7B0-26D54435935B}"/>
-          </ac:cxnSpMkLst>
-        </pc:cxnChg>
-      </pc:sldChg>
-      <pc:sldChg chg="addSp modSp add mod">
-        <pc:chgData name="jeongkilyong" userId="42a1e730-e7ec-4950-9a60-48236c77d83b" providerId="ADAL" clId="{AF33EE09-1563-4B99-999A-EB513D20AF18}" dt="2023-10-23T07:25:25.884" v="805" actId="1076"/>
-        <pc:sldMkLst>
-          <pc:docMk/>
-          <pc:sldMk cId="1512175827" sldId="303"/>
-        </pc:sldMkLst>
-        <pc:spChg chg="add mod">
-          <ac:chgData name="jeongkilyong" userId="42a1e730-e7ec-4950-9a60-48236c77d83b" providerId="ADAL" clId="{AF33EE09-1563-4B99-999A-EB513D20AF18}" dt="2023-10-23T07:20:36.504" v="776"/>
-          <ac:spMkLst>
-            <pc:docMk/>
-            <pc:sldMk cId="1512175827" sldId="303"/>
-            <ac:spMk id="4" creationId="{2F4167C7-DA8E-4786-9F05-B5165DB2150D}"/>
-          </ac:spMkLst>
-        </pc:spChg>
-        <pc:spChg chg="add mod">
-          <ac:chgData name="jeongkilyong" userId="42a1e730-e7ec-4950-9a60-48236c77d83b" providerId="ADAL" clId="{AF33EE09-1563-4B99-999A-EB513D20AF18}" dt="2023-10-23T07:20:36.504" v="776"/>
-          <ac:spMkLst>
-            <pc:docMk/>
-            <pc:sldMk cId="1512175827" sldId="303"/>
-            <ac:spMk id="5" creationId="{8FC72059-5964-4518-A34C-EB38C6E7A73D}"/>
-          </ac:spMkLst>
-        </pc:spChg>
-        <pc:spChg chg="add mod">
-          <ac:chgData name="jeongkilyong" userId="42a1e730-e7ec-4950-9a60-48236c77d83b" providerId="ADAL" clId="{AF33EE09-1563-4B99-999A-EB513D20AF18}" dt="2023-10-23T07:20:36.504" v="776"/>
-          <ac:spMkLst>
-            <pc:docMk/>
-            <pc:sldMk cId="1512175827" sldId="303"/>
-            <ac:spMk id="6" creationId="{38C6FB45-54AB-4181-93AF-1A8ED1738BE5}"/>
-          </ac:spMkLst>
-        </pc:spChg>
-        <pc:spChg chg="add mod">
-          <ac:chgData name="jeongkilyong" userId="42a1e730-e7ec-4950-9a60-48236c77d83b" providerId="ADAL" clId="{AF33EE09-1563-4B99-999A-EB513D20AF18}" dt="2023-10-23T07:25:25.884" v="805" actId="1076"/>
-          <ac:spMkLst>
-            <pc:docMk/>
-            <pc:sldMk cId="1512175827" sldId="303"/>
-            <ac:spMk id="8" creationId="{99668959-7CD8-4B9D-9F99-7C380A75D822}"/>
-          </ac:spMkLst>
-        </pc:spChg>
-        <pc:spChg chg="mod">
-          <ac:chgData name="jeongkilyong" userId="42a1e730-e7ec-4950-9a60-48236c77d83b" providerId="ADAL" clId="{AF33EE09-1563-4B99-999A-EB513D20AF18}" dt="2023-10-23T07:08:30.686" v="358"/>
-          <ac:spMkLst>
-            <pc:docMk/>
-            <pc:sldMk cId="1512175827" sldId="303"/>
-            <ac:spMk id="12" creationId="{10ACD4E5-1FFB-574E-8F99-C84FF7F7144F}"/>
-          </ac:spMkLst>
-        </pc:spChg>
-        <pc:picChg chg="add mod">
-          <ac:chgData name="jeongkilyong" userId="42a1e730-e7ec-4950-9a60-48236c77d83b" providerId="ADAL" clId="{AF33EE09-1563-4B99-999A-EB513D20AF18}" dt="2023-10-23T07:25:25.884" v="805" actId="1076"/>
-          <ac:picMkLst>
-            <pc:docMk/>
-            <pc:sldMk cId="1512175827" sldId="303"/>
-            <ac:picMk id="7" creationId="{DF335C85-6658-4845-A9C8-F15E4C8B2E9F}"/>
-          </ac:picMkLst>
-        </pc:picChg>
-      </pc:sldChg>
-      <pc:sldChg chg="addSp modSp add mod">
-        <pc:chgData name="jeongkilyong" userId="42a1e730-e7ec-4950-9a60-48236c77d83b" providerId="ADAL" clId="{AF33EE09-1563-4B99-999A-EB513D20AF18}" dt="2023-10-23T07:32:18.571" v="836" actId="20577"/>
-        <pc:sldMkLst>
-          <pc:docMk/>
-          <pc:sldMk cId="2639618182" sldId="304"/>
-        </pc:sldMkLst>
-        <pc:spChg chg="add mod">
-          <ac:chgData name="jeongkilyong" userId="42a1e730-e7ec-4950-9a60-48236c77d83b" providerId="ADAL" clId="{AF33EE09-1563-4B99-999A-EB513D20AF18}" dt="2023-10-23T07:32:18.571" v="836" actId="20577"/>
-          <ac:spMkLst>
-            <pc:docMk/>
-            <pc:sldMk cId="2639618182" sldId="304"/>
-            <ac:spMk id="4" creationId="{073857D4-AEFA-4B7E-A7BA-B897E0FFD702}"/>
-          </ac:spMkLst>
-        </pc:spChg>
-        <pc:spChg chg="add mod">
-          <ac:chgData name="jeongkilyong" userId="42a1e730-e7ec-4950-9a60-48236c77d83b" providerId="ADAL" clId="{AF33EE09-1563-4B99-999A-EB513D20AF18}" dt="2023-10-23T07:32:14.848" v="834" actId="14100"/>
-          <ac:spMkLst>
-            <pc:docMk/>
-            <pc:sldMk cId="2639618182" sldId="304"/>
-            <ac:spMk id="5" creationId="{C3AB5C45-87F0-4D5B-81B1-BB0657252AF7}"/>
-          </ac:spMkLst>
-        </pc:spChg>
-        <pc:spChg chg="add mod">
-          <ac:chgData name="jeongkilyong" userId="42a1e730-e7ec-4950-9a60-48236c77d83b" providerId="ADAL" clId="{AF33EE09-1563-4B99-999A-EB513D20AF18}" dt="2023-10-23T07:25:34.913" v="807" actId="1076"/>
-          <ac:spMkLst>
-            <pc:docMk/>
-            <pc:sldMk cId="2639618182" sldId="304"/>
-            <ac:spMk id="7" creationId="{FB002E49-B59A-47BA-901E-5F5EECEB9CC4}"/>
-          </ac:spMkLst>
-        </pc:spChg>
-        <pc:spChg chg="mod">
-          <ac:chgData name="jeongkilyong" userId="42a1e730-e7ec-4950-9a60-48236c77d83b" providerId="ADAL" clId="{AF33EE09-1563-4B99-999A-EB513D20AF18}" dt="2023-10-23T07:08:47.163" v="412" actId="6549"/>
-          <ac:spMkLst>
-            <pc:docMk/>
-            <pc:sldMk cId="2639618182" sldId="304"/>
-            <ac:spMk id="12" creationId="{10ACD4E5-1FFB-574E-8F99-C84FF7F7144F}"/>
-          </ac:spMkLst>
-        </pc:spChg>
-        <pc:picChg chg="add mod">
-          <ac:chgData name="jeongkilyong" userId="42a1e730-e7ec-4950-9a60-48236c77d83b" providerId="ADAL" clId="{AF33EE09-1563-4B99-999A-EB513D20AF18}" dt="2023-10-23T07:25:34.913" v="807" actId="1076"/>
-          <ac:picMkLst>
-            <pc:docMk/>
-            <pc:sldMk cId="2639618182" sldId="304"/>
-            <ac:picMk id="6" creationId="{6E913BF9-5006-434E-9377-A0D9704CD3C8}"/>
-          </ac:picMkLst>
-        </pc:picChg>
-      </pc:sldChg>
-      <pc:sldChg chg="addSp modSp add mod">
-        <pc:chgData name="jeongkilyong" userId="42a1e730-e7ec-4950-9a60-48236c77d83b" providerId="ADAL" clId="{AF33EE09-1563-4B99-999A-EB513D20AF18}" dt="2023-10-23T07:42:50.095" v="879" actId="207"/>
-        <pc:sldMkLst>
-          <pc:docMk/>
-          <pc:sldMk cId="2147266946" sldId="305"/>
-        </pc:sldMkLst>
-        <pc:spChg chg="add mod">
-          <ac:chgData name="jeongkilyong" userId="42a1e730-e7ec-4950-9a60-48236c77d83b" providerId="ADAL" clId="{AF33EE09-1563-4B99-999A-EB513D20AF18}" dt="2023-10-23T07:42:50.095" v="879" actId="207"/>
-          <ac:spMkLst>
-            <pc:docMk/>
-            <pc:sldMk cId="2147266946" sldId="305"/>
-            <ac:spMk id="4" creationId="{DC839081-9198-47AE-8D81-997AAAEF3750}"/>
-          </ac:spMkLst>
-        </pc:spChg>
-        <pc:spChg chg="add mod">
-          <ac:chgData name="jeongkilyong" userId="42a1e730-e7ec-4950-9a60-48236c77d83b" providerId="ADAL" clId="{AF33EE09-1563-4B99-999A-EB513D20AF18}" dt="2023-10-23T07:25:43.249" v="809" actId="1076"/>
-          <ac:spMkLst>
-            <pc:docMk/>
-            <pc:sldMk cId="2147266946" sldId="305"/>
-            <ac:spMk id="6" creationId="{DD1DCBDA-6EAC-40E6-B4A6-DBB46049EB74}"/>
-          </ac:spMkLst>
-        </pc:spChg>
-        <pc:spChg chg="mod">
-          <ac:chgData name="jeongkilyong" userId="42a1e730-e7ec-4950-9a60-48236c77d83b" providerId="ADAL" clId="{AF33EE09-1563-4B99-999A-EB513D20AF18}" dt="2023-10-23T07:09:33.711" v="447" actId="20577"/>
-          <ac:spMkLst>
-            <pc:docMk/>
-            <pc:sldMk cId="2147266946" sldId="305"/>
-            <ac:spMk id="12" creationId="{10ACD4E5-1FFB-574E-8F99-C84FF7F7144F}"/>
-          </ac:spMkLst>
-        </pc:spChg>
-        <pc:picChg chg="add mod">
-          <ac:chgData name="jeongkilyong" userId="42a1e730-e7ec-4950-9a60-48236c77d83b" providerId="ADAL" clId="{AF33EE09-1563-4B99-999A-EB513D20AF18}" dt="2023-10-23T07:25:43.249" v="809" actId="1076"/>
-          <ac:picMkLst>
-            <pc:docMk/>
-            <pc:sldMk cId="2147266946" sldId="305"/>
-            <ac:picMk id="5" creationId="{13DC5B97-1E40-4A8D-A9ED-3C149131C480}"/>
-          </ac:picMkLst>
-        </pc:picChg>
-      </pc:sldChg>
-      <pc:sldChg chg="addSp modSp add mod modAnim">
-        <pc:chgData name="jeongkilyong" userId="42a1e730-e7ec-4950-9a60-48236c77d83b" providerId="ADAL" clId="{AF33EE09-1563-4B99-999A-EB513D20AF18}" dt="2023-10-24T05:17:12.935" v="996" actId="571"/>
-        <pc:sldMkLst>
-          <pc:docMk/>
-          <pc:sldMk cId="636080613" sldId="306"/>
-        </pc:sldMkLst>
-        <pc:spChg chg="add mod">
-          <ac:chgData name="jeongkilyong" userId="42a1e730-e7ec-4950-9a60-48236c77d83b" providerId="ADAL" clId="{AF33EE09-1563-4B99-999A-EB513D20AF18}" dt="2023-10-23T07:33:41.662" v="838" actId="207"/>
-          <ac:spMkLst>
-            <pc:docMk/>
-            <pc:sldMk cId="636080613" sldId="306"/>
-            <ac:spMk id="4" creationId="{1FDA530D-9291-456E-8181-8C547D34EC47}"/>
-          </ac:spMkLst>
-        </pc:spChg>
-        <pc:spChg chg="add mod">
-          <ac:chgData name="jeongkilyong" userId="42a1e730-e7ec-4950-9a60-48236c77d83b" providerId="ADAL" clId="{AF33EE09-1563-4B99-999A-EB513D20AF18}" dt="2023-10-23T23:57:47.695" v="955" actId="1076"/>
-          <ac:spMkLst>
-            <pc:docMk/>
-            <pc:sldMk cId="636080613" sldId="306"/>
-            <ac:spMk id="5" creationId="{6196A7C1-32B7-4DCD-8869-9E307014E639}"/>
-          </ac:spMkLst>
-        </pc:spChg>
-        <pc:spChg chg="add mod">
-          <ac:chgData name="jeongkilyong" userId="42a1e730-e7ec-4950-9a60-48236c77d83b" providerId="ADAL" clId="{AF33EE09-1563-4B99-999A-EB513D20AF18}" dt="2023-10-24T05:16:47.177" v="995" actId="1035"/>
-          <ac:spMkLst>
-            <pc:docMk/>
-            <pc:sldMk cId="636080613" sldId="306"/>
-            <ac:spMk id="6" creationId="{7AF48818-ED48-4160-9C3D-4C4E98CD7DDA}"/>
-          </ac:spMkLst>
-        </pc:spChg>
-        <pc:spChg chg="add mod">
-          <ac:chgData name="jeongkilyong" userId="42a1e730-e7ec-4950-9a60-48236c77d83b" providerId="ADAL" clId="{AF33EE09-1563-4B99-999A-EB513D20AF18}" dt="2023-10-24T05:17:12.935" v="996" actId="571"/>
-          <ac:spMkLst>
-            <pc:docMk/>
-            <pc:sldMk cId="636080613" sldId="306"/>
-            <ac:spMk id="7" creationId="{205FEE4C-509D-43CF-8155-A539EB194638}"/>
-          </ac:spMkLst>
-        </pc:spChg>
-        <pc:spChg chg="mod">
-          <ac:chgData name="jeongkilyong" userId="42a1e730-e7ec-4950-9a60-48236c77d83b" providerId="ADAL" clId="{AF33EE09-1563-4B99-999A-EB513D20AF18}" dt="2023-10-23T07:09:45.833" v="470" actId="20577"/>
-          <ac:spMkLst>
-            <pc:docMk/>
-            <pc:sldMk cId="636080613" sldId="306"/>
-            <ac:spMk id="12" creationId="{10ACD4E5-1FFB-574E-8F99-C84FF7F7144F}"/>
-          </ac:spMkLst>
-        </pc:spChg>
-      </pc:sldChg>
-      <pc:sldChg chg="addSp modSp add mod">
-        <pc:chgData name="jeongkilyong" userId="42a1e730-e7ec-4950-9a60-48236c77d83b" providerId="ADAL" clId="{AF33EE09-1563-4B99-999A-EB513D20AF18}" dt="2023-10-23T23:58:04.244" v="962" actId="207"/>
-        <pc:sldMkLst>
-          <pc:docMk/>
-          <pc:sldMk cId="2447935166" sldId="307"/>
-        </pc:sldMkLst>
-        <pc:spChg chg="add mod">
-          <ac:chgData name="jeongkilyong" userId="42a1e730-e7ec-4950-9a60-48236c77d83b" providerId="ADAL" clId="{AF33EE09-1563-4B99-999A-EB513D20AF18}" dt="2023-10-23T23:58:04.244" v="962" actId="207"/>
-          <ac:spMkLst>
-            <pc:docMk/>
-            <pc:sldMk cId="2447935166" sldId="307"/>
-            <ac:spMk id="4" creationId="{A91DC9AB-5D44-40B2-BFD2-1EEE8A6E74E3}"/>
-          </ac:spMkLst>
-        </pc:spChg>
-        <pc:spChg chg="add mod">
-          <ac:chgData name="jeongkilyong" userId="42a1e730-e7ec-4950-9a60-48236c77d83b" providerId="ADAL" clId="{AF33EE09-1563-4B99-999A-EB513D20AF18}" dt="2023-10-23T07:21:40.491" v="781"/>
-          <ac:spMkLst>
-            <pc:docMk/>
-            <pc:sldMk cId="2447935166" sldId="307"/>
-            <ac:spMk id="5" creationId="{BF33669B-9290-4296-AB98-DA067D3AD733}"/>
-          </ac:spMkLst>
-        </pc:spChg>
-        <pc:spChg chg="add mod">
-          <ac:chgData name="jeongkilyong" userId="42a1e730-e7ec-4950-9a60-48236c77d83b" providerId="ADAL" clId="{AF33EE09-1563-4B99-999A-EB513D20AF18}" dt="2023-10-23T07:25:54.425" v="811" actId="1076"/>
-          <ac:spMkLst>
-            <pc:docMk/>
-            <pc:sldMk cId="2447935166" sldId="307"/>
-            <ac:spMk id="7" creationId="{CC6D03C8-3A61-4C73-BA38-81A4CB27AEBA}"/>
-          </ac:spMkLst>
-        </pc:spChg>
-        <pc:spChg chg="mod">
-          <ac:chgData name="jeongkilyong" userId="42a1e730-e7ec-4950-9a60-48236c77d83b" providerId="ADAL" clId="{AF33EE09-1563-4B99-999A-EB513D20AF18}" dt="2023-10-23T07:09:56.176" v="502" actId="6549"/>
-          <ac:spMkLst>
-            <pc:docMk/>
-            <pc:sldMk cId="2447935166" sldId="307"/>
-            <ac:spMk id="12" creationId="{10ACD4E5-1FFB-574E-8F99-C84FF7F7144F}"/>
-          </ac:spMkLst>
-        </pc:spChg>
-        <pc:picChg chg="add mod">
-          <ac:chgData name="jeongkilyong" userId="42a1e730-e7ec-4950-9a60-48236c77d83b" providerId="ADAL" clId="{AF33EE09-1563-4B99-999A-EB513D20AF18}" dt="2023-10-23T07:25:54.425" v="811" actId="1076"/>
-          <ac:picMkLst>
-            <pc:docMk/>
-            <pc:sldMk cId="2447935166" sldId="307"/>
-            <ac:picMk id="6" creationId="{3671A425-A0E0-43A7-A1FC-20CA8E2B1252}"/>
-          </ac:picMkLst>
-        </pc:picChg>
-      </pc:sldChg>
-      <pc:sldChg chg="addSp modSp add mod">
-        <pc:chgData name="jeongkilyong" userId="42a1e730-e7ec-4950-9a60-48236c77d83b" providerId="ADAL" clId="{AF33EE09-1563-4B99-999A-EB513D20AF18}" dt="2023-10-23T07:35:01.730" v="860" actId="207"/>
-        <pc:sldMkLst>
-          <pc:docMk/>
-          <pc:sldMk cId="3670214579" sldId="308"/>
-        </pc:sldMkLst>
-        <pc:spChg chg="add mod">
-          <ac:chgData name="jeongkilyong" userId="42a1e730-e7ec-4950-9a60-48236c77d83b" providerId="ADAL" clId="{AF33EE09-1563-4B99-999A-EB513D20AF18}" dt="2023-10-23T07:35:01.730" v="860" actId="207"/>
-          <ac:spMkLst>
-            <pc:docMk/>
-            <pc:sldMk cId="3670214579" sldId="308"/>
-            <ac:spMk id="4" creationId="{DF789542-37CC-48A0-9521-55B9EFADF304}"/>
-          </ac:spMkLst>
-        </pc:spChg>
-        <pc:spChg chg="add mod">
-          <ac:chgData name="jeongkilyong" userId="42a1e730-e7ec-4950-9a60-48236c77d83b" providerId="ADAL" clId="{AF33EE09-1563-4B99-999A-EB513D20AF18}" dt="2023-10-23T07:26:01.930" v="813" actId="1076"/>
-          <ac:spMkLst>
-            <pc:docMk/>
-            <pc:sldMk cId="3670214579" sldId="308"/>
-            <ac:spMk id="6" creationId="{8A4F25BA-279D-4D6D-84B2-9CFC943C680F}"/>
-          </ac:spMkLst>
-        </pc:spChg>
-        <pc:spChg chg="mod">
-          <ac:chgData name="jeongkilyong" userId="42a1e730-e7ec-4950-9a60-48236c77d83b" providerId="ADAL" clId="{AF33EE09-1563-4B99-999A-EB513D20AF18}" dt="2023-10-23T07:10:11.121" v="548" actId="6549"/>
-          <ac:spMkLst>
-            <pc:docMk/>
-            <pc:sldMk cId="3670214579" sldId="308"/>
-            <ac:spMk id="12" creationId="{10ACD4E5-1FFB-574E-8F99-C84FF7F7144F}"/>
-          </ac:spMkLst>
-        </pc:spChg>
-        <pc:picChg chg="add mod">
-          <ac:chgData name="jeongkilyong" userId="42a1e730-e7ec-4950-9a60-48236c77d83b" providerId="ADAL" clId="{AF33EE09-1563-4B99-999A-EB513D20AF18}" dt="2023-10-23T07:26:01.930" v="813" actId="1076"/>
-          <ac:picMkLst>
-            <pc:docMk/>
-            <pc:sldMk cId="3670214579" sldId="308"/>
-            <ac:picMk id="5" creationId="{39CC4C8D-A85C-442B-B735-F0636D5A10EA}"/>
-          </ac:picMkLst>
-        </pc:picChg>
-      </pc:sldChg>
-      <pc:sldChg chg="addSp delSp modSp add mod">
-        <pc:chgData name="jeongkilyong" userId="42a1e730-e7ec-4950-9a60-48236c77d83b" providerId="ADAL" clId="{AF33EE09-1563-4B99-999A-EB513D20AF18}" dt="2023-10-23T07:41:55.087" v="874" actId="207"/>
-        <pc:sldMkLst>
-          <pc:docMk/>
-          <pc:sldMk cId="1580071959" sldId="309"/>
-        </pc:sldMkLst>
-        <pc:spChg chg="add del mod">
-          <ac:chgData name="jeongkilyong" userId="42a1e730-e7ec-4950-9a60-48236c77d83b" providerId="ADAL" clId="{AF33EE09-1563-4B99-999A-EB513D20AF18}" dt="2023-10-23T07:39:52.142" v="861" actId="478"/>
-          <ac:spMkLst>
-            <pc:docMk/>
-            <pc:sldMk cId="1580071959" sldId="309"/>
-            <ac:spMk id="4" creationId="{4EFF8C4E-673F-40FB-9478-FEB8157EC24A}"/>
-          </ac:spMkLst>
-        </pc:spChg>
-        <pc:spChg chg="add mod">
-          <ac:chgData name="jeongkilyong" userId="42a1e730-e7ec-4950-9a60-48236c77d83b" providerId="ADAL" clId="{AF33EE09-1563-4B99-999A-EB513D20AF18}" dt="2023-10-23T07:26:11.057" v="815" actId="1076"/>
-          <ac:spMkLst>
-            <pc:docMk/>
-            <pc:sldMk cId="1580071959" sldId="309"/>
-            <ac:spMk id="6" creationId="{6DDA6E6F-5FE5-4BD8-8F8D-56A64FD7BEB7}"/>
-          </ac:spMkLst>
-        </pc:spChg>
-        <pc:spChg chg="add mod">
-          <ac:chgData name="jeongkilyong" userId="42a1e730-e7ec-4950-9a60-48236c77d83b" providerId="ADAL" clId="{AF33EE09-1563-4B99-999A-EB513D20AF18}" dt="2023-10-23T07:41:55.087" v="874" actId="207"/>
-          <ac:spMkLst>
-            <pc:docMk/>
-            <pc:sldMk cId="1580071959" sldId="309"/>
-            <ac:spMk id="7" creationId="{B2B7D76C-76AF-4D79-8222-577DE51A01CD}"/>
-          </ac:spMkLst>
-        </pc:spChg>
-        <pc:spChg chg="add mod">
-          <ac:chgData name="jeongkilyong" userId="42a1e730-e7ec-4950-9a60-48236c77d83b" providerId="ADAL" clId="{AF33EE09-1563-4B99-999A-EB513D20AF18}" dt="2023-10-23T07:40:02.405" v="863" actId="1076"/>
-          <ac:spMkLst>
-            <pc:docMk/>
-            <pc:sldMk cId="1580071959" sldId="309"/>
-            <ac:spMk id="8" creationId="{F9BCDE1D-AC04-424D-B700-2CC60E46E5BC}"/>
-          </ac:spMkLst>
-        </pc:spChg>
-        <pc:spChg chg="add mod">
-          <ac:chgData name="jeongkilyong" userId="42a1e730-e7ec-4950-9a60-48236c77d83b" providerId="ADAL" clId="{AF33EE09-1563-4B99-999A-EB513D20AF18}" dt="2023-10-23T07:40:02.405" v="863" actId="1076"/>
-          <ac:spMkLst>
-            <pc:docMk/>
-            <pc:sldMk cId="1580071959" sldId="309"/>
-            <ac:spMk id="10" creationId="{57A86295-212F-49EB-A230-AAFBA7E45FA7}"/>
-          </ac:spMkLst>
-        </pc:spChg>
-        <pc:spChg chg="mod">
-          <ac:chgData name="jeongkilyong" userId="42a1e730-e7ec-4950-9a60-48236c77d83b" providerId="ADAL" clId="{AF33EE09-1563-4B99-999A-EB513D20AF18}" dt="2023-10-23T07:10:26.075" v="582" actId="6549"/>
-          <ac:spMkLst>
-            <pc:docMk/>
-            <pc:sldMk cId="1580071959" sldId="309"/>
-            <ac:spMk id="12" creationId="{10ACD4E5-1FFB-574E-8F99-C84FF7F7144F}"/>
-          </ac:spMkLst>
-        </pc:spChg>
-        <pc:picChg chg="add mod">
-          <ac:chgData name="jeongkilyong" userId="42a1e730-e7ec-4950-9a60-48236c77d83b" providerId="ADAL" clId="{AF33EE09-1563-4B99-999A-EB513D20AF18}" dt="2023-10-23T07:26:11.057" v="815" actId="1076"/>
-          <ac:picMkLst>
-            <pc:docMk/>
-            <pc:sldMk cId="1580071959" sldId="309"/>
-            <ac:picMk id="5" creationId="{9D837DC6-7F7A-42DE-947E-9205B788D555}"/>
-          </ac:picMkLst>
-        </pc:picChg>
-      </pc:sldChg>
-      <pc:sldChg chg="addSp modSp add mod">
-        <pc:chgData name="jeongkilyong" userId="42a1e730-e7ec-4950-9a60-48236c77d83b" providerId="ADAL" clId="{AF33EE09-1563-4B99-999A-EB513D20AF18}" dt="2023-10-23T07:41:35.229" v="872" actId="207"/>
-        <pc:sldMkLst>
-          <pc:docMk/>
-          <pc:sldMk cId="2719719894" sldId="310"/>
-        </pc:sldMkLst>
-        <pc:spChg chg="add mod">
-          <ac:chgData name="jeongkilyong" userId="42a1e730-e7ec-4950-9a60-48236c77d83b" providerId="ADAL" clId="{AF33EE09-1563-4B99-999A-EB513D20AF18}" dt="2023-10-23T07:41:35.229" v="872" actId="207"/>
-          <ac:spMkLst>
-            <pc:docMk/>
-            <pc:sldMk cId="2719719894" sldId="310"/>
-            <ac:spMk id="4" creationId="{0A7F1197-97BD-418B-9090-E53A4350B0FC}"/>
-          </ac:spMkLst>
-        </pc:spChg>
-        <pc:spChg chg="add mod">
-          <ac:chgData name="jeongkilyong" userId="42a1e730-e7ec-4950-9a60-48236c77d83b" providerId="ADAL" clId="{AF33EE09-1563-4B99-999A-EB513D20AF18}" dt="2023-10-23T07:22:01.131" v="784"/>
-          <ac:spMkLst>
-            <pc:docMk/>
-            <pc:sldMk cId="2719719894" sldId="310"/>
-            <ac:spMk id="5" creationId="{49F2BB90-CAF2-4AD6-ADB1-BCB916C80D87}"/>
-          </ac:spMkLst>
-        </pc:spChg>
-        <pc:spChg chg="add mod">
-          <ac:chgData name="jeongkilyong" userId="42a1e730-e7ec-4950-9a60-48236c77d83b" providerId="ADAL" clId="{AF33EE09-1563-4B99-999A-EB513D20AF18}" dt="2023-10-23T07:22:01.131" v="784"/>
-          <ac:spMkLst>
-            <pc:docMk/>
-            <pc:sldMk cId="2719719894" sldId="310"/>
-            <ac:spMk id="6" creationId="{16ABCCF1-5CE5-4744-89F2-2502FAFA6AF6}"/>
-          </ac:spMkLst>
-        </pc:spChg>
-        <pc:spChg chg="add mod">
-          <ac:chgData name="jeongkilyong" userId="42a1e730-e7ec-4950-9a60-48236c77d83b" providerId="ADAL" clId="{AF33EE09-1563-4B99-999A-EB513D20AF18}" dt="2023-10-23T07:26:19.570" v="817" actId="1076"/>
-          <ac:spMkLst>
-            <pc:docMk/>
-            <pc:sldMk cId="2719719894" sldId="310"/>
-            <ac:spMk id="8" creationId="{1A43737D-4675-4DFF-80C6-98970BA51E3B}"/>
-          </ac:spMkLst>
-        </pc:spChg>
-        <pc:spChg chg="mod">
-          <ac:chgData name="jeongkilyong" userId="42a1e730-e7ec-4950-9a60-48236c77d83b" providerId="ADAL" clId="{AF33EE09-1563-4B99-999A-EB513D20AF18}" dt="2023-10-23T07:10:44.984" v="617" actId="6549"/>
-          <ac:spMkLst>
-            <pc:docMk/>
-            <pc:sldMk cId="2719719894" sldId="310"/>
-            <ac:spMk id="12" creationId="{10ACD4E5-1FFB-574E-8F99-C84FF7F7144F}"/>
-          </ac:spMkLst>
-        </pc:spChg>
-        <pc:picChg chg="add mod">
-          <ac:chgData name="jeongkilyong" userId="42a1e730-e7ec-4950-9a60-48236c77d83b" providerId="ADAL" clId="{AF33EE09-1563-4B99-999A-EB513D20AF18}" dt="2023-10-23T07:26:19.570" v="817" actId="1076"/>
-          <ac:picMkLst>
-            <pc:docMk/>
-            <pc:sldMk cId="2719719894" sldId="310"/>
-            <ac:picMk id="7" creationId="{6BA26D7C-8459-4C26-A49A-BE4A7AAE35BC}"/>
-          </ac:picMkLst>
-        </pc:picChg>
-      </pc:sldChg>
-      <pc:sldChg chg="addSp modSp add mod">
-        <pc:chgData name="jeongkilyong" userId="42a1e730-e7ec-4950-9a60-48236c77d83b" providerId="ADAL" clId="{AF33EE09-1563-4B99-999A-EB513D20AF18}" dt="2023-10-23T07:26:30.915" v="819" actId="1076"/>
-        <pc:sldMkLst>
-          <pc:docMk/>
-          <pc:sldMk cId="249912601" sldId="311"/>
-        </pc:sldMkLst>
-        <pc:spChg chg="add mod">
-          <ac:chgData name="jeongkilyong" userId="42a1e730-e7ec-4950-9a60-48236c77d83b" providerId="ADAL" clId="{AF33EE09-1563-4B99-999A-EB513D20AF18}" dt="2023-10-23T07:22:10.069" v="785"/>
-          <ac:spMkLst>
-            <pc:docMk/>
-            <pc:sldMk cId="249912601" sldId="311"/>
-            <ac:spMk id="4" creationId="{62D32C4E-9F31-4781-83A7-EC457630891C}"/>
-          </ac:spMkLst>
-        </pc:spChg>
-        <pc:spChg chg="add mod">
-          <ac:chgData name="jeongkilyong" userId="42a1e730-e7ec-4950-9a60-48236c77d83b" providerId="ADAL" clId="{AF33EE09-1563-4B99-999A-EB513D20AF18}" dt="2023-10-23T07:22:25.114" v="789" actId="14100"/>
-          <ac:spMkLst>
-            <pc:docMk/>
-            <pc:sldMk cId="249912601" sldId="311"/>
-            <ac:spMk id="5" creationId="{76D0B43F-ADF4-48F5-B908-EDF4E47103BB}"/>
-          </ac:spMkLst>
-        </pc:spChg>
-        <pc:spChg chg="add mod">
-          <ac:chgData name="jeongkilyong" userId="42a1e730-e7ec-4950-9a60-48236c77d83b" providerId="ADAL" clId="{AF33EE09-1563-4B99-999A-EB513D20AF18}" dt="2023-10-23T07:26:30.915" v="819" actId="1076"/>
-          <ac:spMkLst>
-            <pc:docMk/>
-            <pc:sldMk cId="249912601" sldId="311"/>
-            <ac:spMk id="7" creationId="{39D3E643-631D-45C3-8847-5442D65C695C}"/>
-          </ac:spMkLst>
-        </pc:spChg>
-        <pc:spChg chg="mod">
-          <ac:chgData name="jeongkilyong" userId="42a1e730-e7ec-4950-9a60-48236c77d83b" providerId="ADAL" clId="{AF33EE09-1563-4B99-999A-EB513D20AF18}" dt="2023-10-23T07:10:58.001" v="655" actId="6549"/>
-          <ac:spMkLst>
-            <pc:docMk/>
-            <pc:sldMk cId="249912601" sldId="311"/>
-            <ac:spMk id="12" creationId="{10ACD4E5-1FFB-574E-8F99-C84FF7F7144F}"/>
-          </ac:spMkLst>
-        </pc:spChg>
-        <pc:picChg chg="add mod">
-          <ac:chgData name="jeongkilyong" userId="42a1e730-e7ec-4950-9a60-48236c77d83b" providerId="ADAL" clId="{AF33EE09-1563-4B99-999A-EB513D20AF18}" dt="2023-10-23T07:26:30.915" v="819" actId="1076"/>
-          <ac:picMkLst>
-            <pc:docMk/>
-            <pc:sldMk cId="249912601" sldId="311"/>
-            <ac:picMk id="6" creationId="{E1685BF4-759A-49D0-AA5B-E8B52ADC807A}"/>
-          </ac:picMkLst>
-        </pc:picChg>
-      </pc:sldChg>
-      <pc:sldChg chg="addSp modSp add mod">
-        <pc:chgData name="jeongkilyong" userId="42a1e730-e7ec-4950-9a60-48236c77d83b" providerId="ADAL" clId="{AF33EE09-1563-4B99-999A-EB513D20AF18}" dt="2023-10-23T07:41:14.459" v="871" actId="207"/>
-        <pc:sldMkLst>
-          <pc:docMk/>
-          <pc:sldMk cId="2387562204" sldId="312"/>
-        </pc:sldMkLst>
-        <pc:spChg chg="add mod">
-          <ac:chgData name="jeongkilyong" userId="42a1e730-e7ec-4950-9a60-48236c77d83b" providerId="ADAL" clId="{AF33EE09-1563-4B99-999A-EB513D20AF18}" dt="2023-10-23T07:41:14.459" v="871" actId="207"/>
-          <ac:spMkLst>
-            <pc:docMk/>
-            <pc:sldMk cId="2387562204" sldId="312"/>
-            <ac:spMk id="4" creationId="{D56C31FD-2F33-409E-B904-13C61346C7E1}"/>
-          </ac:spMkLst>
-        </pc:spChg>
-        <pc:spChg chg="add mod">
-          <ac:chgData name="jeongkilyong" userId="42a1e730-e7ec-4950-9a60-48236c77d83b" providerId="ADAL" clId="{AF33EE09-1563-4B99-999A-EB513D20AF18}" dt="2023-10-23T07:22:51.028" v="790"/>
-          <ac:spMkLst>
-            <pc:docMk/>
-            <pc:sldMk cId="2387562204" sldId="312"/>
-            <ac:spMk id="5" creationId="{48E0CCD1-C896-4EAD-9D48-C380A93BA6EE}"/>
-          </ac:spMkLst>
-        </pc:spChg>
-        <pc:spChg chg="add mod">
-          <ac:chgData name="jeongkilyong" userId="42a1e730-e7ec-4950-9a60-48236c77d83b" providerId="ADAL" clId="{AF33EE09-1563-4B99-999A-EB513D20AF18}" dt="2023-10-23T07:26:38.555" v="821" actId="1076"/>
-          <ac:spMkLst>
-            <pc:docMk/>
-            <pc:sldMk cId="2387562204" sldId="312"/>
-            <ac:spMk id="7" creationId="{F00E3DB7-2FD8-4EAE-9631-B5DA1FBB67D3}"/>
-          </ac:spMkLst>
-        </pc:spChg>
-        <pc:spChg chg="mod">
-          <ac:chgData name="jeongkilyong" userId="42a1e730-e7ec-4950-9a60-48236c77d83b" providerId="ADAL" clId="{AF33EE09-1563-4B99-999A-EB513D20AF18}" dt="2023-10-23T07:11:08.769" v="690" actId="6549"/>
-          <ac:spMkLst>
-            <pc:docMk/>
-            <pc:sldMk cId="2387562204" sldId="312"/>
-            <ac:spMk id="12" creationId="{10ACD4E5-1FFB-574E-8F99-C84FF7F7144F}"/>
-          </ac:spMkLst>
-        </pc:spChg>
-        <pc:picChg chg="add mod">
-          <ac:chgData name="jeongkilyong" userId="42a1e730-e7ec-4950-9a60-48236c77d83b" providerId="ADAL" clId="{AF33EE09-1563-4B99-999A-EB513D20AF18}" dt="2023-10-23T07:26:38.555" v="821" actId="1076"/>
-          <ac:picMkLst>
-            <pc:docMk/>
-            <pc:sldMk cId="2387562204" sldId="312"/>
-            <ac:picMk id="6" creationId="{EBBAECC0-F36E-4700-93E3-513AFD4C76EF}"/>
-          </ac:picMkLst>
-        </pc:picChg>
-      </pc:sldChg>
-      <pc:sldChg chg="addSp modSp add mod">
-        <pc:chgData name="jeongkilyong" userId="42a1e730-e7ec-4950-9a60-48236c77d83b" providerId="ADAL" clId="{AF33EE09-1563-4B99-999A-EB513D20AF18}" dt="2023-10-23T07:41:03.972" v="869" actId="207"/>
-        <pc:sldMkLst>
-          <pc:docMk/>
-          <pc:sldMk cId="1859253" sldId="313"/>
-        </pc:sldMkLst>
-        <pc:spChg chg="add mod">
-          <ac:chgData name="jeongkilyong" userId="42a1e730-e7ec-4950-9a60-48236c77d83b" providerId="ADAL" clId="{AF33EE09-1563-4B99-999A-EB513D20AF18}" dt="2023-10-23T07:41:03.972" v="869" actId="207"/>
-          <ac:spMkLst>
-            <pc:docMk/>
-            <pc:sldMk cId="1859253" sldId="313"/>
-            <ac:spMk id="4" creationId="{552FAC80-8FEB-4E82-B6BC-2B06526F3C62}"/>
-          </ac:spMkLst>
-        </pc:spChg>
-        <pc:spChg chg="add mod">
-          <ac:chgData name="jeongkilyong" userId="42a1e730-e7ec-4950-9a60-48236c77d83b" providerId="ADAL" clId="{AF33EE09-1563-4B99-999A-EB513D20AF18}" dt="2023-10-23T07:22:59.534" v="791"/>
-          <ac:spMkLst>
-            <pc:docMk/>
-            <pc:sldMk cId="1859253" sldId="313"/>
-            <ac:spMk id="5" creationId="{2E7E4064-CE53-4D16-BB40-E275BDA9D1FE}"/>
-          </ac:spMkLst>
-        </pc:spChg>
-        <pc:spChg chg="add mod">
-          <ac:chgData name="jeongkilyong" userId="42a1e730-e7ec-4950-9a60-48236c77d83b" providerId="ADAL" clId="{AF33EE09-1563-4B99-999A-EB513D20AF18}" dt="2023-10-23T07:22:59.534" v="791"/>
-          <ac:spMkLst>
-            <pc:docMk/>
-            <pc:sldMk cId="1859253" sldId="313"/>
-            <ac:spMk id="6" creationId="{C45A26CD-8570-436E-BFE4-BADF87770CFE}"/>
-          </ac:spMkLst>
-        </pc:spChg>
-        <pc:spChg chg="add mod">
-          <ac:chgData name="jeongkilyong" userId="42a1e730-e7ec-4950-9a60-48236c77d83b" providerId="ADAL" clId="{AF33EE09-1563-4B99-999A-EB513D20AF18}" dt="2023-10-23T07:22:59.534" v="791"/>
-          <ac:spMkLst>
-            <pc:docMk/>
-            <pc:sldMk cId="1859253" sldId="313"/>
-            <ac:spMk id="7" creationId="{E9FC601D-B047-4EC7-A9F4-892DA9C8E6E3}"/>
-          </ac:spMkLst>
-        </pc:spChg>
-        <pc:spChg chg="add mod">
-          <ac:chgData name="jeongkilyong" userId="42a1e730-e7ec-4950-9a60-48236c77d83b" providerId="ADAL" clId="{AF33EE09-1563-4B99-999A-EB513D20AF18}" dt="2023-10-23T07:26:47.923" v="823" actId="1076"/>
-          <ac:spMkLst>
-            <pc:docMk/>
-            <pc:sldMk cId="1859253" sldId="313"/>
-            <ac:spMk id="11" creationId="{AD8702D1-DF1B-48D5-99E9-CEB3081F3731}"/>
-          </ac:spMkLst>
-        </pc:spChg>
-        <pc:spChg chg="mod">
-          <ac:chgData name="jeongkilyong" userId="42a1e730-e7ec-4950-9a60-48236c77d83b" providerId="ADAL" clId="{AF33EE09-1563-4B99-999A-EB513D20AF18}" dt="2023-10-23T07:11:21.077" v="733" actId="6549"/>
-          <ac:spMkLst>
-            <pc:docMk/>
-            <pc:sldMk cId="1859253" sldId="313"/>
-            <ac:spMk id="12" creationId="{10ACD4E5-1FFB-574E-8F99-C84FF7F7144F}"/>
-          </ac:spMkLst>
-        </pc:spChg>
-        <pc:picChg chg="add mod">
-          <ac:chgData name="jeongkilyong" userId="42a1e730-e7ec-4950-9a60-48236c77d83b" providerId="ADAL" clId="{AF33EE09-1563-4B99-999A-EB513D20AF18}" dt="2023-10-23T07:26:47.923" v="823" actId="1076"/>
-          <ac:picMkLst>
-            <pc:docMk/>
-            <pc:sldMk cId="1859253" sldId="313"/>
-            <ac:picMk id="10" creationId="{03830B7E-6B5A-4F36-88E7-CB4A45630EEB}"/>
-          </ac:picMkLst>
-        </pc:picChg>
-      </pc:sldChg>
-      <pc:sldChg chg="add del">
-        <pc:chgData name="jeongkilyong" userId="42a1e730-e7ec-4950-9a60-48236c77d83b" providerId="ADAL" clId="{AF33EE09-1563-4B99-999A-EB513D20AF18}" dt="2023-10-23T07:11:31.328" v="734" actId="47"/>
-        <pc:sldMkLst>
-          <pc:docMk/>
-          <pc:sldMk cId="153338817" sldId="314"/>
-        </pc:sldMkLst>
-      </pc:sldChg>
-      <pc:sldChg chg="add del">
-        <pc:chgData name="jeongkilyong" userId="42a1e730-e7ec-4950-9a60-48236c77d83b" providerId="ADAL" clId="{AF33EE09-1563-4B99-999A-EB513D20AF18}" dt="2023-10-23T07:11:32.488" v="735" actId="47"/>
-        <pc:sldMkLst>
-          <pc:docMk/>
-          <pc:sldMk cId="1789302377" sldId="315"/>
-        </pc:sldMkLst>
-      </pc:sldChg>
-      <pc:sldChg chg="addSp modSp add mod">
-        <pc:chgData name="jeongkilyong" userId="42a1e730-e7ec-4950-9a60-48236c77d83b" providerId="ADAL" clId="{AF33EE09-1563-4B99-999A-EB513D20AF18}" dt="2023-10-24T04:16:24.121" v="970" actId="207"/>
-        <pc:sldMkLst>
-          <pc:docMk/>
-          <pc:sldMk cId="3136811878" sldId="316"/>
-        </pc:sldMkLst>
-        <pc:spChg chg="add mod">
-          <ac:chgData name="jeongkilyong" userId="42a1e730-e7ec-4950-9a60-48236c77d83b" providerId="ADAL" clId="{AF33EE09-1563-4B99-999A-EB513D20AF18}" dt="2023-10-24T04:16:24.121" v="970" actId="207"/>
-          <ac:spMkLst>
-            <pc:docMk/>
-            <pc:sldMk cId="3136811878" sldId="316"/>
-            <ac:spMk id="4" creationId="{28C258E4-D4EB-4B35-B11B-4F092BC77089}"/>
-          </ac:spMkLst>
-        </pc:spChg>
-        <pc:spChg chg="add mod">
-          <ac:chgData name="jeongkilyong" userId="42a1e730-e7ec-4950-9a60-48236c77d83b" providerId="ADAL" clId="{AF33EE09-1563-4B99-999A-EB513D20AF18}" dt="2023-10-23T07:18:09.027" v="768"/>
-          <ac:spMkLst>
-            <pc:docMk/>
-            <pc:sldMk cId="3136811878" sldId="316"/>
-            <ac:spMk id="5" creationId="{68ED5501-1F96-408A-826B-BE88895ACF57}"/>
-          </ac:spMkLst>
-        </pc:spChg>
-        <pc:spChg chg="add mod">
-          <ac:chgData name="jeongkilyong" userId="42a1e730-e7ec-4950-9a60-48236c77d83b" providerId="ADAL" clId="{AF33EE09-1563-4B99-999A-EB513D20AF18}" dt="2023-10-23T07:18:09.027" v="768"/>
-          <ac:spMkLst>
-            <pc:docMk/>
-            <pc:sldMk cId="3136811878" sldId="316"/>
-            <ac:spMk id="6" creationId="{8DF830D3-ACBC-4193-B3CE-8A0B21CF67B3}"/>
-          </ac:spMkLst>
-        </pc:spChg>
-        <pc:spChg chg="add mod">
-          <ac:chgData name="jeongkilyong" userId="42a1e730-e7ec-4950-9a60-48236c77d83b" providerId="ADAL" clId="{AF33EE09-1563-4B99-999A-EB513D20AF18}" dt="2023-10-24T04:11:33.960" v="963"/>
-          <ac:spMkLst>
-            <pc:docMk/>
-            <pc:sldMk cId="3136811878" sldId="316"/>
-            <ac:spMk id="8" creationId="{DA3FBD69-DD2F-4F69-871F-53265C5F7389}"/>
-          </ac:spMkLst>
-        </pc:spChg>
-        <pc:picChg chg="add mod">
-          <ac:chgData name="jeongkilyong" userId="42a1e730-e7ec-4950-9a60-48236c77d83b" providerId="ADAL" clId="{AF33EE09-1563-4B99-999A-EB513D20AF18}" dt="2023-10-24T04:11:33.960" v="963"/>
-          <ac:picMkLst>
-            <pc:docMk/>
-            <pc:sldMk cId="3136811878" sldId="316"/>
-            <ac:picMk id="7" creationId="{8B2FB811-791A-4220-8724-30CA6C0FA7A3}"/>
-          </ac:picMkLst>
-        </pc:picChg>
-      </pc:sldChg>
-    </pc:docChg>
-  </pc:docChgLst>
-  <pc:docChgLst>
     <pc:chgData name="jeongkilyong" userId="42a1e730-e7ec-4950-9a60-48236c77d83b" providerId="ADAL" clId="{6932074E-482F-4F04-8510-30F029D456F7}"/>
     <pc:docChg chg="undo redo custSel addSld delSld modSld">
       <pc:chgData name="jeongkilyong" userId="42a1e730-e7ec-4950-9a60-48236c77d83b" providerId="ADAL" clId="{6932074E-482F-4F04-8510-30F029D456F7}" dt="2023-10-31T22:32:00.075" v="12573" actId="20577"/>
@@ -3432,6 +1978,91 @@
             <ac:spMk id="12" creationId="{10ACD4E5-1FFB-574E-8F99-C84FF7F7144F}"/>
           </ac:spMkLst>
         </pc:spChg>
+      </pc:sldChg>
+    </pc:docChg>
+  </pc:docChgLst>
+  <pc:docChgLst>
+    <pc:chgData name="jeongkilyong" userId="42a1e730-e7ec-4950-9a60-48236c77d83b" providerId="ADAL" clId="{3A329E4B-7173-4DE5-8342-1BBEDD176055}"/>
+    <pc:docChg chg="undo custSel addSld delSld modSld sldOrd">
+      <pc:chgData name="jeongkilyong" userId="42a1e730-e7ec-4950-9a60-48236c77d83b" providerId="ADAL" clId="{3A329E4B-7173-4DE5-8342-1BBEDD176055}" dt="2024-07-02T04:34:59.539" v="1716" actId="20577"/>
+      <pc:docMkLst>
+        <pc:docMk/>
+      </pc:docMkLst>
+      <pc:sldChg chg="addSp modSp add mod ord">
+        <pc:chgData name="jeongkilyong" userId="42a1e730-e7ec-4950-9a60-48236c77d83b" providerId="ADAL" clId="{3A329E4B-7173-4DE5-8342-1BBEDD176055}" dt="2024-07-02T04:34:54.926" v="1714"/>
+        <pc:sldMkLst>
+          <pc:docMk/>
+          <pc:sldMk cId="2415154353" sldId="415"/>
+        </pc:sldMkLst>
+        <pc:spChg chg="mod">
+          <ac:chgData name="jeongkilyong" userId="42a1e730-e7ec-4950-9a60-48236c77d83b" providerId="ADAL" clId="{3A329E4B-7173-4DE5-8342-1BBEDD176055}" dt="2024-07-02T04:26:38.781" v="1710" actId="6549"/>
+          <ac:spMkLst>
+            <pc:docMk/>
+            <pc:sldMk cId="2415154353" sldId="415"/>
+            <ac:spMk id="5" creationId="{F4A275F2-0352-4621-8D38-7712C6573613}"/>
+          </ac:spMkLst>
+        </pc:spChg>
+        <pc:spChg chg="mod">
+          <ac:chgData name="jeongkilyong" userId="42a1e730-e7ec-4950-9a60-48236c77d83b" providerId="ADAL" clId="{3A329E4B-7173-4DE5-8342-1BBEDD176055}" dt="2024-07-02T00:29:20.241" v="1016" actId="20577"/>
+          <ac:spMkLst>
+            <pc:docMk/>
+            <pc:sldMk cId="2415154353" sldId="415"/>
+            <ac:spMk id="6" creationId="{680D0045-3477-44AB-993A-FFEFCD118F64}"/>
+          </ac:spMkLst>
+        </pc:spChg>
+        <pc:spChg chg="add mod">
+          <ac:chgData name="jeongkilyong" userId="42a1e730-e7ec-4950-9a60-48236c77d83b" providerId="ADAL" clId="{3A329E4B-7173-4DE5-8342-1BBEDD176055}" dt="2024-07-02T04:26:44.855" v="1712" actId="1076"/>
+          <ac:spMkLst>
+            <pc:docMk/>
+            <pc:sldMk cId="2415154353" sldId="415"/>
+            <ac:spMk id="8" creationId="{2A35DD6F-7CAA-4637-A18B-7C260E353C48}"/>
+          </ac:spMkLst>
+        </pc:spChg>
+        <pc:spChg chg="mod">
+          <ac:chgData name="jeongkilyong" userId="42a1e730-e7ec-4950-9a60-48236c77d83b" providerId="ADAL" clId="{3A329E4B-7173-4DE5-8342-1BBEDD176055}" dt="2024-07-02T02:24:23.185" v="1035" actId="6549"/>
+          <ac:spMkLst>
+            <pc:docMk/>
+            <pc:sldMk cId="2415154353" sldId="415"/>
+            <ac:spMk id="12" creationId="{10ACD4E5-1FFB-574E-8F99-C84FF7F7144F}"/>
+          </ac:spMkLst>
+        </pc:spChg>
+      </pc:sldChg>
+      <pc:sldChg chg="modSp add mod">
+        <pc:chgData name="jeongkilyong" userId="42a1e730-e7ec-4950-9a60-48236c77d83b" providerId="ADAL" clId="{3A329E4B-7173-4DE5-8342-1BBEDD176055}" dt="2024-07-02T04:34:59.539" v="1716" actId="20577"/>
+        <pc:sldMkLst>
+          <pc:docMk/>
+          <pc:sldMk cId="3171919967" sldId="416"/>
+        </pc:sldMkLst>
+        <pc:spChg chg="mod">
+          <ac:chgData name="jeongkilyong" userId="42a1e730-e7ec-4950-9a60-48236c77d83b" providerId="ADAL" clId="{3A329E4B-7173-4DE5-8342-1BBEDD176055}" dt="2024-07-02T04:34:59.539" v="1716" actId="20577"/>
+          <ac:spMkLst>
+            <pc:docMk/>
+            <pc:sldMk cId="3171919967" sldId="416"/>
+            <ac:spMk id="6" creationId="{680D0045-3477-44AB-993A-FFEFCD118F64}"/>
+          </ac:spMkLst>
+        </pc:spChg>
+      </pc:sldChg>
+      <pc:sldChg chg="modSp add del mod">
+        <pc:chgData name="jeongkilyong" userId="42a1e730-e7ec-4950-9a60-48236c77d83b" providerId="ADAL" clId="{3A329E4B-7173-4DE5-8342-1BBEDD176055}" dt="2024-07-02T00:29:25.992" v="1017" actId="47"/>
+        <pc:sldMkLst>
+          <pc:docMk/>
+          <pc:sldMk cId="3202984581" sldId="416"/>
+        </pc:sldMkLst>
+        <pc:spChg chg="mod">
+          <ac:chgData name="jeongkilyong" userId="42a1e730-e7ec-4950-9a60-48236c77d83b" providerId="ADAL" clId="{3A329E4B-7173-4DE5-8342-1BBEDD176055}" dt="2024-07-01T23:39:35.114" v="14" actId="6549"/>
+          <ac:spMkLst>
+            <pc:docMk/>
+            <pc:sldMk cId="3202984581" sldId="416"/>
+            <ac:spMk id="5" creationId="{F4A275F2-0352-4621-8D38-7712C6573613}"/>
+          </ac:spMkLst>
+        </pc:spChg>
+      </pc:sldChg>
+      <pc:sldChg chg="add del">
+        <pc:chgData name="jeongkilyong" userId="42a1e730-e7ec-4950-9a60-48236c77d83b" providerId="ADAL" clId="{3A329E4B-7173-4DE5-8342-1BBEDD176055}" dt="2024-07-01T23:39:39.549" v="15" actId="47"/>
+        <pc:sldMkLst>
+          <pc:docMk/>
+          <pc:sldMk cId="2281833266" sldId="417"/>
+        </pc:sldMkLst>
       </pc:sldChg>
     </pc:docChg>
   </pc:docChgLst>
@@ -3976,87 +2607,1456 @@
     </pc:docChg>
   </pc:docChgLst>
   <pc:docChgLst>
-    <pc:chgData name="jeongkilyong" userId="42a1e730-e7ec-4950-9a60-48236c77d83b" providerId="ADAL" clId="{3A329E4B-7173-4DE5-8342-1BBEDD176055}"/>
-    <pc:docChg chg="undo custSel addSld delSld modSld sldOrd">
-      <pc:chgData name="jeongkilyong" userId="42a1e730-e7ec-4950-9a60-48236c77d83b" providerId="ADAL" clId="{3A329E4B-7173-4DE5-8342-1BBEDD176055}" dt="2024-07-02T04:34:59.539" v="1716" actId="20577"/>
+    <pc:chgData name="jeongkilyong" userId="42a1e730-e7ec-4950-9a60-48236c77d83b" providerId="ADAL" clId="{68836CF2-79A1-495E-9E4B-E0587825BCCC}"/>
+    <pc:docChg chg="undo custSel addSld delSld modSld modSection">
+      <pc:chgData name="jeongkilyong" userId="42a1e730-e7ec-4950-9a60-48236c77d83b" providerId="ADAL" clId="{68836CF2-79A1-495E-9E4B-E0587825BCCC}" dt="2023-10-21T04:19:43.449" v="518" actId="20577"/>
       <pc:docMkLst>
         <pc:docMk/>
       </pc:docMkLst>
-      <pc:sldChg chg="addSp modSp add mod ord">
-        <pc:chgData name="jeongkilyong" userId="42a1e730-e7ec-4950-9a60-48236c77d83b" providerId="ADAL" clId="{3A329E4B-7173-4DE5-8342-1BBEDD176055}" dt="2024-07-02T04:34:54.926" v="1714"/>
+      <pc:sldChg chg="add del">
+        <pc:chgData name="jeongkilyong" userId="42a1e730-e7ec-4950-9a60-48236c77d83b" providerId="ADAL" clId="{68836CF2-79A1-495E-9E4B-E0587825BCCC}" dt="2023-10-21T02:07:20.150" v="89" actId="47"/>
         <pc:sldMkLst>
           <pc:docMk/>
-          <pc:sldMk cId="2415154353" sldId="415"/>
+          <pc:sldMk cId="3084365525" sldId="280"/>
+        </pc:sldMkLst>
+      </pc:sldChg>
+      <pc:sldChg chg="addSp delSp modSp mod">
+        <pc:chgData name="jeongkilyong" userId="42a1e730-e7ec-4950-9a60-48236c77d83b" providerId="ADAL" clId="{68836CF2-79A1-495E-9E4B-E0587825BCCC}" dt="2023-10-21T04:19:38.694" v="498" actId="20577"/>
+        <pc:sldMkLst>
+          <pc:docMk/>
+          <pc:sldMk cId="4235148381" sldId="283"/>
         </pc:sldMkLst>
         <pc:spChg chg="mod">
-          <ac:chgData name="jeongkilyong" userId="42a1e730-e7ec-4950-9a60-48236c77d83b" providerId="ADAL" clId="{3A329E4B-7173-4DE5-8342-1BBEDD176055}" dt="2024-07-02T04:26:38.781" v="1710" actId="6549"/>
-          <ac:spMkLst>
-            <pc:docMk/>
-            <pc:sldMk cId="2415154353" sldId="415"/>
-            <ac:spMk id="5" creationId="{F4A275F2-0352-4621-8D38-7712C6573613}"/>
+          <ac:chgData name="jeongkilyong" userId="42a1e730-e7ec-4950-9a60-48236c77d83b" providerId="ADAL" clId="{68836CF2-79A1-495E-9E4B-E0587825BCCC}" dt="2023-10-21T02:05:11.217" v="52" actId="20577"/>
+          <ac:spMkLst>
+            <pc:docMk/>
+            <pc:sldMk cId="4235148381" sldId="283"/>
+            <ac:spMk id="3" creationId="{9B4ADA28-30F2-9041-ABD9-123916927139}"/>
+          </ac:spMkLst>
+        </pc:spChg>
+        <pc:spChg chg="add del mod">
+          <ac:chgData name="jeongkilyong" userId="42a1e730-e7ec-4950-9a60-48236c77d83b" providerId="ADAL" clId="{68836CF2-79A1-495E-9E4B-E0587825BCCC}" dt="2023-10-21T02:10:50.837" v="135"/>
+          <ac:spMkLst>
+            <pc:docMk/>
+            <pc:sldMk cId="4235148381" sldId="283"/>
+            <ac:spMk id="10" creationId="{97500FA7-C98F-443F-9E58-1D78051819EF}"/>
           </ac:spMkLst>
         </pc:spChg>
         <pc:spChg chg="mod">
-          <ac:chgData name="jeongkilyong" userId="42a1e730-e7ec-4950-9a60-48236c77d83b" providerId="ADAL" clId="{3A329E4B-7173-4DE5-8342-1BBEDD176055}" dt="2024-07-02T00:29:20.241" v="1016" actId="20577"/>
-          <ac:spMkLst>
-            <pc:docMk/>
-            <pc:sldMk cId="2415154353" sldId="415"/>
-            <ac:spMk id="6" creationId="{680D0045-3477-44AB-993A-FFEFCD118F64}"/>
-          </ac:spMkLst>
-        </pc:spChg>
-        <pc:spChg chg="add mod">
-          <ac:chgData name="jeongkilyong" userId="42a1e730-e7ec-4950-9a60-48236c77d83b" providerId="ADAL" clId="{3A329E4B-7173-4DE5-8342-1BBEDD176055}" dt="2024-07-02T04:26:44.855" v="1712" actId="1076"/>
-          <ac:spMkLst>
-            <pc:docMk/>
-            <pc:sldMk cId="2415154353" sldId="415"/>
-            <ac:spMk id="8" creationId="{2A35DD6F-7CAA-4637-A18B-7C260E353C48}"/>
+          <ac:chgData name="jeongkilyong" userId="42a1e730-e7ec-4950-9a60-48236c77d83b" providerId="ADAL" clId="{68836CF2-79A1-495E-9E4B-E0587825BCCC}" dt="2023-10-21T02:04:48.250" v="1" actId="20577"/>
+          <ac:spMkLst>
+            <pc:docMk/>
+            <pc:sldMk cId="4235148381" sldId="283"/>
+            <ac:spMk id="22" creationId="{BD397849-435B-BC4F-B100-C72850C36522}"/>
           </ac:spMkLst>
         </pc:spChg>
         <pc:spChg chg="mod">
-          <ac:chgData name="jeongkilyong" userId="42a1e730-e7ec-4950-9a60-48236c77d83b" providerId="ADAL" clId="{3A329E4B-7173-4DE5-8342-1BBEDD176055}" dt="2024-07-02T02:24:23.185" v="1035" actId="6549"/>
-          <ac:spMkLst>
-            <pc:docMk/>
-            <pc:sldMk cId="2415154353" sldId="415"/>
-            <ac:spMk id="12" creationId="{10ACD4E5-1FFB-574E-8F99-C84FF7F7144F}"/>
+          <ac:chgData name="jeongkilyong" userId="42a1e730-e7ec-4950-9a60-48236c77d83b" providerId="ADAL" clId="{68836CF2-79A1-495E-9E4B-E0587825BCCC}" dt="2023-10-21T04:19:38.694" v="498" actId="20577"/>
+          <ac:spMkLst>
+            <pc:docMk/>
+            <pc:sldMk cId="4235148381" sldId="283"/>
+            <ac:spMk id="26" creationId="{9E4FB064-8ECA-9144-943F-EC7F301DF48C}"/>
           </ac:spMkLst>
         </pc:spChg>
       </pc:sldChg>
-      <pc:sldChg chg="modSp add mod">
-        <pc:chgData name="jeongkilyong" userId="42a1e730-e7ec-4950-9a60-48236c77d83b" providerId="ADAL" clId="{3A329E4B-7173-4DE5-8342-1BBEDD176055}" dt="2024-07-02T04:34:59.539" v="1716" actId="20577"/>
+      <pc:sldChg chg="modSp del mod">
+        <pc:chgData name="jeongkilyong" userId="42a1e730-e7ec-4950-9a60-48236c77d83b" providerId="ADAL" clId="{68836CF2-79A1-495E-9E4B-E0587825BCCC}" dt="2023-10-21T02:07:42.124" v="90" actId="47"/>
         <pc:sldMkLst>
           <pc:docMk/>
-          <pc:sldMk cId="3171919967" sldId="416"/>
+          <pc:sldMk cId="2460650979" sldId="284"/>
         </pc:sldMkLst>
         <pc:spChg chg="mod">
-          <ac:chgData name="jeongkilyong" userId="42a1e730-e7ec-4950-9a60-48236c77d83b" providerId="ADAL" clId="{3A329E4B-7173-4DE5-8342-1BBEDD176055}" dt="2024-07-02T04:34:59.539" v="1716" actId="20577"/>
-          <ac:spMkLst>
-            <pc:docMk/>
-            <pc:sldMk cId="3171919967" sldId="416"/>
-            <ac:spMk id="6" creationId="{680D0045-3477-44AB-993A-FFEFCD118F64}"/>
+          <ac:chgData name="jeongkilyong" userId="42a1e730-e7ec-4950-9a60-48236c77d83b" providerId="ADAL" clId="{68836CF2-79A1-495E-9E4B-E0587825BCCC}" dt="2023-10-21T02:06:37.651" v="87" actId="20577"/>
+          <ac:spMkLst>
+            <pc:docMk/>
+            <pc:sldMk cId="2460650979" sldId="284"/>
+            <ac:spMk id="12" creationId="{10ACD4E5-1FFB-574E-8F99-C84FF7F7144F}"/>
           </ac:spMkLst>
         </pc:spChg>
       </pc:sldChg>
-      <pc:sldChg chg="modSp add del mod">
-        <pc:chgData name="jeongkilyong" userId="42a1e730-e7ec-4950-9a60-48236c77d83b" providerId="ADAL" clId="{3A329E4B-7173-4DE5-8342-1BBEDD176055}" dt="2024-07-02T00:29:25.992" v="1017" actId="47"/>
+      <pc:sldChg chg="modSp mod">
+        <pc:chgData name="jeongkilyong" userId="42a1e730-e7ec-4950-9a60-48236c77d83b" providerId="ADAL" clId="{68836CF2-79A1-495E-9E4B-E0587825BCCC}" dt="2023-10-21T04:19:43.449" v="518" actId="20577"/>
         <pc:sldMkLst>
           <pc:docMk/>
-          <pc:sldMk cId="3202984581" sldId="416"/>
+          <pc:sldMk cId="2518751162" sldId="285"/>
         </pc:sldMkLst>
         <pc:spChg chg="mod">
-          <ac:chgData name="jeongkilyong" userId="42a1e730-e7ec-4950-9a60-48236c77d83b" providerId="ADAL" clId="{3A329E4B-7173-4DE5-8342-1BBEDD176055}" dt="2024-07-01T23:39:35.114" v="14" actId="6549"/>
-          <ac:spMkLst>
-            <pc:docMk/>
-            <pc:sldMk cId="3202984581" sldId="416"/>
-            <ac:spMk id="5" creationId="{F4A275F2-0352-4621-8D38-7712C6573613}"/>
-          </ac:spMkLst>
-        </pc:spChg>
+          <ac:chgData name="jeongkilyong" userId="42a1e730-e7ec-4950-9a60-48236c77d83b" providerId="ADAL" clId="{68836CF2-79A1-495E-9E4B-E0587825BCCC}" dt="2023-10-21T04:19:43.449" v="518" actId="20577"/>
+          <ac:spMkLst>
+            <pc:docMk/>
+            <pc:sldMk cId="2518751162" sldId="285"/>
+            <ac:spMk id="14" creationId="{F7047AB8-3A27-8A4C-B98D-ABDB785695C1}"/>
+          </ac:spMkLst>
+        </pc:spChg>
+      </pc:sldChg>
+      <pc:sldChg chg="addSp delSp modSp mod">
+        <pc:chgData name="jeongkilyong" userId="42a1e730-e7ec-4950-9a60-48236c77d83b" providerId="ADAL" clId="{68836CF2-79A1-495E-9E4B-E0587825BCCC}" dt="2023-10-21T02:16:54.826" v="377" actId="2711"/>
+        <pc:sldMkLst>
+          <pc:docMk/>
+          <pc:sldMk cId="3364918572" sldId="286"/>
+        </pc:sldMkLst>
+        <pc:spChg chg="del">
+          <ac:chgData name="jeongkilyong" userId="42a1e730-e7ec-4950-9a60-48236c77d83b" providerId="ADAL" clId="{68836CF2-79A1-495E-9E4B-E0587825BCCC}" dt="2023-10-21T02:08:56.603" v="91" actId="478"/>
+          <ac:spMkLst>
+            <pc:docMk/>
+            <pc:sldMk cId="3364918572" sldId="286"/>
+            <ac:spMk id="4" creationId="{4BE45E33-374F-D046-9073-1E45B685C140}"/>
+          </ac:spMkLst>
+        </pc:spChg>
+        <pc:spChg chg="del">
+          <ac:chgData name="jeongkilyong" userId="42a1e730-e7ec-4950-9a60-48236c77d83b" providerId="ADAL" clId="{68836CF2-79A1-495E-9E4B-E0587825BCCC}" dt="2023-10-21T02:08:56.603" v="91" actId="478"/>
+          <ac:spMkLst>
+            <pc:docMk/>
+            <pc:sldMk cId="3364918572" sldId="286"/>
+            <ac:spMk id="5" creationId="{AC19BBA5-A5EF-9044-8EB4-16033DD3E637}"/>
+          </ac:spMkLst>
+        </pc:spChg>
+        <pc:spChg chg="del">
+          <ac:chgData name="jeongkilyong" userId="42a1e730-e7ec-4950-9a60-48236c77d83b" providerId="ADAL" clId="{68836CF2-79A1-495E-9E4B-E0587825BCCC}" dt="2023-10-21T02:08:56.603" v="91" actId="478"/>
+          <ac:spMkLst>
+            <pc:docMk/>
+            <pc:sldMk cId="3364918572" sldId="286"/>
+            <ac:spMk id="6" creationId="{1D9939F5-FDB1-434A-92A8-CCCCF0857E9F}"/>
+          </ac:spMkLst>
+        </pc:spChg>
+        <pc:spChg chg="del">
+          <ac:chgData name="jeongkilyong" userId="42a1e730-e7ec-4950-9a60-48236c77d83b" providerId="ADAL" clId="{68836CF2-79A1-495E-9E4B-E0587825BCCC}" dt="2023-10-21T02:08:56.603" v="91" actId="478"/>
+          <ac:spMkLst>
+            <pc:docMk/>
+            <pc:sldMk cId="3364918572" sldId="286"/>
+            <ac:spMk id="7" creationId="{D2630183-7FF5-3548-9960-16BA3B63B487}"/>
+          </ac:spMkLst>
+        </pc:spChg>
+        <pc:spChg chg="del">
+          <ac:chgData name="jeongkilyong" userId="42a1e730-e7ec-4950-9a60-48236c77d83b" providerId="ADAL" clId="{68836CF2-79A1-495E-9E4B-E0587825BCCC}" dt="2023-10-21T02:08:56.603" v="91" actId="478"/>
+          <ac:spMkLst>
+            <pc:docMk/>
+            <pc:sldMk cId="3364918572" sldId="286"/>
+            <ac:spMk id="8" creationId="{D1B2F3D4-4658-6045-9673-78CBEDE89390}"/>
+          </ac:spMkLst>
+        </pc:spChg>
+        <pc:spChg chg="add mod">
+          <ac:chgData name="jeongkilyong" userId="42a1e730-e7ec-4950-9a60-48236c77d83b" providerId="ADAL" clId="{68836CF2-79A1-495E-9E4B-E0587825BCCC}" dt="2023-10-21T02:16:54.826" v="377" actId="2711"/>
+          <ac:spMkLst>
+            <pc:docMk/>
+            <pc:sldMk cId="3364918572" sldId="286"/>
+            <ac:spMk id="10" creationId="{68EEA891-BE75-4D42-876D-5105BD9CE306}"/>
+          </ac:spMkLst>
+        </pc:spChg>
+        <pc:spChg chg="mod">
+          <ac:chgData name="jeongkilyong" userId="42a1e730-e7ec-4950-9a60-48236c77d83b" providerId="ADAL" clId="{68836CF2-79A1-495E-9E4B-E0587825BCCC}" dt="2023-10-21T02:09:17.824" v="133" actId="6549"/>
+          <ac:spMkLst>
+            <pc:docMk/>
+            <pc:sldMk cId="3364918572" sldId="286"/>
+            <ac:spMk id="12" creationId="{10ACD4E5-1FFB-574E-8F99-C84FF7F7144F}"/>
+          </ac:spMkLst>
+        </pc:spChg>
+      </pc:sldChg>
+      <pc:sldChg chg="modSp mod">
+        <pc:chgData name="jeongkilyong" userId="42a1e730-e7ec-4950-9a60-48236c77d83b" providerId="ADAL" clId="{68836CF2-79A1-495E-9E4B-E0587825BCCC}" dt="2023-10-21T02:14:55.270" v="312" actId="20577"/>
+        <pc:sldMkLst>
+          <pc:docMk/>
+          <pc:sldMk cId="1487703584" sldId="287"/>
+        </pc:sldMkLst>
+        <pc:spChg chg="mod">
+          <ac:chgData name="jeongkilyong" userId="42a1e730-e7ec-4950-9a60-48236c77d83b" providerId="ADAL" clId="{68836CF2-79A1-495E-9E4B-E0587825BCCC}" dt="2023-10-21T02:14:55.270" v="312" actId="20577"/>
+          <ac:spMkLst>
+            <pc:docMk/>
+            <pc:sldMk cId="1487703584" sldId="287"/>
+            <ac:spMk id="10" creationId="{735792CB-3A94-0F4C-8FD2-F052F5BF9971}"/>
+          </ac:spMkLst>
+        </pc:spChg>
+      </pc:sldChg>
+      <pc:sldChg chg="addSp modSp add mod">
+        <pc:chgData name="jeongkilyong" userId="42a1e730-e7ec-4950-9a60-48236c77d83b" providerId="ADAL" clId="{68836CF2-79A1-495E-9E4B-E0587825BCCC}" dt="2023-10-21T04:18:58.177" v="447" actId="20577"/>
+        <pc:sldMkLst>
+          <pc:docMk/>
+          <pc:sldMk cId="3485235614" sldId="292"/>
+        </pc:sldMkLst>
+        <pc:spChg chg="add mod">
+          <ac:chgData name="jeongkilyong" userId="42a1e730-e7ec-4950-9a60-48236c77d83b" providerId="ADAL" clId="{68836CF2-79A1-495E-9E4B-E0587825BCCC}" dt="2023-10-21T04:18:58.177" v="447" actId="20577"/>
+          <ac:spMkLst>
+            <pc:docMk/>
+            <pc:sldMk cId="3485235614" sldId="292"/>
+            <ac:spMk id="5" creationId="{FB35D915-9598-4DE5-A561-CC6FE4D2171D}"/>
+          </ac:spMkLst>
+        </pc:spChg>
+        <pc:spChg chg="mod">
+          <ac:chgData name="jeongkilyong" userId="42a1e730-e7ec-4950-9a60-48236c77d83b" providerId="ADAL" clId="{68836CF2-79A1-495E-9E4B-E0587825BCCC}" dt="2023-10-21T02:11:03.800" v="180" actId="6549"/>
+          <ac:spMkLst>
+            <pc:docMk/>
+            <pc:sldMk cId="3485235614" sldId="292"/>
+            <ac:spMk id="12" creationId="{10ACD4E5-1FFB-574E-8F99-C84FF7F7144F}"/>
+          </ac:spMkLst>
+        </pc:spChg>
+      </pc:sldChg>
+    </pc:docChg>
+  </pc:docChgLst>
+  <pc:docChgLst>
+    <pc:chgData name="jeongkilyong" userId="42a1e730-e7ec-4950-9a60-48236c77d83b" providerId="ADAL" clId="{AF33EE09-1563-4B99-999A-EB513D20AF18}"/>
+    <pc:docChg chg="undo custSel addSld delSld modSld sldOrd delSection modSection">
+      <pc:chgData name="jeongkilyong" userId="42a1e730-e7ec-4950-9a60-48236c77d83b" providerId="ADAL" clId="{AF33EE09-1563-4B99-999A-EB513D20AF18}" dt="2023-10-24T05:17:12.935" v="996" actId="571"/>
+      <pc:docMkLst>
+        <pc:docMk/>
+      </pc:docMkLst>
+      <pc:sldChg chg="del">
+        <pc:chgData name="jeongkilyong" userId="42a1e730-e7ec-4950-9a60-48236c77d83b" providerId="ADAL" clId="{AF33EE09-1563-4B99-999A-EB513D20AF18}" dt="2023-10-23T07:11:44.682" v="738" actId="47"/>
+        <pc:sldMkLst>
+          <pc:docMk/>
+          <pc:sldMk cId="1948850757" sldId="266"/>
+        </pc:sldMkLst>
+      </pc:sldChg>
+      <pc:sldChg chg="del">
+        <pc:chgData name="jeongkilyong" userId="42a1e730-e7ec-4950-9a60-48236c77d83b" providerId="ADAL" clId="{AF33EE09-1563-4B99-999A-EB513D20AF18}" dt="2023-10-23T07:11:48.840" v="741" actId="47"/>
+        <pc:sldMkLst>
+          <pc:docMk/>
+          <pc:sldMk cId="2640843504" sldId="279"/>
+        </pc:sldMkLst>
+      </pc:sldChg>
+      <pc:sldChg chg="del">
+        <pc:chgData name="jeongkilyong" userId="42a1e730-e7ec-4950-9a60-48236c77d83b" providerId="ADAL" clId="{AF33EE09-1563-4B99-999A-EB513D20AF18}" dt="2023-10-23T07:11:49.641" v="742" actId="47"/>
+        <pc:sldMkLst>
+          <pc:docMk/>
+          <pc:sldMk cId="3084365525" sldId="280"/>
+        </pc:sldMkLst>
+      </pc:sldChg>
+      <pc:sldChg chg="del">
+        <pc:chgData name="jeongkilyong" userId="42a1e730-e7ec-4950-9a60-48236c77d83b" providerId="ADAL" clId="{AF33EE09-1563-4B99-999A-EB513D20AF18}" dt="2023-10-23T07:11:50.968" v="743" actId="47"/>
+        <pc:sldMkLst>
+          <pc:docMk/>
+          <pc:sldMk cId="1218562178" sldId="281"/>
+        </pc:sldMkLst>
+      </pc:sldChg>
+      <pc:sldChg chg="del">
+        <pc:chgData name="jeongkilyong" userId="42a1e730-e7ec-4950-9a60-48236c77d83b" providerId="ADAL" clId="{AF33EE09-1563-4B99-999A-EB513D20AF18}" dt="2023-10-23T07:11:51.645" v="744" actId="47"/>
+        <pc:sldMkLst>
+          <pc:docMk/>
+          <pc:sldMk cId="3914735486" sldId="282"/>
+        </pc:sldMkLst>
+      </pc:sldChg>
+      <pc:sldChg chg="addSp delSp modSp mod">
+        <pc:chgData name="jeongkilyong" userId="42a1e730-e7ec-4950-9a60-48236c77d83b" providerId="ADAL" clId="{AF33EE09-1563-4B99-999A-EB513D20AF18}" dt="2023-10-23T07:05:13.586" v="171" actId="1076"/>
+        <pc:sldMkLst>
+          <pc:docMk/>
+          <pc:sldMk cId="2518751162" sldId="285"/>
+        </pc:sldMkLst>
+        <pc:spChg chg="add del">
+          <ac:chgData name="jeongkilyong" userId="42a1e730-e7ec-4950-9a60-48236c77d83b" providerId="ADAL" clId="{AF33EE09-1563-4B99-999A-EB513D20AF18}" dt="2023-10-23T07:05:04.118" v="136" actId="22"/>
+          <ac:spMkLst>
+            <pc:docMk/>
+            <pc:sldMk cId="2518751162" sldId="285"/>
+            <ac:spMk id="11" creationId="{098B9734-6BCC-43E9-9F4D-F0C0C86C7DC2}"/>
+          </ac:spMkLst>
+        </pc:spChg>
+        <pc:spChg chg="mod">
+          <ac:chgData name="jeongkilyong" userId="42a1e730-e7ec-4950-9a60-48236c77d83b" providerId="ADAL" clId="{AF33EE09-1563-4B99-999A-EB513D20AF18}" dt="2023-10-23T07:05:13.586" v="171" actId="1076"/>
+          <ac:spMkLst>
+            <pc:docMk/>
+            <pc:sldMk cId="2518751162" sldId="285"/>
+            <ac:spMk id="12" creationId="{F8B16E97-6244-1F49-89E2-02A389AB2CB2}"/>
+          </ac:spMkLst>
+        </pc:spChg>
+      </pc:sldChg>
+      <pc:sldChg chg="addSp delSp modSp mod">
+        <pc:chgData name="jeongkilyong" userId="42a1e730-e7ec-4950-9a60-48236c77d83b" providerId="ADAL" clId="{AF33EE09-1563-4B99-999A-EB513D20AF18}" dt="2023-10-23T23:56:34.368" v="941" actId="20577"/>
+        <pc:sldMkLst>
+          <pc:docMk/>
+          <pc:sldMk cId="3364918572" sldId="286"/>
+        </pc:sldMkLst>
+        <pc:spChg chg="add mod">
+          <ac:chgData name="jeongkilyong" userId="42a1e730-e7ec-4950-9a60-48236c77d83b" providerId="ADAL" clId="{AF33EE09-1563-4B99-999A-EB513D20AF18}" dt="2023-10-23T23:56:34.368" v="941" actId="20577"/>
+          <ac:spMkLst>
+            <pc:docMk/>
+            <pc:sldMk cId="3364918572" sldId="286"/>
+            <ac:spMk id="5" creationId="{51A18909-3721-4924-A1B6-35C35C00F700}"/>
+          </ac:spMkLst>
+        </pc:spChg>
+        <pc:spChg chg="del mod">
+          <ac:chgData name="jeongkilyong" userId="42a1e730-e7ec-4950-9a60-48236c77d83b" providerId="ADAL" clId="{AF33EE09-1563-4B99-999A-EB513D20AF18}" dt="2023-10-23T07:06:08.975" v="177" actId="478"/>
+          <ac:spMkLst>
+            <pc:docMk/>
+            <pc:sldMk cId="3364918572" sldId="286"/>
+            <ac:spMk id="10" creationId="{68EEA891-BE75-4D42-876D-5105BD9CE306}"/>
+          </ac:spMkLst>
+        </pc:spChg>
+        <pc:spChg chg="mod">
+          <ac:chgData name="jeongkilyong" userId="42a1e730-e7ec-4950-9a60-48236c77d83b" providerId="ADAL" clId="{AF33EE09-1563-4B99-999A-EB513D20AF18}" dt="2023-10-23T07:06:16.919" v="194" actId="20577"/>
+          <ac:spMkLst>
+            <pc:docMk/>
+            <pc:sldMk cId="3364918572" sldId="286"/>
+            <ac:spMk id="12" creationId="{10ACD4E5-1FFB-574E-8F99-C84FF7F7144F}"/>
+          </ac:spMkLst>
+        </pc:spChg>
+      </pc:sldChg>
+      <pc:sldChg chg="del">
+        <pc:chgData name="jeongkilyong" userId="42a1e730-e7ec-4950-9a60-48236c77d83b" providerId="ADAL" clId="{AF33EE09-1563-4B99-999A-EB513D20AF18}" dt="2023-10-23T07:11:34.126" v="736" actId="47"/>
+        <pc:sldMkLst>
+          <pc:docMk/>
+          <pc:sldMk cId="1487703584" sldId="287"/>
+        </pc:sldMkLst>
+      </pc:sldChg>
+      <pc:sldChg chg="del">
+        <pc:chgData name="jeongkilyong" userId="42a1e730-e7ec-4950-9a60-48236c77d83b" providerId="ADAL" clId="{AF33EE09-1563-4B99-999A-EB513D20AF18}" dt="2023-10-23T07:11:45.710" v="739" actId="47"/>
+        <pc:sldMkLst>
+          <pc:docMk/>
+          <pc:sldMk cId="2190763565" sldId="288"/>
+        </pc:sldMkLst>
+      </pc:sldChg>
+      <pc:sldChg chg="del">
+        <pc:chgData name="jeongkilyong" userId="42a1e730-e7ec-4950-9a60-48236c77d83b" providerId="ADAL" clId="{AF33EE09-1563-4B99-999A-EB513D20AF18}" dt="2023-10-23T07:11:41.757" v="737" actId="47"/>
+        <pc:sldMkLst>
+          <pc:docMk/>
+          <pc:sldMk cId="1655413217" sldId="289"/>
+        </pc:sldMkLst>
+      </pc:sldChg>
+      <pc:sldChg chg="del">
+        <pc:chgData name="jeongkilyong" userId="42a1e730-e7ec-4950-9a60-48236c77d83b" providerId="ADAL" clId="{AF33EE09-1563-4B99-999A-EB513D20AF18}" dt="2023-10-23T07:11:46.695" v="740" actId="47"/>
+        <pc:sldMkLst>
+          <pc:docMk/>
+          <pc:sldMk cId="293648480" sldId="290"/>
+        </pc:sldMkLst>
+      </pc:sldChg>
+      <pc:sldChg chg="del">
+        <pc:chgData name="jeongkilyong" userId="42a1e730-e7ec-4950-9a60-48236c77d83b" providerId="ADAL" clId="{AF33EE09-1563-4B99-999A-EB513D20AF18}" dt="2023-10-23T07:11:53.169" v="745" actId="47"/>
+        <pc:sldMkLst>
+          <pc:docMk/>
+          <pc:sldMk cId="2979653297" sldId="291"/>
+        </pc:sldMkLst>
+      </pc:sldChg>
+      <pc:sldChg chg="addSp modSp mod ord">
+        <pc:chgData name="jeongkilyong" userId="42a1e730-e7ec-4950-9a60-48236c77d83b" providerId="ADAL" clId="{AF33EE09-1563-4B99-999A-EB513D20AF18}" dt="2023-10-23T07:43:51.847" v="887" actId="1035"/>
+        <pc:sldMkLst>
+          <pc:docMk/>
+          <pc:sldMk cId="3485235614" sldId="292"/>
+        </pc:sldMkLst>
+        <pc:spChg chg="mod">
+          <ac:chgData name="jeongkilyong" userId="42a1e730-e7ec-4950-9a60-48236c77d83b" providerId="ADAL" clId="{AF33EE09-1563-4B99-999A-EB513D20AF18}" dt="2023-10-23T07:43:51.847" v="887" actId="1035"/>
+          <ac:spMkLst>
+            <pc:docMk/>
+            <pc:sldMk cId="3485235614" sldId="292"/>
+            <ac:spMk id="5" creationId="{FB35D915-9598-4DE5-A561-CC6FE4D2171D}"/>
+          </ac:spMkLst>
+        </pc:spChg>
+        <pc:spChg chg="add mod">
+          <ac:chgData name="jeongkilyong" userId="42a1e730-e7ec-4950-9a60-48236c77d83b" providerId="ADAL" clId="{AF33EE09-1563-4B99-999A-EB513D20AF18}" dt="2023-10-23T07:05:48.699" v="175" actId="1076"/>
+          <ac:spMkLst>
+            <pc:docMk/>
+            <pc:sldMk cId="3485235614" sldId="292"/>
+            <ac:spMk id="7" creationId="{E08312F0-3BD2-4F32-9089-FB425567B7D7}"/>
+          </ac:spMkLst>
+        </pc:spChg>
+        <pc:spChg chg="mod">
+          <ac:chgData name="jeongkilyong" userId="42a1e730-e7ec-4950-9a60-48236c77d83b" providerId="ADAL" clId="{AF33EE09-1563-4B99-999A-EB513D20AF18}" dt="2023-10-23T07:12:05.778" v="753" actId="20577"/>
+          <ac:spMkLst>
+            <pc:docMk/>
+            <pc:sldMk cId="3485235614" sldId="292"/>
+            <ac:spMk id="12" creationId="{10ACD4E5-1FFB-574E-8F99-C84FF7F7144F}"/>
+          </ac:spMkLst>
+        </pc:spChg>
+        <pc:picChg chg="add mod">
+          <ac:chgData name="jeongkilyong" userId="42a1e730-e7ec-4950-9a60-48236c77d83b" providerId="ADAL" clId="{AF33EE09-1563-4B99-999A-EB513D20AF18}" dt="2023-10-23T07:05:48.699" v="175" actId="1076"/>
+          <ac:picMkLst>
+            <pc:docMk/>
+            <pc:sldMk cId="3485235614" sldId="292"/>
+            <ac:picMk id="6" creationId="{70EB4F47-E0CF-4334-93D6-7B7E49AA174A}"/>
+          </ac:picMkLst>
+        </pc:picChg>
+      </pc:sldChg>
+      <pc:sldChg chg="addSp modSp add">
+        <pc:chgData name="jeongkilyong" userId="42a1e730-e7ec-4950-9a60-48236c77d83b" providerId="ADAL" clId="{AF33EE09-1563-4B99-999A-EB513D20AF18}" dt="2023-10-23T07:12:32.508" v="755"/>
+        <pc:sldMkLst>
+          <pc:docMk/>
+          <pc:sldMk cId="2773633433" sldId="293"/>
+        </pc:sldMkLst>
+        <pc:spChg chg="add mod">
+          <ac:chgData name="jeongkilyong" userId="42a1e730-e7ec-4950-9a60-48236c77d83b" providerId="ADAL" clId="{AF33EE09-1563-4B99-999A-EB513D20AF18}" dt="2023-10-23T07:12:32.508" v="755"/>
+          <ac:spMkLst>
+            <pc:docMk/>
+            <pc:sldMk cId="2773633433" sldId="293"/>
+            <ac:spMk id="4" creationId="{8BA83490-67D1-48A7-9E3E-EF473E8F231B}"/>
+          </ac:spMkLst>
+        </pc:spChg>
+      </pc:sldChg>
+      <pc:sldChg chg="addSp modSp add mod">
+        <pc:chgData name="jeongkilyong" userId="42a1e730-e7ec-4950-9a60-48236c77d83b" providerId="ADAL" clId="{AF33EE09-1563-4B99-999A-EB513D20AF18}" dt="2023-10-23T23:56:47.176" v="949" actId="20577"/>
+        <pc:sldMkLst>
+          <pc:docMk/>
+          <pc:sldMk cId="1339143532" sldId="294"/>
+        </pc:sldMkLst>
+        <pc:spChg chg="add mod">
+          <ac:chgData name="jeongkilyong" userId="42a1e730-e7ec-4950-9a60-48236c77d83b" providerId="ADAL" clId="{AF33EE09-1563-4B99-999A-EB513D20AF18}" dt="2023-10-23T23:56:47.176" v="949" actId="20577"/>
+          <ac:spMkLst>
+            <pc:docMk/>
+            <pc:sldMk cId="1339143532" sldId="294"/>
+            <ac:spMk id="4" creationId="{774467AD-A1D1-406C-AF1E-04FD592614BB}"/>
+          </ac:spMkLst>
+        </pc:spChg>
+        <pc:spChg chg="mod">
+          <ac:chgData name="jeongkilyong" userId="42a1e730-e7ec-4950-9a60-48236c77d83b" providerId="ADAL" clId="{AF33EE09-1563-4B99-999A-EB513D20AF18}" dt="2023-10-23T07:06:45.464" v="241" actId="20577"/>
+          <ac:spMkLst>
+            <pc:docMk/>
+            <pc:sldMk cId="1339143532" sldId="294"/>
+            <ac:spMk id="12" creationId="{10ACD4E5-1FFB-574E-8F99-C84FF7F7144F}"/>
+          </ac:spMkLst>
+        </pc:spChg>
+      </pc:sldChg>
+      <pc:sldChg chg="addSp modSp add mod">
+        <pc:chgData name="jeongkilyong" userId="42a1e730-e7ec-4950-9a60-48236c77d83b" providerId="ADAL" clId="{AF33EE09-1563-4B99-999A-EB513D20AF18}" dt="2023-10-23T07:24:14.464" v="793" actId="1076"/>
+        <pc:sldMkLst>
+          <pc:docMk/>
+          <pc:sldMk cId="3262124915" sldId="295"/>
+        </pc:sldMkLst>
+        <pc:spChg chg="add mod">
+          <ac:chgData name="jeongkilyong" userId="42a1e730-e7ec-4950-9a60-48236c77d83b" providerId="ADAL" clId="{AF33EE09-1563-4B99-999A-EB513D20AF18}" dt="2023-10-23T07:12:48.027" v="757"/>
+          <ac:spMkLst>
+            <pc:docMk/>
+            <pc:sldMk cId="3262124915" sldId="295"/>
+            <ac:spMk id="4" creationId="{D04E3A88-FDB4-4439-B4EE-FFAAFB989CCE}"/>
+          </ac:spMkLst>
+        </pc:spChg>
+        <pc:spChg chg="add mod">
+          <ac:chgData name="jeongkilyong" userId="42a1e730-e7ec-4950-9a60-48236c77d83b" providerId="ADAL" clId="{AF33EE09-1563-4B99-999A-EB513D20AF18}" dt="2023-10-23T07:24:14.464" v="793" actId="1076"/>
+          <ac:spMkLst>
+            <pc:docMk/>
+            <pc:sldMk cId="3262124915" sldId="295"/>
+            <ac:spMk id="6" creationId="{73F11AA4-2D07-4A14-8F43-FC32880B25E2}"/>
+          </ac:spMkLst>
+        </pc:spChg>
+        <pc:spChg chg="mod">
+          <ac:chgData name="jeongkilyong" userId="42a1e730-e7ec-4950-9a60-48236c77d83b" providerId="ADAL" clId="{AF33EE09-1563-4B99-999A-EB513D20AF18}" dt="2023-10-23T07:06:55.778" v="242"/>
+          <ac:spMkLst>
+            <pc:docMk/>
+            <pc:sldMk cId="3262124915" sldId="295"/>
+            <ac:spMk id="12" creationId="{10ACD4E5-1FFB-574E-8F99-C84FF7F7144F}"/>
+          </ac:spMkLst>
+        </pc:spChg>
+        <pc:picChg chg="add mod">
+          <ac:chgData name="jeongkilyong" userId="42a1e730-e7ec-4950-9a60-48236c77d83b" providerId="ADAL" clId="{AF33EE09-1563-4B99-999A-EB513D20AF18}" dt="2023-10-23T07:24:14.464" v="793" actId="1076"/>
+          <ac:picMkLst>
+            <pc:docMk/>
+            <pc:sldMk cId="3262124915" sldId="295"/>
+            <ac:picMk id="5" creationId="{DC93C024-0AB1-412E-95BE-ABD99F8FBF96}"/>
+          </ac:picMkLst>
+        </pc:picChg>
+      </pc:sldChg>
+      <pc:sldChg chg="addSp modSp add mod">
+        <pc:chgData name="jeongkilyong" userId="42a1e730-e7ec-4950-9a60-48236c77d83b" providerId="ADAL" clId="{AF33EE09-1563-4B99-999A-EB513D20AF18}" dt="2023-10-23T07:24:26.737" v="795" actId="1076"/>
+        <pc:sldMkLst>
+          <pc:docMk/>
+          <pc:sldMk cId="1942727681" sldId="296"/>
+        </pc:sldMkLst>
+        <pc:spChg chg="add mod">
+          <ac:chgData name="jeongkilyong" userId="42a1e730-e7ec-4950-9a60-48236c77d83b" providerId="ADAL" clId="{AF33EE09-1563-4B99-999A-EB513D20AF18}" dt="2023-10-23T07:12:55.172" v="758"/>
+          <ac:spMkLst>
+            <pc:docMk/>
+            <pc:sldMk cId="1942727681" sldId="296"/>
+            <ac:spMk id="4" creationId="{36A61F52-C7C9-44DD-A99A-6374000ED600}"/>
+          </ac:spMkLst>
+        </pc:spChg>
+        <pc:spChg chg="add mod">
+          <ac:chgData name="jeongkilyong" userId="42a1e730-e7ec-4950-9a60-48236c77d83b" providerId="ADAL" clId="{AF33EE09-1563-4B99-999A-EB513D20AF18}" dt="2023-10-23T07:24:26.737" v="795" actId="1076"/>
+          <ac:spMkLst>
+            <pc:docMk/>
+            <pc:sldMk cId="1942727681" sldId="296"/>
+            <ac:spMk id="6" creationId="{A147224D-EFBE-412D-9D3F-EE379B287AD7}"/>
+          </ac:spMkLst>
+        </pc:spChg>
+        <pc:spChg chg="mod">
+          <ac:chgData name="jeongkilyong" userId="42a1e730-e7ec-4950-9a60-48236c77d83b" providerId="ADAL" clId="{AF33EE09-1563-4B99-999A-EB513D20AF18}" dt="2023-10-23T07:07:04.608" v="243"/>
+          <ac:spMkLst>
+            <pc:docMk/>
+            <pc:sldMk cId="1942727681" sldId="296"/>
+            <ac:spMk id="12" creationId="{10ACD4E5-1FFB-574E-8F99-C84FF7F7144F}"/>
+          </ac:spMkLst>
+        </pc:spChg>
+        <pc:picChg chg="add mod">
+          <ac:chgData name="jeongkilyong" userId="42a1e730-e7ec-4950-9a60-48236c77d83b" providerId="ADAL" clId="{AF33EE09-1563-4B99-999A-EB513D20AF18}" dt="2023-10-23T07:24:26.737" v="795" actId="1076"/>
+          <ac:picMkLst>
+            <pc:docMk/>
+            <pc:sldMk cId="1942727681" sldId="296"/>
+            <ac:picMk id="5" creationId="{1A7D9A0B-C856-4ABE-8D91-EA96E0D18A24}"/>
+          </ac:picMkLst>
+        </pc:picChg>
+      </pc:sldChg>
+      <pc:sldChg chg="addSp delSp modSp add mod delAnim modAnim">
+        <pc:chgData name="jeongkilyong" userId="42a1e730-e7ec-4950-9a60-48236c77d83b" providerId="ADAL" clId="{AF33EE09-1563-4B99-999A-EB513D20AF18}" dt="2023-10-24T04:11:52.370" v="966" actId="478"/>
+        <pc:sldMkLst>
+          <pc:docMk/>
+          <pc:sldMk cId="1332861574" sldId="297"/>
+        </pc:sldMkLst>
+        <pc:spChg chg="add mod">
+          <ac:chgData name="jeongkilyong" userId="42a1e730-e7ec-4950-9a60-48236c77d83b" providerId="ADAL" clId="{AF33EE09-1563-4B99-999A-EB513D20AF18}" dt="2023-10-23T07:13:07.212" v="759"/>
+          <ac:spMkLst>
+            <pc:docMk/>
+            <pc:sldMk cId="1332861574" sldId="297"/>
+            <ac:spMk id="4" creationId="{813D2383-DFF9-476B-A942-C1D043941864}"/>
+          </ac:spMkLst>
+        </pc:spChg>
+        <pc:spChg chg="add mod">
+          <ac:chgData name="jeongkilyong" userId="42a1e730-e7ec-4950-9a60-48236c77d83b" providerId="ADAL" clId="{AF33EE09-1563-4B99-999A-EB513D20AF18}" dt="2023-10-23T07:13:07.212" v="759"/>
+          <ac:spMkLst>
+            <pc:docMk/>
+            <pc:sldMk cId="1332861574" sldId="297"/>
+            <ac:spMk id="5" creationId="{31A6D3EF-EC83-4473-B276-497C8C7BE8D0}"/>
+          </ac:spMkLst>
+        </pc:spChg>
+        <pc:spChg chg="add mod">
+          <ac:chgData name="jeongkilyong" userId="42a1e730-e7ec-4950-9a60-48236c77d83b" providerId="ADAL" clId="{AF33EE09-1563-4B99-999A-EB513D20AF18}" dt="2023-10-23T07:13:07.212" v="759"/>
+          <ac:spMkLst>
+            <pc:docMk/>
+            <pc:sldMk cId="1332861574" sldId="297"/>
+            <ac:spMk id="6" creationId="{14E7D8C5-985C-41D3-A175-814ACF463C58}"/>
+          </ac:spMkLst>
+        </pc:spChg>
+        <pc:spChg chg="add mod">
+          <ac:chgData name="jeongkilyong" userId="42a1e730-e7ec-4950-9a60-48236c77d83b" providerId="ADAL" clId="{AF33EE09-1563-4B99-999A-EB513D20AF18}" dt="2023-10-23T07:13:07.212" v="759"/>
+          <ac:spMkLst>
+            <pc:docMk/>
+            <pc:sldMk cId="1332861574" sldId="297"/>
+            <ac:spMk id="7" creationId="{8ED3AE87-14A9-48C4-8503-5D6C13BC064C}"/>
+          </ac:spMkLst>
+        </pc:spChg>
+        <pc:spChg chg="add mod">
+          <ac:chgData name="jeongkilyong" userId="42a1e730-e7ec-4950-9a60-48236c77d83b" providerId="ADAL" clId="{AF33EE09-1563-4B99-999A-EB513D20AF18}" dt="2023-10-23T07:13:07.212" v="759"/>
+          <ac:spMkLst>
+            <pc:docMk/>
+            <pc:sldMk cId="1332861574" sldId="297"/>
+            <ac:spMk id="8" creationId="{CFFC4C4A-7FF1-48E5-AE32-04C8BF8CFAD8}"/>
+          </ac:spMkLst>
+        </pc:spChg>
+        <pc:spChg chg="add mod">
+          <ac:chgData name="jeongkilyong" userId="42a1e730-e7ec-4950-9a60-48236c77d83b" providerId="ADAL" clId="{AF33EE09-1563-4B99-999A-EB513D20AF18}" dt="2023-10-23T07:31:36.720" v="832" actId="207"/>
+          <ac:spMkLst>
+            <pc:docMk/>
+            <pc:sldMk cId="1332861574" sldId="297"/>
+            <ac:spMk id="11" creationId="{231AF68D-C902-4FFB-AAC0-39B954138494}"/>
+          </ac:spMkLst>
+        </pc:spChg>
+        <pc:spChg chg="mod">
+          <ac:chgData name="jeongkilyong" userId="42a1e730-e7ec-4950-9a60-48236c77d83b" providerId="ADAL" clId="{AF33EE09-1563-4B99-999A-EB513D20AF18}" dt="2023-10-23T07:07:18.519" v="278" actId="20577"/>
+          <ac:spMkLst>
+            <pc:docMk/>
+            <pc:sldMk cId="1332861574" sldId="297"/>
+            <ac:spMk id="12" creationId="{10ACD4E5-1FFB-574E-8F99-C84FF7F7144F}"/>
+          </ac:spMkLst>
+        </pc:spChg>
+        <pc:spChg chg="add del mod">
+          <ac:chgData name="jeongkilyong" userId="42a1e730-e7ec-4950-9a60-48236c77d83b" providerId="ADAL" clId="{AF33EE09-1563-4B99-999A-EB513D20AF18}" dt="2023-10-24T04:11:52.370" v="966" actId="478"/>
+          <ac:spMkLst>
+            <pc:docMk/>
+            <pc:sldMk cId="1332861574" sldId="297"/>
+            <ac:spMk id="14" creationId="{37376AF5-E885-40E2-AB40-62B82DB05B6F}"/>
+          </ac:spMkLst>
+        </pc:spChg>
+        <pc:spChg chg="add mod">
+          <ac:chgData name="jeongkilyong" userId="42a1e730-e7ec-4950-9a60-48236c77d83b" providerId="ADAL" clId="{AF33EE09-1563-4B99-999A-EB513D20AF18}" dt="2023-10-23T07:30:46.989" v="828"/>
+          <ac:spMkLst>
+            <pc:docMk/>
+            <pc:sldMk cId="1332861574" sldId="297"/>
+            <ac:spMk id="15" creationId="{60F2F050-D4E6-4F49-AE65-5A9AF7D1A044}"/>
+          </ac:spMkLst>
+        </pc:spChg>
+        <pc:graphicFrameChg chg="add del mod">
+          <ac:chgData name="jeongkilyong" userId="42a1e730-e7ec-4950-9a60-48236c77d83b" providerId="ADAL" clId="{AF33EE09-1563-4B99-999A-EB513D20AF18}" dt="2023-10-23T07:30:46.381" v="827" actId="478"/>
+          <ac:graphicFrameMkLst>
+            <pc:docMk/>
+            <pc:sldMk cId="1332861574" sldId="297"/>
+            <ac:graphicFrameMk id="10" creationId="{3BD5CC82-F72F-4B14-B703-4CFC3C242B79}"/>
+          </ac:graphicFrameMkLst>
+        </pc:graphicFrameChg>
+        <pc:picChg chg="add del mod">
+          <ac:chgData name="jeongkilyong" userId="42a1e730-e7ec-4950-9a60-48236c77d83b" providerId="ADAL" clId="{AF33EE09-1563-4B99-999A-EB513D20AF18}" dt="2023-10-24T04:11:52.370" v="966" actId="478"/>
+          <ac:picMkLst>
+            <pc:docMk/>
+            <pc:sldMk cId="1332861574" sldId="297"/>
+            <ac:picMk id="13" creationId="{D7A7F68F-7BD2-4329-859C-535CDC459A0A}"/>
+          </ac:picMkLst>
+        </pc:picChg>
+      </pc:sldChg>
+      <pc:sldChg chg="addSp delSp modSp add mod">
+        <pc:chgData name="jeongkilyong" userId="42a1e730-e7ec-4950-9a60-48236c77d83b" providerId="ADAL" clId="{AF33EE09-1563-4B99-999A-EB513D20AF18}" dt="2023-10-24T04:11:40.536" v="965"/>
+        <pc:sldMkLst>
+          <pc:docMk/>
+          <pc:sldMk cId="4177267907" sldId="298"/>
+        </pc:sldMkLst>
+        <pc:spChg chg="add mod">
+          <ac:chgData name="jeongkilyong" userId="42a1e730-e7ec-4950-9a60-48236c77d83b" providerId="ADAL" clId="{AF33EE09-1563-4B99-999A-EB513D20AF18}" dt="2023-10-23T07:31:51.588" v="833" actId="207"/>
+          <ac:spMkLst>
+            <pc:docMk/>
+            <pc:sldMk cId="4177267907" sldId="298"/>
+            <ac:spMk id="4" creationId="{6232393F-E770-4191-8E24-16D784BD4E73}"/>
+          </ac:spMkLst>
+        </pc:spChg>
+        <pc:spChg chg="add mod">
+          <ac:chgData name="jeongkilyong" userId="42a1e730-e7ec-4950-9a60-48236c77d83b" providerId="ADAL" clId="{AF33EE09-1563-4B99-999A-EB513D20AF18}" dt="2023-10-23T07:17:28.971" v="766"/>
+          <ac:spMkLst>
+            <pc:docMk/>
+            <pc:sldMk cId="4177267907" sldId="298"/>
+            <ac:spMk id="5" creationId="{D4F16174-A0DD-4CD8-9811-A1B2A781A450}"/>
+          </ac:spMkLst>
+        </pc:spChg>
+        <pc:spChg chg="add mod">
+          <ac:chgData name="jeongkilyong" userId="42a1e730-e7ec-4950-9a60-48236c77d83b" providerId="ADAL" clId="{AF33EE09-1563-4B99-999A-EB513D20AF18}" dt="2023-10-23T07:17:28.971" v="766"/>
+          <ac:spMkLst>
+            <pc:docMk/>
+            <pc:sldMk cId="4177267907" sldId="298"/>
+            <ac:spMk id="6" creationId="{D7A4E6A6-BF1C-4DE1-BCFB-692B4276AB25}"/>
+          </ac:spMkLst>
+        </pc:spChg>
+        <pc:spChg chg="add del mod">
+          <ac:chgData name="jeongkilyong" userId="42a1e730-e7ec-4950-9a60-48236c77d83b" providerId="ADAL" clId="{AF33EE09-1563-4B99-999A-EB513D20AF18}" dt="2023-10-24T04:11:40.172" v="964" actId="478"/>
+          <ac:spMkLst>
+            <pc:docMk/>
+            <pc:sldMk cId="4177267907" sldId="298"/>
+            <ac:spMk id="8" creationId="{65CD8C68-C7E9-40BB-B3FB-1586470DBD9B}"/>
+          </ac:spMkLst>
+        </pc:spChg>
+        <pc:spChg chg="add mod">
+          <ac:chgData name="jeongkilyong" userId="42a1e730-e7ec-4950-9a60-48236c77d83b" providerId="ADAL" clId="{AF33EE09-1563-4B99-999A-EB513D20AF18}" dt="2023-10-24T04:11:40.536" v="965"/>
+          <ac:spMkLst>
+            <pc:docMk/>
+            <pc:sldMk cId="4177267907" sldId="298"/>
+            <ac:spMk id="11" creationId="{BE57FB5D-5F9D-4A94-8054-1CC4EA3FE950}"/>
+          </ac:spMkLst>
+        </pc:spChg>
+        <pc:spChg chg="mod">
+          <ac:chgData name="jeongkilyong" userId="42a1e730-e7ec-4950-9a60-48236c77d83b" providerId="ADAL" clId="{AF33EE09-1563-4B99-999A-EB513D20AF18}" dt="2023-10-23T07:07:34.427" v="299" actId="20577"/>
+          <ac:spMkLst>
+            <pc:docMk/>
+            <pc:sldMk cId="4177267907" sldId="298"/>
+            <ac:spMk id="12" creationId="{10ACD4E5-1FFB-574E-8F99-C84FF7F7144F}"/>
+          </ac:spMkLst>
+        </pc:spChg>
+        <pc:picChg chg="add del mod">
+          <ac:chgData name="jeongkilyong" userId="42a1e730-e7ec-4950-9a60-48236c77d83b" providerId="ADAL" clId="{AF33EE09-1563-4B99-999A-EB513D20AF18}" dt="2023-10-24T04:11:40.172" v="964" actId="478"/>
+          <ac:picMkLst>
+            <pc:docMk/>
+            <pc:sldMk cId="4177267907" sldId="298"/>
+            <ac:picMk id="7" creationId="{8918B333-95E1-4BE6-95E7-8DF82765BA97}"/>
+          </ac:picMkLst>
+        </pc:picChg>
+        <pc:picChg chg="add mod">
+          <ac:chgData name="jeongkilyong" userId="42a1e730-e7ec-4950-9a60-48236c77d83b" providerId="ADAL" clId="{AF33EE09-1563-4B99-999A-EB513D20AF18}" dt="2023-10-24T04:11:40.536" v="965"/>
+          <ac:picMkLst>
+            <pc:docMk/>
+            <pc:sldMk cId="4177267907" sldId="298"/>
+            <ac:picMk id="10" creationId="{4E3FB94B-2804-422F-9A19-B899C9C9343F}"/>
+          </ac:picMkLst>
+        </pc:picChg>
+      </pc:sldChg>
+      <pc:sldChg chg="addSp modSp add mod">
+        <pc:chgData name="jeongkilyong" userId="42a1e730-e7ec-4950-9a60-48236c77d83b" providerId="ADAL" clId="{AF33EE09-1563-4B99-999A-EB513D20AF18}" dt="2023-10-23T07:18:20.860" v="770"/>
+        <pc:sldMkLst>
+          <pc:docMk/>
+          <pc:sldMk cId="1359256327" sldId="299"/>
+        </pc:sldMkLst>
+        <pc:spChg chg="add mod">
+          <ac:chgData name="jeongkilyong" userId="42a1e730-e7ec-4950-9a60-48236c77d83b" providerId="ADAL" clId="{AF33EE09-1563-4B99-999A-EB513D20AF18}" dt="2023-10-23T07:18:15.901" v="769"/>
+          <ac:spMkLst>
+            <pc:docMk/>
+            <pc:sldMk cId="1359256327" sldId="299"/>
+            <ac:spMk id="4" creationId="{34847220-2C0C-4AB6-8ED2-706D9E7F5731}"/>
+          </ac:spMkLst>
+        </pc:spChg>
+        <pc:spChg chg="mod">
+          <ac:chgData name="jeongkilyong" userId="42a1e730-e7ec-4950-9a60-48236c77d83b" providerId="ADAL" clId="{AF33EE09-1563-4B99-999A-EB513D20AF18}" dt="2023-10-23T07:07:50.755" v="318" actId="6549"/>
+          <ac:spMkLst>
+            <pc:docMk/>
+            <pc:sldMk cId="1359256327" sldId="299"/>
+            <ac:spMk id="12" creationId="{10ACD4E5-1FFB-574E-8F99-C84FF7F7144F}"/>
+          </ac:spMkLst>
+        </pc:spChg>
+        <pc:picChg chg="add mod">
+          <ac:chgData name="jeongkilyong" userId="42a1e730-e7ec-4950-9a60-48236c77d83b" providerId="ADAL" clId="{AF33EE09-1563-4B99-999A-EB513D20AF18}" dt="2023-10-23T07:18:20.860" v="770"/>
+          <ac:picMkLst>
+            <pc:docMk/>
+            <pc:sldMk cId="1359256327" sldId="299"/>
+            <ac:picMk id="5" creationId="{66E56E4D-8E27-4166-B018-7219E32909DF}"/>
+          </ac:picMkLst>
+        </pc:picChg>
+        <pc:picChg chg="add mod">
+          <ac:chgData name="jeongkilyong" userId="42a1e730-e7ec-4950-9a60-48236c77d83b" providerId="ADAL" clId="{AF33EE09-1563-4B99-999A-EB513D20AF18}" dt="2023-10-23T07:18:20.860" v="770"/>
+          <ac:picMkLst>
+            <pc:docMk/>
+            <pc:sldMk cId="1359256327" sldId="299"/>
+            <ac:picMk id="6" creationId="{0BE316FA-CDDF-48E8-8610-E18E4B194545}"/>
+          </ac:picMkLst>
+        </pc:picChg>
+      </pc:sldChg>
+      <pc:sldChg chg="addSp modSp add mod">
+        <pc:chgData name="jeongkilyong" userId="42a1e730-e7ec-4950-9a60-48236c77d83b" providerId="ADAL" clId="{AF33EE09-1563-4B99-999A-EB513D20AF18}" dt="2023-10-23T07:25:01.624" v="801" actId="1076"/>
+        <pc:sldMkLst>
+          <pc:docMk/>
+          <pc:sldMk cId="3213353773" sldId="300"/>
+        </pc:sldMkLst>
+        <pc:spChg chg="add mod">
+          <ac:chgData name="jeongkilyong" userId="42a1e730-e7ec-4950-9a60-48236c77d83b" providerId="ADAL" clId="{AF33EE09-1563-4B99-999A-EB513D20AF18}" dt="2023-10-23T07:18:35.492" v="771"/>
+          <ac:spMkLst>
+            <pc:docMk/>
+            <pc:sldMk cId="3213353773" sldId="300"/>
+            <ac:spMk id="4" creationId="{16D659E7-5297-405E-8ECD-29EFEB76874F}"/>
+          </ac:spMkLst>
+        </pc:spChg>
+        <pc:spChg chg="add mod">
+          <ac:chgData name="jeongkilyong" userId="42a1e730-e7ec-4950-9a60-48236c77d83b" providerId="ADAL" clId="{AF33EE09-1563-4B99-999A-EB513D20AF18}" dt="2023-10-23T07:18:35.492" v="771"/>
+          <ac:spMkLst>
+            <pc:docMk/>
+            <pc:sldMk cId="3213353773" sldId="300"/>
+            <ac:spMk id="5" creationId="{82886775-EA81-4354-BA54-D0808046CD03}"/>
+          </ac:spMkLst>
+        </pc:spChg>
+        <pc:spChg chg="add mod">
+          <ac:chgData name="jeongkilyong" userId="42a1e730-e7ec-4950-9a60-48236c77d83b" providerId="ADAL" clId="{AF33EE09-1563-4B99-999A-EB513D20AF18}" dt="2023-10-23T07:19:04.085" v="772"/>
+          <ac:spMkLst>
+            <pc:docMk/>
+            <pc:sldMk cId="3213353773" sldId="300"/>
+            <ac:spMk id="6" creationId="{E6CB1B00-BFBC-4233-8D96-50E82A1F7C11}"/>
+          </ac:spMkLst>
+        </pc:spChg>
+        <pc:spChg chg="add mod">
+          <ac:chgData name="jeongkilyong" userId="42a1e730-e7ec-4950-9a60-48236c77d83b" providerId="ADAL" clId="{AF33EE09-1563-4B99-999A-EB513D20AF18}" dt="2023-10-23T07:25:01.624" v="801" actId="1076"/>
+          <ac:spMkLst>
+            <pc:docMk/>
+            <pc:sldMk cId="3213353773" sldId="300"/>
+            <ac:spMk id="8" creationId="{C5B72ADC-D792-49D8-99FA-88D5C1F0871D}"/>
+          </ac:spMkLst>
+        </pc:spChg>
+        <pc:spChg chg="mod">
+          <ac:chgData name="jeongkilyong" userId="42a1e730-e7ec-4950-9a60-48236c77d83b" providerId="ADAL" clId="{AF33EE09-1563-4B99-999A-EB513D20AF18}" dt="2023-10-23T07:08:05.365" v="319"/>
+          <ac:spMkLst>
+            <pc:docMk/>
+            <pc:sldMk cId="3213353773" sldId="300"/>
+            <ac:spMk id="12" creationId="{10ACD4E5-1FFB-574E-8F99-C84FF7F7144F}"/>
+          </ac:spMkLst>
+        </pc:spChg>
+        <pc:picChg chg="add mod">
+          <ac:chgData name="jeongkilyong" userId="42a1e730-e7ec-4950-9a60-48236c77d83b" providerId="ADAL" clId="{AF33EE09-1563-4B99-999A-EB513D20AF18}" dt="2023-10-23T07:25:01.624" v="801" actId="1076"/>
+          <ac:picMkLst>
+            <pc:docMk/>
+            <pc:sldMk cId="3213353773" sldId="300"/>
+            <ac:picMk id="7" creationId="{2A75830C-65AE-4777-B38E-DF7A4C4A18C5}"/>
+          </ac:picMkLst>
+        </pc:picChg>
+      </pc:sldChg>
+      <pc:sldChg chg="addSp modSp add mod">
+        <pc:chgData name="jeongkilyong" userId="42a1e730-e7ec-4950-9a60-48236c77d83b" providerId="ADAL" clId="{AF33EE09-1563-4B99-999A-EB513D20AF18}" dt="2023-10-23T07:43:17.721" v="881" actId="207"/>
+        <pc:sldMkLst>
+          <pc:docMk/>
+          <pc:sldMk cId="648361740" sldId="301"/>
+        </pc:sldMkLst>
+        <pc:spChg chg="add mod">
+          <ac:chgData name="jeongkilyong" userId="42a1e730-e7ec-4950-9a60-48236c77d83b" providerId="ADAL" clId="{AF33EE09-1563-4B99-999A-EB513D20AF18}" dt="2023-10-23T07:43:17.721" v="881" actId="207"/>
+          <ac:spMkLst>
+            <pc:docMk/>
+            <pc:sldMk cId="648361740" sldId="301"/>
+            <ac:spMk id="4" creationId="{D0E21DA3-787C-4E3B-BB47-C3D54A1DFBC1}"/>
+          </ac:spMkLst>
+        </pc:spChg>
+        <pc:spChg chg="mod">
+          <ac:chgData name="jeongkilyong" userId="42a1e730-e7ec-4950-9a60-48236c77d83b" providerId="ADAL" clId="{AF33EE09-1563-4B99-999A-EB513D20AF18}" dt="2023-10-23T07:08:19.553" v="356" actId="20577"/>
+          <ac:spMkLst>
+            <pc:docMk/>
+            <pc:sldMk cId="648361740" sldId="301"/>
+            <ac:spMk id="12" creationId="{10ACD4E5-1FFB-574E-8F99-C84FF7F7144F}"/>
+          </ac:spMkLst>
+        </pc:spChg>
+      </pc:sldChg>
+      <pc:sldChg chg="addSp modSp add mod">
+        <pc:chgData name="jeongkilyong" userId="42a1e730-e7ec-4950-9a60-48236c77d83b" providerId="ADAL" clId="{AF33EE09-1563-4B99-999A-EB513D20AF18}" dt="2023-10-24T04:49:39.178" v="986" actId="20577"/>
+        <pc:sldMkLst>
+          <pc:docMk/>
+          <pc:sldMk cId="2154788897" sldId="302"/>
+        </pc:sldMkLst>
+        <pc:spChg chg="add mod">
+          <ac:chgData name="jeongkilyong" userId="42a1e730-e7ec-4950-9a60-48236c77d83b" providerId="ADAL" clId="{AF33EE09-1563-4B99-999A-EB513D20AF18}" dt="2023-10-23T07:19:15.360" v="774"/>
+          <ac:spMkLst>
+            <pc:docMk/>
+            <pc:sldMk cId="2154788897" sldId="302"/>
+            <ac:spMk id="4" creationId="{98929133-3EA8-43E2-B9EF-033CD02B9F78}"/>
+          </ac:spMkLst>
+        </pc:spChg>
+        <pc:spChg chg="add mod">
+          <ac:chgData name="jeongkilyong" userId="42a1e730-e7ec-4950-9a60-48236c77d83b" providerId="ADAL" clId="{AF33EE09-1563-4B99-999A-EB513D20AF18}" dt="2023-10-24T04:49:32.177" v="975" actId="20577"/>
+          <ac:spMkLst>
+            <pc:docMk/>
+            <pc:sldMk cId="2154788897" sldId="302"/>
+            <ac:spMk id="7" creationId="{0CB431E9-62D3-4083-9C31-A40CB7B749C0}"/>
+          </ac:spMkLst>
+        </pc:spChg>
+        <pc:spChg chg="add mod">
+          <ac:chgData name="jeongkilyong" userId="42a1e730-e7ec-4950-9a60-48236c77d83b" providerId="ADAL" clId="{AF33EE09-1563-4B99-999A-EB513D20AF18}" dt="2023-10-24T04:49:39.178" v="986" actId="20577"/>
+          <ac:spMkLst>
+            <pc:docMk/>
+            <pc:sldMk cId="2154788897" sldId="302"/>
+            <ac:spMk id="8" creationId="{8C5B1E61-F519-4544-B97B-D41CC394F276}"/>
+          </ac:spMkLst>
+        </pc:spChg>
+        <pc:spChg chg="mod">
+          <ac:chgData name="jeongkilyong" userId="42a1e730-e7ec-4950-9a60-48236c77d83b" providerId="ADAL" clId="{AF33EE09-1563-4B99-999A-EB513D20AF18}" dt="2023-10-23T07:08:28.657" v="357"/>
+          <ac:spMkLst>
+            <pc:docMk/>
+            <pc:sldMk cId="2154788897" sldId="302"/>
+            <ac:spMk id="12" creationId="{10ACD4E5-1FFB-574E-8F99-C84FF7F7144F}"/>
+          </ac:spMkLst>
+        </pc:spChg>
+        <pc:spChg chg="add mod">
+          <ac:chgData name="jeongkilyong" userId="42a1e730-e7ec-4950-9a60-48236c77d83b" providerId="ADAL" clId="{AF33EE09-1563-4B99-999A-EB513D20AF18}" dt="2023-10-23T07:25:13.313" v="803" actId="1076"/>
+          <ac:spMkLst>
+            <pc:docMk/>
+            <pc:sldMk cId="2154788897" sldId="302"/>
+            <ac:spMk id="14" creationId="{27B52C8A-D521-4E97-A448-90D77BB505D0}"/>
+          </ac:spMkLst>
+        </pc:spChg>
+        <pc:graphicFrameChg chg="add mod">
+          <ac:chgData name="jeongkilyong" userId="42a1e730-e7ec-4950-9a60-48236c77d83b" providerId="ADAL" clId="{AF33EE09-1563-4B99-999A-EB513D20AF18}" dt="2023-10-23T07:19:23.788" v="775"/>
+          <ac:graphicFrameMkLst>
+            <pc:docMk/>
+            <pc:sldMk cId="2154788897" sldId="302"/>
+            <ac:graphicFrameMk id="5" creationId="{0B5674B6-8DA5-4641-A0F6-0A7269EA042C}"/>
+          </ac:graphicFrameMkLst>
+        </pc:graphicFrameChg>
+        <pc:graphicFrameChg chg="add mod">
+          <ac:chgData name="jeongkilyong" userId="42a1e730-e7ec-4950-9a60-48236c77d83b" providerId="ADAL" clId="{AF33EE09-1563-4B99-999A-EB513D20AF18}" dt="2023-10-23T07:19:23.788" v="775"/>
+          <ac:graphicFrameMkLst>
+            <pc:docMk/>
+            <pc:sldMk cId="2154788897" sldId="302"/>
+            <ac:graphicFrameMk id="6" creationId="{0EBE37DC-09AD-4CB2-B26C-E90A07513179}"/>
+          </ac:graphicFrameMkLst>
+        </pc:graphicFrameChg>
+        <pc:picChg chg="add mod">
+          <ac:chgData name="jeongkilyong" userId="42a1e730-e7ec-4950-9a60-48236c77d83b" providerId="ADAL" clId="{AF33EE09-1563-4B99-999A-EB513D20AF18}" dt="2023-10-23T07:25:13.313" v="803" actId="1076"/>
+          <ac:picMkLst>
+            <pc:docMk/>
+            <pc:sldMk cId="2154788897" sldId="302"/>
+            <ac:picMk id="13" creationId="{6E557CC0-E179-4486-9546-1EABEA1A0452}"/>
+          </ac:picMkLst>
+        </pc:picChg>
+        <pc:cxnChg chg="add mod">
+          <ac:chgData name="jeongkilyong" userId="42a1e730-e7ec-4950-9a60-48236c77d83b" providerId="ADAL" clId="{AF33EE09-1563-4B99-999A-EB513D20AF18}" dt="2023-10-23T07:19:23.788" v="775"/>
+          <ac:cxnSpMkLst>
+            <pc:docMk/>
+            <pc:sldMk cId="2154788897" sldId="302"/>
+            <ac:cxnSpMk id="10" creationId="{58CF1BE2-F8B9-42E8-8F54-C3813D2B421E}"/>
+          </ac:cxnSpMkLst>
+        </pc:cxnChg>
+        <pc:cxnChg chg="add mod">
+          <ac:chgData name="jeongkilyong" userId="42a1e730-e7ec-4950-9a60-48236c77d83b" providerId="ADAL" clId="{AF33EE09-1563-4B99-999A-EB513D20AF18}" dt="2023-10-23T07:19:23.788" v="775"/>
+          <ac:cxnSpMkLst>
+            <pc:docMk/>
+            <pc:sldMk cId="2154788897" sldId="302"/>
+            <ac:cxnSpMk id="11" creationId="{8F9057C1-D213-44F8-B7B0-26D54435935B}"/>
+          </ac:cxnSpMkLst>
+        </pc:cxnChg>
+      </pc:sldChg>
+      <pc:sldChg chg="addSp modSp add mod">
+        <pc:chgData name="jeongkilyong" userId="42a1e730-e7ec-4950-9a60-48236c77d83b" providerId="ADAL" clId="{AF33EE09-1563-4B99-999A-EB513D20AF18}" dt="2023-10-23T07:25:25.884" v="805" actId="1076"/>
+        <pc:sldMkLst>
+          <pc:docMk/>
+          <pc:sldMk cId="1512175827" sldId="303"/>
+        </pc:sldMkLst>
+        <pc:spChg chg="add mod">
+          <ac:chgData name="jeongkilyong" userId="42a1e730-e7ec-4950-9a60-48236c77d83b" providerId="ADAL" clId="{AF33EE09-1563-4B99-999A-EB513D20AF18}" dt="2023-10-23T07:20:36.504" v="776"/>
+          <ac:spMkLst>
+            <pc:docMk/>
+            <pc:sldMk cId="1512175827" sldId="303"/>
+            <ac:spMk id="4" creationId="{2F4167C7-DA8E-4786-9F05-B5165DB2150D}"/>
+          </ac:spMkLst>
+        </pc:spChg>
+        <pc:spChg chg="add mod">
+          <ac:chgData name="jeongkilyong" userId="42a1e730-e7ec-4950-9a60-48236c77d83b" providerId="ADAL" clId="{AF33EE09-1563-4B99-999A-EB513D20AF18}" dt="2023-10-23T07:20:36.504" v="776"/>
+          <ac:spMkLst>
+            <pc:docMk/>
+            <pc:sldMk cId="1512175827" sldId="303"/>
+            <ac:spMk id="5" creationId="{8FC72059-5964-4518-A34C-EB38C6E7A73D}"/>
+          </ac:spMkLst>
+        </pc:spChg>
+        <pc:spChg chg="add mod">
+          <ac:chgData name="jeongkilyong" userId="42a1e730-e7ec-4950-9a60-48236c77d83b" providerId="ADAL" clId="{AF33EE09-1563-4B99-999A-EB513D20AF18}" dt="2023-10-23T07:20:36.504" v="776"/>
+          <ac:spMkLst>
+            <pc:docMk/>
+            <pc:sldMk cId="1512175827" sldId="303"/>
+            <ac:spMk id="6" creationId="{38C6FB45-54AB-4181-93AF-1A8ED1738BE5}"/>
+          </ac:spMkLst>
+        </pc:spChg>
+        <pc:spChg chg="add mod">
+          <ac:chgData name="jeongkilyong" userId="42a1e730-e7ec-4950-9a60-48236c77d83b" providerId="ADAL" clId="{AF33EE09-1563-4B99-999A-EB513D20AF18}" dt="2023-10-23T07:25:25.884" v="805" actId="1076"/>
+          <ac:spMkLst>
+            <pc:docMk/>
+            <pc:sldMk cId="1512175827" sldId="303"/>
+            <ac:spMk id="8" creationId="{99668959-7CD8-4B9D-9F99-7C380A75D822}"/>
+          </ac:spMkLst>
+        </pc:spChg>
+        <pc:spChg chg="mod">
+          <ac:chgData name="jeongkilyong" userId="42a1e730-e7ec-4950-9a60-48236c77d83b" providerId="ADAL" clId="{AF33EE09-1563-4B99-999A-EB513D20AF18}" dt="2023-10-23T07:08:30.686" v="358"/>
+          <ac:spMkLst>
+            <pc:docMk/>
+            <pc:sldMk cId="1512175827" sldId="303"/>
+            <ac:spMk id="12" creationId="{10ACD4E5-1FFB-574E-8F99-C84FF7F7144F}"/>
+          </ac:spMkLst>
+        </pc:spChg>
+        <pc:picChg chg="add mod">
+          <ac:chgData name="jeongkilyong" userId="42a1e730-e7ec-4950-9a60-48236c77d83b" providerId="ADAL" clId="{AF33EE09-1563-4B99-999A-EB513D20AF18}" dt="2023-10-23T07:25:25.884" v="805" actId="1076"/>
+          <ac:picMkLst>
+            <pc:docMk/>
+            <pc:sldMk cId="1512175827" sldId="303"/>
+            <ac:picMk id="7" creationId="{DF335C85-6658-4845-A9C8-F15E4C8B2E9F}"/>
+          </ac:picMkLst>
+        </pc:picChg>
+      </pc:sldChg>
+      <pc:sldChg chg="addSp modSp add mod">
+        <pc:chgData name="jeongkilyong" userId="42a1e730-e7ec-4950-9a60-48236c77d83b" providerId="ADAL" clId="{AF33EE09-1563-4B99-999A-EB513D20AF18}" dt="2023-10-23T07:32:18.571" v="836" actId="20577"/>
+        <pc:sldMkLst>
+          <pc:docMk/>
+          <pc:sldMk cId="2639618182" sldId="304"/>
+        </pc:sldMkLst>
+        <pc:spChg chg="add mod">
+          <ac:chgData name="jeongkilyong" userId="42a1e730-e7ec-4950-9a60-48236c77d83b" providerId="ADAL" clId="{AF33EE09-1563-4B99-999A-EB513D20AF18}" dt="2023-10-23T07:32:18.571" v="836" actId="20577"/>
+          <ac:spMkLst>
+            <pc:docMk/>
+            <pc:sldMk cId="2639618182" sldId="304"/>
+            <ac:spMk id="4" creationId="{073857D4-AEFA-4B7E-A7BA-B897E0FFD702}"/>
+          </ac:spMkLst>
+        </pc:spChg>
+        <pc:spChg chg="add mod">
+          <ac:chgData name="jeongkilyong" userId="42a1e730-e7ec-4950-9a60-48236c77d83b" providerId="ADAL" clId="{AF33EE09-1563-4B99-999A-EB513D20AF18}" dt="2023-10-23T07:32:14.848" v="834" actId="14100"/>
+          <ac:spMkLst>
+            <pc:docMk/>
+            <pc:sldMk cId="2639618182" sldId="304"/>
+            <ac:spMk id="5" creationId="{C3AB5C45-87F0-4D5B-81B1-BB0657252AF7}"/>
+          </ac:spMkLst>
+        </pc:spChg>
+        <pc:spChg chg="add mod">
+          <ac:chgData name="jeongkilyong" userId="42a1e730-e7ec-4950-9a60-48236c77d83b" providerId="ADAL" clId="{AF33EE09-1563-4B99-999A-EB513D20AF18}" dt="2023-10-23T07:25:34.913" v="807" actId="1076"/>
+          <ac:spMkLst>
+            <pc:docMk/>
+            <pc:sldMk cId="2639618182" sldId="304"/>
+            <ac:spMk id="7" creationId="{FB002E49-B59A-47BA-901E-5F5EECEB9CC4}"/>
+          </ac:spMkLst>
+        </pc:spChg>
+        <pc:spChg chg="mod">
+          <ac:chgData name="jeongkilyong" userId="42a1e730-e7ec-4950-9a60-48236c77d83b" providerId="ADAL" clId="{AF33EE09-1563-4B99-999A-EB513D20AF18}" dt="2023-10-23T07:08:47.163" v="412" actId="6549"/>
+          <ac:spMkLst>
+            <pc:docMk/>
+            <pc:sldMk cId="2639618182" sldId="304"/>
+            <ac:spMk id="12" creationId="{10ACD4E5-1FFB-574E-8F99-C84FF7F7144F}"/>
+          </ac:spMkLst>
+        </pc:spChg>
+        <pc:picChg chg="add mod">
+          <ac:chgData name="jeongkilyong" userId="42a1e730-e7ec-4950-9a60-48236c77d83b" providerId="ADAL" clId="{AF33EE09-1563-4B99-999A-EB513D20AF18}" dt="2023-10-23T07:25:34.913" v="807" actId="1076"/>
+          <ac:picMkLst>
+            <pc:docMk/>
+            <pc:sldMk cId="2639618182" sldId="304"/>
+            <ac:picMk id="6" creationId="{6E913BF9-5006-434E-9377-A0D9704CD3C8}"/>
+          </ac:picMkLst>
+        </pc:picChg>
+      </pc:sldChg>
+      <pc:sldChg chg="addSp modSp add mod">
+        <pc:chgData name="jeongkilyong" userId="42a1e730-e7ec-4950-9a60-48236c77d83b" providerId="ADAL" clId="{AF33EE09-1563-4B99-999A-EB513D20AF18}" dt="2023-10-23T07:42:50.095" v="879" actId="207"/>
+        <pc:sldMkLst>
+          <pc:docMk/>
+          <pc:sldMk cId="2147266946" sldId="305"/>
+        </pc:sldMkLst>
+        <pc:spChg chg="add mod">
+          <ac:chgData name="jeongkilyong" userId="42a1e730-e7ec-4950-9a60-48236c77d83b" providerId="ADAL" clId="{AF33EE09-1563-4B99-999A-EB513D20AF18}" dt="2023-10-23T07:42:50.095" v="879" actId="207"/>
+          <ac:spMkLst>
+            <pc:docMk/>
+            <pc:sldMk cId="2147266946" sldId="305"/>
+            <ac:spMk id="4" creationId="{DC839081-9198-47AE-8D81-997AAAEF3750}"/>
+          </ac:spMkLst>
+        </pc:spChg>
+        <pc:spChg chg="add mod">
+          <ac:chgData name="jeongkilyong" userId="42a1e730-e7ec-4950-9a60-48236c77d83b" providerId="ADAL" clId="{AF33EE09-1563-4B99-999A-EB513D20AF18}" dt="2023-10-23T07:25:43.249" v="809" actId="1076"/>
+          <ac:spMkLst>
+            <pc:docMk/>
+            <pc:sldMk cId="2147266946" sldId="305"/>
+            <ac:spMk id="6" creationId="{DD1DCBDA-6EAC-40E6-B4A6-DBB46049EB74}"/>
+          </ac:spMkLst>
+        </pc:spChg>
+        <pc:spChg chg="mod">
+          <ac:chgData name="jeongkilyong" userId="42a1e730-e7ec-4950-9a60-48236c77d83b" providerId="ADAL" clId="{AF33EE09-1563-4B99-999A-EB513D20AF18}" dt="2023-10-23T07:09:33.711" v="447" actId="20577"/>
+          <ac:spMkLst>
+            <pc:docMk/>
+            <pc:sldMk cId="2147266946" sldId="305"/>
+            <ac:spMk id="12" creationId="{10ACD4E5-1FFB-574E-8F99-C84FF7F7144F}"/>
+          </ac:spMkLst>
+        </pc:spChg>
+        <pc:picChg chg="add mod">
+          <ac:chgData name="jeongkilyong" userId="42a1e730-e7ec-4950-9a60-48236c77d83b" providerId="ADAL" clId="{AF33EE09-1563-4B99-999A-EB513D20AF18}" dt="2023-10-23T07:25:43.249" v="809" actId="1076"/>
+          <ac:picMkLst>
+            <pc:docMk/>
+            <pc:sldMk cId="2147266946" sldId="305"/>
+            <ac:picMk id="5" creationId="{13DC5B97-1E40-4A8D-A9ED-3C149131C480}"/>
+          </ac:picMkLst>
+        </pc:picChg>
+      </pc:sldChg>
+      <pc:sldChg chg="addSp modSp add mod modAnim">
+        <pc:chgData name="jeongkilyong" userId="42a1e730-e7ec-4950-9a60-48236c77d83b" providerId="ADAL" clId="{AF33EE09-1563-4B99-999A-EB513D20AF18}" dt="2023-10-24T05:17:12.935" v="996" actId="571"/>
+        <pc:sldMkLst>
+          <pc:docMk/>
+          <pc:sldMk cId="636080613" sldId="306"/>
+        </pc:sldMkLst>
+        <pc:spChg chg="add mod">
+          <ac:chgData name="jeongkilyong" userId="42a1e730-e7ec-4950-9a60-48236c77d83b" providerId="ADAL" clId="{AF33EE09-1563-4B99-999A-EB513D20AF18}" dt="2023-10-23T07:33:41.662" v="838" actId="207"/>
+          <ac:spMkLst>
+            <pc:docMk/>
+            <pc:sldMk cId="636080613" sldId="306"/>
+            <ac:spMk id="4" creationId="{1FDA530D-9291-456E-8181-8C547D34EC47}"/>
+          </ac:spMkLst>
+        </pc:spChg>
+        <pc:spChg chg="add mod">
+          <ac:chgData name="jeongkilyong" userId="42a1e730-e7ec-4950-9a60-48236c77d83b" providerId="ADAL" clId="{AF33EE09-1563-4B99-999A-EB513D20AF18}" dt="2023-10-23T23:57:47.695" v="955" actId="1076"/>
+          <ac:spMkLst>
+            <pc:docMk/>
+            <pc:sldMk cId="636080613" sldId="306"/>
+            <ac:spMk id="5" creationId="{6196A7C1-32B7-4DCD-8869-9E307014E639}"/>
+          </ac:spMkLst>
+        </pc:spChg>
+        <pc:spChg chg="add mod">
+          <ac:chgData name="jeongkilyong" userId="42a1e730-e7ec-4950-9a60-48236c77d83b" providerId="ADAL" clId="{AF33EE09-1563-4B99-999A-EB513D20AF18}" dt="2023-10-24T05:16:47.177" v="995" actId="1035"/>
+          <ac:spMkLst>
+            <pc:docMk/>
+            <pc:sldMk cId="636080613" sldId="306"/>
+            <ac:spMk id="6" creationId="{7AF48818-ED48-4160-9C3D-4C4E98CD7DDA}"/>
+          </ac:spMkLst>
+        </pc:spChg>
+        <pc:spChg chg="add mod">
+          <ac:chgData name="jeongkilyong" userId="42a1e730-e7ec-4950-9a60-48236c77d83b" providerId="ADAL" clId="{AF33EE09-1563-4B99-999A-EB513D20AF18}" dt="2023-10-24T05:17:12.935" v="996" actId="571"/>
+          <ac:spMkLst>
+            <pc:docMk/>
+            <pc:sldMk cId="636080613" sldId="306"/>
+            <ac:spMk id="7" creationId="{205FEE4C-509D-43CF-8155-A539EB194638}"/>
+          </ac:spMkLst>
+        </pc:spChg>
+        <pc:spChg chg="mod">
+          <ac:chgData name="jeongkilyong" userId="42a1e730-e7ec-4950-9a60-48236c77d83b" providerId="ADAL" clId="{AF33EE09-1563-4B99-999A-EB513D20AF18}" dt="2023-10-23T07:09:45.833" v="470" actId="20577"/>
+          <ac:spMkLst>
+            <pc:docMk/>
+            <pc:sldMk cId="636080613" sldId="306"/>
+            <ac:spMk id="12" creationId="{10ACD4E5-1FFB-574E-8F99-C84FF7F7144F}"/>
+          </ac:spMkLst>
+        </pc:spChg>
+      </pc:sldChg>
+      <pc:sldChg chg="addSp modSp add mod">
+        <pc:chgData name="jeongkilyong" userId="42a1e730-e7ec-4950-9a60-48236c77d83b" providerId="ADAL" clId="{AF33EE09-1563-4B99-999A-EB513D20AF18}" dt="2023-10-23T23:58:04.244" v="962" actId="207"/>
+        <pc:sldMkLst>
+          <pc:docMk/>
+          <pc:sldMk cId="2447935166" sldId="307"/>
+        </pc:sldMkLst>
+        <pc:spChg chg="add mod">
+          <ac:chgData name="jeongkilyong" userId="42a1e730-e7ec-4950-9a60-48236c77d83b" providerId="ADAL" clId="{AF33EE09-1563-4B99-999A-EB513D20AF18}" dt="2023-10-23T23:58:04.244" v="962" actId="207"/>
+          <ac:spMkLst>
+            <pc:docMk/>
+            <pc:sldMk cId="2447935166" sldId="307"/>
+            <ac:spMk id="4" creationId="{A91DC9AB-5D44-40B2-BFD2-1EEE8A6E74E3}"/>
+          </ac:spMkLst>
+        </pc:spChg>
+        <pc:spChg chg="add mod">
+          <ac:chgData name="jeongkilyong" userId="42a1e730-e7ec-4950-9a60-48236c77d83b" providerId="ADAL" clId="{AF33EE09-1563-4B99-999A-EB513D20AF18}" dt="2023-10-23T07:21:40.491" v="781"/>
+          <ac:spMkLst>
+            <pc:docMk/>
+            <pc:sldMk cId="2447935166" sldId="307"/>
+            <ac:spMk id="5" creationId="{BF33669B-9290-4296-AB98-DA067D3AD733}"/>
+          </ac:spMkLst>
+        </pc:spChg>
+        <pc:spChg chg="add mod">
+          <ac:chgData name="jeongkilyong" userId="42a1e730-e7ec-4950-9a60-48236c77d83b" providerId="ADAL" clId="{AF33EE09-1563-4B99-999A-EB513D20AF18}" dt="2023-10-23T07:25:54.425" v="811" actId="1076"/>
+          <ac:spMkLst>
+            <pc:docMk/>
+            <pc:sldMk cId="2447935166" sldId="307"/>
+            <ac:spMk id="7" creationId="{CC6D03C8-3A61-4C73-BA38-81A4CB27AEBA}"/>
+          </ac:spMkLst>
+        </pc:spChg>
+        <pc:spChg chg="mod">
+          <ac:chgData name="jeongkilyong" userId="42a1e730-e7ec-4950-9a60-48236c77d83b" providerId="ADAL" clId="{AF33EE09-1563-4B99-999A-EB513D20AF18}" dt="2023-10-23T07:09:56.176" v="502" actId="6549"/>
+          <ac:spMkLst>
+            <pc:docMk/>
+            <pc:sldMk cId="2447935166" sldId="307"/>
+            <ac:spMk id="12" creationId="{10ACD4E5-1FFB-574E-8F99-C84FF7F7144F}"/>
+          </ac:spMkLst>
+        </pc:spChg>
+        <pc:picChg chg="add mod">
+          <ac:chgData name="jeongkilyong" userId="42a1e730-e7ec-4950-9a60-48236c77d83b" providerId="ADAL" clId="{AF33EE09-1563-4B99-999A-EB513D20AF18}" dt="2023-10-23T07:25:54.425" v="811" actId="1076"/>
+          <ac:picMkLst>
+            <pc:docMk/>
+            <pc:sldMk cId="2447935166" sldId="307"/>
+            <ac:picMk id="6" creationId="{3671A425-A0E0-43A7-A1FC-20CA8E2B1252}"/>
+          </ac:picMkLst>
+        </pc:picChg>
+      </pc:sldChg>
+      <pc:sldChg chg="addSp modSp add mod">
+        <pc:chgData name="jeongkilyong" userId="42a1e730-e7ec-4950-9a60-48236c77d83b" providerId="ADAL" clId="{AF33EE09-1563-4B99-999A-EB513D20AF18}" dt="2023-10-23T07:35:01.730" v="860" actId="207"/>
+        <pc:sldMkLst>
+          <pc:docMk/>
+          <pc:sldMk cId="3670214579" sldId="308"/>
+        </pc:sldMkLst>
+        <pc:spChg chg="add mod">
+          <ac:chgData name="jeongkilyong" userId="42a1e730-e7ec-4950-9a60-48236c77d83b" providerId="ADAL" clId="{AF33EE09-1563-4B99-999A-EB513D20AF18}" dt="2023-10-23T07:35:01.730" v="860" actId="207"/>
+          <ac:spMkLst>
+            <pc:docMk/>
+            <pc:sldMk cId="3670214579" sldId="308"/>
+            <ac:spMk id="4" creationId="{DF789542-37CC-48A0-9521-55B9EFADF304}"/>
+          </ac:spMkLst>
+        </pc:spChg>
+        <pc:spChg chg="add mod">
+          <ac:chgData name="jeongkilyong" userId="42a1e730-e7ec-4950-9a60-48236c77d83b" providerId="ADAL" clId="{AF33EE09-1563-4B99-999A-EB513D20AF18}" dt="2023-10-23T07:26:01.930" v="813" actId="1076"/>
+          <ac:spMkLst>
+            <pc:docMk/>
+            <pc:sldMk cId="3670214579" sldId="308"/>
+            <ac:spMk id="6" creationId="{8A4F25BA-279D-4D6D-84B2-9CFC943C680F}"/>
+          </ac:spMkLst>
+        </pc:spChg>
+        <pc:spChg chg="mod">
+          <ac:chgData name="jeongkilyong" userId="42a1e730-e7ec-4950-9a60-48236c77d83b" providerId="ADAL" clId="{AF33EE09-1563-4B99-999A-EB513D20AF18}" dt="2023-10-23T07:10:11.121" v="548" actId="6549"/>
+          <ac:spMkLst>
+            <pc:docMk/>
+            <pc:sldMk cId="3670214579" sldId="308"/>
+            <ac:spMk id="12" creationId="{10ACD4E5-1FFB-574E-8F99-C84FF7F7144F}"/>
+          </ac:spMkLst>
+        </pc:spChg>
+        <pc:picChg chg="add mod">
+          <ac:chgData name="jeongkilyong" userId="42a1e730-e7ec-4950-9a60-48236c77d83b" providerId="ADAL" clId="{AF33EE09-1563-4B99-999A-EB513D20AF18}" dt="2023-10-23T07:26:01.930" v="813" actId="1076"/>
+          <ac:picMkLst>
+            <pc:docMk/>
+            <pc:sldMk cId="3670214579" sldId="308"/>
+            <ac:picMk id="5" creationId="{39CC4C8D-A85C-442B-B735-F0636D5A10EA}"/>
+          </ac:picMkLst>
+        </pc:picChg>
+      </pc:sldChg>
+      <pc:sldChg chg="addSp delSp modSp add mod">
+        <pc:chgData name="jeongkilyong" userId="42a1e730-e7ec-4950-9a60-48236c77d83b" providerId="ADAL" clId="{AF33EE09-1563-4B99-999A-EB513D20AF18}" dt="2023-10-23T07:41:55.087" v="874" actId="207"/>
+        <pc:sldMkLst>
+          <pc:docMk/>
+          <pc:sldMk cId="1580071959" sldId="309"/>
+        </pc:sldMkLst>
+        <pc:spChg chg="add del mod">
+          <ac:chgData name="jeongkilyong" userId="42a1e730-e7ec-4950-9a60-48236c77d83b" providerId="ADAL" clId="{AF33EE09-1563-4B99-999A-EB513D20AF18}" dt="2023-10-23T07:39:52.142" v="861" actId="478"/>
+          <ac:spMkLst>
+            <pc:docMk/>
+            <pc:sldMk cId="1580071959" sldId="309"/>
+            <ac:spMk id="4" creationId="{4EFF8C4E-673F-40FB-9478-FEB8157EC24A}"/>
+          </ac:spMkLst>
+        </pc:spChg>
+        <pc:spChg chg="add mod">
+          <ac:chgData name="jeongkilyong" userId="42a1e730-e7ec-4950-9a60-48236c77d83b" providerId="ADAL" clId="{AF33EE09-1563-4B99-999A-EB513D20AF18}" dt="2023-10-23T07:26:11.057" v="815" actId="1076"/>
+          <ac:spMkLst>
+            <pc:docMk/>
+            <pc:sldMk cId="1580071959" sldId="309"/>
+            <ac:spMk id="6" creationId="{6DDA6E6F-5FE5-4BD8-8F8D-56A64FD7BEB7}"/>
+          </ac:spMkLst>
+        </pc:spChg>
+        <pc:spChg chg="add mod">
+          <ac:chgData name="jeongkilyong" userId="42a1e730-e7ec-4950-9a60-48236c77d83b" providerId="ADAL" clId="{AF33EE09-1563-4B99-999A-EB513D20AF18}" dt="2023-10-23T07:41:55.087" v="874" actId="207"/>
+          <ac:spMkLst>
+            <pc:docMk/>
+            <pc:sldMk cId="1580071959" sldId="309"/>
+            <ac:spMk id="7" creationId="{B2B7D76C-76AF-4D79-8222-577DE51A01CD}"/>
+          </ac:spMkLst>
+        </pc:spChg>
+        <pc:spChg chg="add mod">
+          <ac:chgData name="jeongkilyong" userId="42a1e730-e7ec-4950-9a60-48236c77d83b" providerId="ADAL" clId="{AF33EE09-1563-4B99-999A-EB513D20AF18}" dt="2023-10-23T07:40:02.405" v="863" actId="1076"/>
+          <ac:spMkLst>
+            <pc:docMk/>
+            <pc:sldMk cId="1580071959" sldId="309"/>
+            <ac:spMk id="8" creationId="{F9BCDE1D-AC04-424D-B700-2CC60E46E5BC}"/>
+          </ac:spMkLst>
+        </pc:spChg>
+        <pc:spChg chg="add mod">
+          <ac:chgData name="jeongkilyong" userId="42a1e730-e7ec-4950-9a60-48236c77d83b" providerId="ADAL" clId="{AF33EE09-1563-4B99-999A-EB513D20AF18}" dt="2023-10-23T07:40:02.405" v="863" actId="1076"/>
+          <ac:spMkLst>
+            <pc:docMk/>
+            <pc:sldMk cId="1580071959" sldId="309"/>
+            <ac:spMk id="10" creationId="{57A86295-212F-49EB-A230-AAFBA7E45FA7}"/>
+          </ac:spMkLst>
+        </pc:spChg>
+        <pc:spChg chg="mod">
+          <ac:chgData name="jeongkilyong" userId="42a1e730-e7ec-4950-9a60-48236c77d83b" providerId="ADAL" clId="{AF33EE09-1563-4B99-999A-EB513D20AF18}" dt="2023-10-23T07:10:26.075" v="582" actId="6549"/>
+          <ac:spMkLst>
+            <pc:docMk/>
+            <pc:sldMk cId="1580071959" sldId="309"/>
+            <ac:spMk id="12" creationId="{10ACD4E5-1FFB-574E-8F99-C84FF7F7144F}"/>
+          </ac:spMkLst>
+        </pc:spChg>
+        <pc:picChg chg="add mod">
+          <ac:chgData name="jeongkilyong" userId="42a1e730-e7ec-4950-9a60-48236c77d83b" providerId="ADAL" clId="{AF33EE09-1563-4B99-999A-EB513D20AF18}" dt="2023-10-23T07:26:11.057" v="815" actId="1076"/>
+          <ac:picMkLst>
+            <pc:docMk/>
+            <pc:sldMk cId="1580071959" sldId="309"/>
+            <ac:picMk id="5" creationId="{9D837DC6-7F7A-42DE-947E-9205B788D555}"/>
+          </ac:picMkLst>
+        </pc:picChg>
+      </pc:sldChg>
+      <pc:sldChg chg="addSp modSp add mod">
+        <pc:chgData name="jeongkilyong" userId="42a1e730-e7ec-4950-9a60-48236c77d83b" providerId="ADAL" clId="{AF33EE09-1563-4B99-999A-EB513D20AF18}" dt="2023-10-23T07:41:35.229" v="872" actId="207"/>
+        <pc:sldMkLst>
+          <pc:docMk/>
+          <pc:sldMk cId="2719719894" sldId="310"/>
+        </pc:sldMkLst>
+        <pc:spChg chg="add mod">
+          <ac:chgData name="jeongkilyong" userId="42a1e730-e7ec-4950-9a60-48236c77d83b" providerId="ADAL" clId="{AF33EE09-1563-4B99-999A-EB513D20AF18}" dt="2023-10-23T07:41:35.229" v="872" actId="207"/>
+          <ac:spMkLst>
+            <pc:docMk/>
+            <pc:sldMk cId="2719719894" sldId="310"/>
+            <ac:spMk id="4" creationId="{0A7F1197-97BD-418B-9090-E53A4350B0FC}"/>
+          </ac:spMkLst>
+        </pc:spChg>
+        <pc:spChg chg="add mod">
+          <ac:chgData name="jeongkilyong" userId="42a1e730-e7ec-4950-9a60-48236c77d83b" providerId="ADAL" clId="{AF33EE09-1563-4B99-999A-EB513D20AF18}" dt="2023-10-23T07:22:01.131" v="784"/>
+          <ac:spMkLst>
+            <pc:docMk/>
+            <pc:sldMk cId="2719719894" sldId="310"/>
+            <ac:spMk id="5" creationId="{49F2BB90-CAF2-4AD6-ADB1-BCB916C80D87}"/>
+          </ac:spMkLst>
+        </pc:spChg>
+        <pc:spChg chg="add mod">
+          <ac:chgData name="jeongkilyong" userId="42a1e730-e7ec-4950-9a60-48236c77d83b" providerId="ADAL" clId="{AF33EE09-1563-4B99-999A-EB513D20AF18}" dt="2023-10-23T07:22:01.131" v="784"/>
+          <ac:spMkLst>
+            <pc:docMk/>
+            <pc:sldMk cId="2719719894" sldId="310"/>
+            <ac:spMk id="6" creationId="{16ABCCF1-5CE5-4744-89F2-2502FAFA6AF6}"/>
+          </ac:spMkLst>
+        </pc:spChg>
+        <pc:spChg chg="add mod">
+          <ac:chgData name="jeongkilyong" userId="42a1e730-e7ec-4950-9a60-48236c77d83b" providerId="ADAL" clId="{AF33EE09-1563-4B99-999A-EB513D20AF18}" dt="2023-10-23T07:26:19.570" v="817" actId="1076"/>
+          <ac:spMkLst>
+            <pc:docMk/>
+            <pc:sldMk cId="2719719894" sldId="310"/>
+            <ac:spMk id="8" creationId="{1A43737D-4675-4DFF-80C6-98970BA51E3B}"/>
+          </ac:spMkLst>
+        </pc:spChg>
+        <pc:spChg chg="mod">
+          <ac:chgData name="jeongkilyong" userId="42a1e730-e7ec-4950-9a60-48236c77d83b" providerId="ADAL" clId="{AF33EE09-1563-4B99-999A-EB513D20AF18}" dt="2023-10-23T07:10:44.984" v="617" actId="6549"/>
+          <ac:spMkLst>
+            <pc:docMk/>
+            <pc:sldMk cId="2719719894" sldId="310"/>
+            <ac:spMk id="12" creationId="{10ACD4E5-1FFB-574E-8F99-C84FF7F7144F}"/>
+          </ac:spMkLst>
+        </pc:spChg>
+        <pc:picChg chg="add mod">
+          <ac:chgData name="jeongkilyong" userId="42a1e730-e7ec-4950-9a60-48236c77d83b" providerId="ADAL" clId="{AF33EE09-1563-4B99-999A-EB513D20AF18}" dt="2023-10-23T07:26:19.570" v="817" actId="1076"/>
+          <ac:picMkLst>
+            <pc:docMk/>
+            <pc:sldMk cId="2719719894" sldId="310"/>
+            <ac:picMk id="7" creationId="{6BA26D7C-8459-4C26-A49A-BE4A7AAE35BC}"/>
+          </ac:picMkLst>
+        </pc:picChg>
+      </pc:sldChg>
+      <pc:sldChg chg="addSp modSp add mod">
+        <pc:chgData name="jeongkilyong" userId="42a1e730-e7ec-4950-9a60-48236c77d83b" providerId="ADAL" clId="{AF33EE09-1563-4B99-999A-EB513D20AF18}" dt="2023-10-23T07:26:30.915" v="819" actId="1076"/>
+        <pc:sldMkLst>
+          <pc:docMk/>
+          <pc:sldMk cId="249912601" sldId="311"/>
+        </pc:sldMkLst>
+        <pc:spChg chg="add mod">
+          <ac:chgData name="jeongkilyong" userId="42a1e730-e7ec-4950-9a60-48236c77d83b" providerId="ADAL" clId="{AF33EE09-1563-4B99-999A-EB513D20AF18}" dt="2023-10-23T07:22:10.069" v="785"/>
+          <ac:spMkLst>
+            <pc:docMk/>
+            <pc:sldMk cId="249912601" sldId="311"/>
+            <ac:spMk id="4" creationId="{62D32C4E-9F31-4781-83A7-EC457630891C}"/>
+          </ac:spMkLst>
+        </pc:spChg>
+        <pc:spChg chg="add mod">
+          <ac:chgData name="jeongkilyong" userId="42a1e730-e7ec-4950-9a60-48236c77d83b" providerId="ADAL" clId="{AF33EE09-1563-4B99-999A-EB513D20AF18}" dt="2023-10-23T07:22:25.114" v="789" actId="14100"/>
+          <ac:spMkLst>
+            <pc:docMk/>
+            <pc:sldMk cId="249912601" sldId="311"/>
+            <ac:spMk id="5" creationId="{76D0B43F-ADF4-48F5-B908-EDF4E47103BB}"/>
+          </ac:spMkLst>
+        </pc:spChg>
+        <pc:spChg chg="add mod">
+          <ac:chgData name="jeongkilyong" userId="42a1e730-e7ec-4950-9a60-48236c77d83b" providerId="ADAL" clId="{AF33EE09-1563-4B99-999A-EB513D20AF18}" dt="2023-10-23T07:26:30.915" v="819" actId="1076"/>
+          <ac:spMkLst>
+            <pc:docMk/>
+            <pc:sldMk cId="249912601" sldId="311"/>
+            <ac:spMk id="7" creationId="{39D3E643-631D-45C3-8847-5442D65C695C}"/>
+          </ac:spMkLst>
+        </pc:spChg>
+        <pc:spChg chg="mod">
+          <ac:chgData name="jeongkilyong" userId="42a1e730-e7ec-4950-9a60-48236c77d83b" providerId="ADAL" clId="{AF33EE09-1563-4B99-999A-EB513D20AF18}" dt="2023-10-23T07:10:58.001" v="655" actId="6549"/>
+          <ac:spMkLst>
+            <pc:docMk/>
+            <pc:sldMk cId="249912601" sldId="311"/>
+            <ac:spMk id="12" creationId="{10ACD4E5-1FFB-574E-8F99-C84FF7F7144F}"/>
+          </ac:spMkLst>
+        </pc:spChg>
+        <pc:picChg chg="add mod">
+          <ac:chgData name="jeongkilyong" userId="42a1e730-e7ec-4950-9a60-48236c77d83b" providerId="ADAL" clId="{AF33EE09-1563-4B99-999A-EB513D20AF18}" dt="2023-10-23T07:26:30.915" v="819" actId="1076"/>
+          <ac:picMkLst>
+            <pc:docMk/>
+            <pc:sldMk cId="249912601" sldId="311"/>
+            <ac:picMk id="6" creationId="{E1685BF4-759A-49D0-AA5B-E8B52ADC807A}"/>
+          </ac:picMkLst>
+        </pc:picChg>
+      </pc:sldChg>
+      <pc:sldChg chg="addSp modSp add mod">
+        <pc:chgData name="jeongkilyong" userId="42a1e730-e7ec-4950-9a60-48236c77d83b" providerId="ADAL" clId="{AF33EE09-1563-4B99-999A-EB513D20AF18}" dt="2023-10-23T07:41:14.459" v="871" actId="207"/>
+        <pc:sldMkLst>
+          <pc:docMk/>
+          <pc:sldMk cId="2387562204" sldId="312"/>
+        </pc:sldMkLst>
+        <pc:spChg chg="add mod">
+          <ac:chgData name="jeongkilyong" userId="42a1e730-e7ec-4950-9a60-48236c77d83b" providerId="ADAL" clId="{AF33EE09-1563-4B99-999A-EB513D20AF18}" dt="2023-10-23T07:41:14.459" v="871" actId="207"/>
+          <ac:spMkLst>
+            <pc:docMk/>
+            <pc:sldMk cId="2387562204" sldId="312"/>
+            <ac:spMk id="4" creationId="{D56C31FD-2F33-409E-B904-13C61346C7E1}"/>
+          </ac:spMkLst>
+        </pc:spChg>
+        <pc:spChg chg="add mod">
+          <ac:chgData name="jeongkilyong" userId="42a1e730-e7ec-4950-9a60-48236c77d83b" providerId="ADAL" clId="{AF33EE09-1563-4B99-999A-EB513D20AF18}" dt="2023-10-23T07:22:51.028" v="790"/>
+          <ac:spMkLst>
+            <pc:docMk/>
+            <pc:sldMk cId="2387562204" sldId="312"/>
+            <ac:spMk id="5" creationId="{48E0CCD1-C896-4EAD-9D48-C380A93BA6EE}"/>
+          </ac:spMkLst>
+        </pc:spChg>
+        <pc:spChg chg="add mod">
+          <ac:chgData name="jeongkilyong" userId="42a1e730-e7ec-4950-9a60-48236c77d83b" providerId="ADAL" clId="{AF33EE09-1563-4B99-999A-EB513D20AF18}" dt="2023-10-23T07:26:38.555" v="821" actId="1076"/>
+          <ac:spMkLst>
+            <pc:docMk/>
+            <pc:sldMk cId="2387562204" sldId="312"/>
+            <ac:spMk id="7" creationId="{F00E3DB7-2FD8-4EAE-9631-B5DA1FBB67D3}"/>
+          </ac:spMkLst>
+        </pc:spChg>
+        <pc:spChg chg="mod">
+          <ac:chgData name="jeongkilyong" userId="42a1e730-e7ec-4950-9a60-48236c77d83b" providerId="ADAL" clId="{AF33EE09-1563-4B99-999A-EB513D20AF18}" dt="2023-10-23T07:11:08.769" v="690" actId="6549"/>
+          <ac:spMkLst>
+            <pc:docMk/>
+            <pc:sldMk cId="2387562204" sldId="312"/>
+            <ac:spMk id="12" creationId="{10ACD4E5-1FFB-574E-8F99-C84FF7F7144F}"/>
+          </ac:spMkLst>
+        </pc:spChg>
+        <pc:picChg chg="add mod">
+          <ac:chgData name="jeongkilyong" userId="42a1e730-e7ec-4950-9a60-48236c77d83b" providerId="ADAL" clId="{AF33EE09-1563-4B99-999A-EB513D20AF18}" dt="2023-10-23T07:26:38.555" v="821" actId="1076"/>
+          <ac:picMkLst>
+            <pc:docMk/>
+            <pc:sldMk cId="2387562204" sldId="312"/>
+            <ac:picMk id="6" creationId="{EBBAECC0-F36E-4700-93E3-513AFD4C76EF}"/>
+          </ac:picMkLst>
+        </pc:picChg>
+      </pc:sldChg>
+      <pc:sldChg chg="addSp modSp add mod">
+        <pc:chgData name="jeongkilyong" userId="42a1e730-e7ec-4950-9a60-48236c77d83b" providerId="ADAL" clId="{AF33EE09-1563-4B99-999A-EB513D20AF18}" dt="2023-10-23T07:41:03.972" v="869" actId="207"/>
+        <pc:sldMkLst>
+          <pc:docMk/>
+          <pc:sldMk cId="1859253" sldId="313"/>
+        </pc:sldMkLst>
+        <pc:spChg chg="add mod">
+          <ac:chgData name="jeongkilyong" userId="42a1e730-e7ec-4950-9a60-48236c77d83b" providerId="ADAL" clId="{AF33EE09-1563-4B99-999A-EB513D20AF18}" dt="2023-10-23T07:41:03.972" v="869" actId="207"/>
+          <ac:spMkLst>
+            <pc:docMk/>
+            <pc:sldMk cId="1859253" sldId="313"/>
+            <ac:spMk id="4" creationId="{552FAC80-8FEB-4E82-B6BC-2B06526F3C62}"/>
+          </ac:spMkLst>
+        </pc:spChg>
+        <pc:spChg chg="add mod">
+          <ac:chgData name="jeongkilyong" userId="42a1e730-e7ec-4950-9a60-48236c77d83b" providerId="ADAL" clId="{AF33EE09-1563-4B99-999A-EB513D20AF18}" dt="2023-10-23T07:22:59.534" v="791"/>
+          <ac:spMkLst>
+            <pc:docMk/>
+            <pc:sldMk cId="1859253" sldId="313"/>
+            <ac:spMk id="5" creationId="{2E7E4064-CE53-4D16-BB40-E275BDA9D1FE}"/>
+          </ac:spMkLst>
+        </pc:spChg>
+        <pc:spChg chg="add mod">
+          <ac:chgData name="jeongkilyong" userId="42a1e730-e7ec-4950-9a60-48236c77d83b" providerId="ADAL" clId="{AF33EE09-1563-4B99-999A-EB513D20AF18}" dt="2023-10-23T07:22:59.534" v="791"/>
+          <ac:spMkLst>
+            <pc:docMk/>
+            <pc:sldMk cId="1859253" sldId="313"/>
+            <ac:spMk id="6" creationId="{C45A26CD-8570-436E-BFE4-BADF87770CFE}"/>
+          </ac:spMkLst>
+        </pc:spChg>
+        <pc:spChg chg="add mod">
+          <ac:chgData name="jeongkilyong" userId="42a1e730-e7ec-4950-9a60-48236c77d83b" providerId="ADAL" clId="{AF33EE09-1563-4B99-999A-EB513D20AF18}" dt="2023-10-23T07:22:59.534" v="791"/>
+          <ac:spMkLst>
+            <pc:docMk/>
+            <pc:sldMk cId="1859253" sldId="313"/>
+            <ac:spMk id="7" creationId="{E9FC601D-B047-4EC7-A9F4-892DA9C8E6E3}"/>
+          </ac:spMkLst>
+        </pc:spChg>
+        <pc:spChg chg="add mod">
+          <ac:chgData name="jeongkilyong" userId="42a1e730-e7ec-4950-9a60-48236c77d83b" providerId="ADAL" clId="{AF33EE09-1563-4B99-999A-EB513D20AF18}" dt="2023-10-23T07:26:47.923" v="823" actId="1076"/>
+          <ac:spMkLst>
+            <pc:docMk/>
+            <pc:sldMk cId="1859253" sldId="313"/>
+            <ac:spMk id="11" creationId="{AD8702D1-DF1B-48D5-99E9-CEB3081F3731}"/>
+          </ac:spMkLst>
+        </pc:spChg>
+        <pc:spChg chg="mod">
+          <ac:chgData name="jeongkilyong" userId="42a1e730-e7ec-4950-9a60-48236c77d83b" providerId="ADAL" clId="{AF33EE09-1563-4B99-999A-EB513D20AF18}" dt="2023-10-23T07:11:21.077" v="733" actId="6549"/>
+          <ac:spMkLst>
+            <pc:docMk/>
+            <pc:sldMk cId="1859253" sldId="313"/>
+            <ac:spMk id="12" creationId="{10ACD4E5-1FFB-574E-8F99-C84FF7F7144F}"/>
+          </ac:spMkLst>
+        </pc:spChg>
+        <pc:picChg chg="add mod">
+          <ac:chgData name="jeongkilyong" userId="42a1e730-e7ec-4950-9a60-48236c77d83b" providerId="ADAL" clId="{AF33EE09-1563-4B99-999A-EB513D20AF18}" dt="2023-10-23T07:26:47.923" v="823" actId="1076"/>
+          <ac:picMkLst>
+            <pc:docMk/>
+            <pc:sldMk cId="1859253" sldId="313"/>
+            <ac:picMk id="10" creationId="{03830B7E-6B5A-4F36-88E7-CB4A45630EEB}"/>
+          </ac:picMkLst>
+        </pc:picChg>
       </pc:sldChg>
       <pc:sldChg chg="add del">
-        <pc:chgData name="jeongkilyong" userId="42a1e730-e7ec-4950-9a60-48236c77d83b" providerId="ADAL" clId="{3A329E4B-7173-4DE5-8342-1BBEDD176055}" dt="2024-07-01T23:39:39.549" v="15" actId="47"/>
+        <pc:chgData name="jeongkilyong" userId="42a1e730-e7ec-4950-9a60-48236c77d83b" providerId="ADAL" clId="{AF33EE09-1563-4B99-999A-EB513D20AF18}" dt="2023-10-23T07:11:31.328" v="734" actId="47"/>
         <pc:sldMkLst>
           <pc:docMk/>
-          <pc:sldMk cId="2281833266" sldId="417"/>
+          <pc:sldMk cId="153338817" sldId="314"/>
         </pc:sldMkLst>
+      </pc:sldChg>
+      <pc:sldChg chg="add del">
+        <pc:chgData name="jeongkilyong" userId="42a1e730-e7ec-4950-9a60-48236c77d83b" providerId="ADAL" clId="{AF33EE09-1563-4B99-999A-EB513D20AF18}" dt="2023-10-23T07:11:32.488" v="735" actId="47"/>
+        <pc:sldMkLst>
+          <pc:docMk/>
+          <pc:sldMk cId="1789302377" sldId="315"/>
+        </pc:sldMkLst>
+      </pc:sldChg>
+      <pc:sldChg chg="addSp modSp add mod">
+        <pc:chgData name="jeongkilyong" userId="42a1e730-e7ec-4950-9a60-48236c77d83b" providerId="ADAL" clId="{AF33EE09-1563-4B99-999A-EB513D20AF18}" dt="2023-10-24T04:16:24.121" v="970" actId="207"/>
+        <pc:sldMkLst>
+          <pc:docMk/>
+          <pc:sldMk cId="3136811878" sldId="316"/>
+        </pc:sldMkLst>
+        <pc:spChg chg="add mod">
+          <ac:chgData name="jeongkilyong" userId="42a1e730-e7ec-4950-9a60-48236c77d83b" providerId="ADAL" clId="{AF33EE09-1563-4B99-999A-EB513D20AF18}" dt="2023-10-24T04:16:24.121" v="970" actId="207"/>
+          <ac:spMkLst>
+            <pc:docMk/>
+            <pc:sldMk cId="3136811878" sldId="316"/>
+            <ac:spMk id="4" creationId="{28C258E4-D4EB-4B35-B11B-4F092BC77089}"/>
+          </ac:spMkLst>
+        </pc:spChg>
+        <pc:spChg chg="add mod">
+          <ac:chgData name="jeongkilyong" userId="42a1e730-e7ec-4950-9a60-48236c77d83b" providerId="ADAL" clId="{AF33EE09-1563-4B99-999A-EB513D20AF18}" dt="2023-10-23T07:18:09.027" v="768"/>
+          <ac:spMkLst>
+            <pc:docMk/>
+            <pc:sldMk cId="3136811878" sldId="316"/>
+            <ac:spMk id="5" creationId="{68ED5501-1F96-408A-826B-BE88895ACF57}"/>
+          </ac:spMkLst>
+        </pc:spChg>
+        <pc:spChg chg="add mod">
+          <ac:chgData name="jeongkilyong" userId="42a1e730-e7ec-4950-9a60-48236c77d83b" providerId="ADAL" clId="{AF33EE09-1563-4B99-999A-EB513D20AF18}" dt="2023-10-23T07:18:09.027" v="768"/>
+          <ac:spMkLst>
+            <pc:docMk/>
+            <pc:sldMk cId="3136811878" sldId="316"/>
+            <ac:spMk id="6" creationId="{8DF830D3-ACBC-4193-B3CE-8A0B21CF67B3}"/>
+          </ac:spMkLst>
+        </pc:spChg>
+        <pc:spChg chg="add mod">
+          <ac:chgData name="jeongkilyong" userId="42a1e730-e7ec-4950-9a60-48236c77d83b" providerId="ADAL" clId="{AF33EE09-1563-4B99-999A-EB513D20AF18}" dt="2023-10-24T04:11:33.960" v="963"/>
+          <ac:spMkLst>
+            <pc:docMk/>
+            <pc:sldMk cId="3136811878" sldId="316"/>
+            <ac:spMk id="8" creationId="{DA3FBD69-DD2F-4F69-871F-53265C5F7389}"/>
+          </ac:spMkLst>
+        </pc:spChg>
+        <pc:picChg chg="add mod">
+          <ac:chgData name="jeongkilyong" userId="42a1e730-e7ec-4950-9a60-48236c77d83b" providerId="ADAL" clId="{AF33EE09-1563-4B99-999A-EB513D20AF18}" dt="2023-10-24T04:11:33.960" v="963"/>
+          <ac:picMkLst>
+            <pc:docMk/>
+            <pc:sldMk cId="3136811878" sldId="316"/>
+            <ac:picMk id="7" creationId="{8B2FB811-791A-4220-8724-30CA6C0FA7A3}"/>
+          </ac:picMkLst>
+        </pc:picChg>
       </pc:sldChg>
     </pc:docChg>
   </pc:docChgLst>
@@ -4150,7 +4150,7 @@
             <a:fld id="{C5EB0431-1611-1744-95F0-8172773087C5}" type="datetimeFigureOut">
               <a:rPr lang="en-US" altLang="ko-Kore-KR" smtClean="0"/>
               <a:pPr/>
-              <a:t>7/2/2024</a:t>
+              <a:t>7/3/2024</a:t>
             </a:fld>
             <a:endParaRPr lang="ko-Kore-KR"/>
           </a:p>
@@ -4570,7 +4570,7 @@
           <a:p>
             <a:fld id="{5FD0AF26-B2D6-41C9-847A-12B3D1677265}" type="datetime1">
               <a:rPr kumimoji="1" lang="ko-KR" altLang="en-US" smtClean="0"/>
-              <a:t>2024-07-02</a:t>
+              <a:t>2024-07-03</a:t>
             </a:fld>
             <a:endParaRPr kumimoji="1" lang="ko-KR" altLang="en-US"/>
           </a:p>
@@ -4768,7 +4768,7 @@
           <a:p>
             <a:fld id="{11A845FB-4EAB-4F93-BE87-891FAC391B0C}" type="datetime1">
               <a:rPr kumimoji="1" lang="ko-KR" altLang="en-US" smtClean="0"/>
-              <a:t>2024-07-02</a:t>
+              <a:t>2024-07-03</a:t>
             </a:fld>
             <a:endParaRPr kumimoji="1" lang="ko-KR" altLang="en-US"/>
           </a:p>
@@ -4976,7 +4976,7 @@
           <a:p>
             <a:fld id="{6597FBCF-59BC-423C-A27E-A4E0342EEDF5}" type="datetime1">
               <a:rPr kumimoji="1" lang="ko-KR" altLang="en-US" smtClean="0"/>
-              <a:t>2024-07-02</a:t>
+              <a:t>2024-07-03</a:t>
             </a:fld>
             <a:endParaRPr kumimoji="1" lang="ko-KR" altLang="en-US"/>
           </a:p>
@@ -5174,7 +5174,7 @@
           <a:p>
             <a:fld id="{59DE6E8A-4C0D-4CC6-BBD6-2F945A6B3540}" type="datetime1">
               <a:rPr kumimoji="1" lang="ko-KR" altLang="en-US" smtClean="0"/>
-              <a:t>2024-07-02</a:t>
+              <a:t>2024-07-03</a:t>
             </a:fld>
             <a:endParaRPr kumimoji="1" lang="ko-KR" altLang="en-US"/>
           </a:p>
@@ -5449,7 +5449,7 @@
           <a:p>
             <a:fld id="{BEBFBD75-CCBA-4C22-86CA-859D220600AA}" type="datetime1">
               <a:rPr kumimoji="1" lang="ko-KR" altLang="en-US" smtClean="0"/>
-              <a:t>2024-07-02</a:t>
+              <a:t>2024-07-03</a:t>
             </a:fld>
             <a:endParaRPr kumimoji="1" lang="ko-KR" altLang="en-US"/>
           </a:p>
@@ -5714,7 +5714,7 @@
           <a:p>
             <a:fld id="{DB031150-5CB0-41C0-9104-5695DD253F49}" type="datetime1">
               <a:rPr kumimoji="1" lang="ko-KR" altLang="en-US" smtClean="0"/>
-              <a:t>2024-07-02</a:t>
+              <a:t>2024-07-03</a:t>
             </a:fld>
             <a:endParaRPr kumimoji="1" lang="ko-KR" altLang="en-US"/>
           </a:p>
@@ -6126,7 +6126,7 @@
           <a:p>
             <a:fld id="{0B78CFAD-1435-498E-ACFE-38131B135631}" type="datetime1">
               <a:rPr kumimoji="1" lang="ko-KR" altLang="en-US" smtClean="0"/>
-              <a:t>2024-07-02</a:t>
+              <a:t>2024-07-03</a:t>
             </a:fld>
             <a:endParaRPr kumimoji="1" lang="ko-KR" altLang="en-US"/>
           </a:p>
@@ -6267,7 +6267,7 @@
           <a:p>
             <a:fld id="{BF2AA6DB-F13D-4C47-BC2B-E1D25CB476ED}" type="datetime1">
               <a:rPr kumimoji="1" lang="ko-KR" altLang="en-US" smtClean="0"/>
-              <a:t>2024-07-02</a:t>
+              <a:t>2024-07-03</a:t>
             </a:fld>
             <a:endParaRPr kumimoji="1" lang="ko-KR" altLang="en-US"/>
           </a:p>
@@ -6380,7 +6380,7 @@
           <a:p>
             <a:fld id="{14FBB438-2880-4761-94BA-7F7996C8C3BD}" type="datetime1">
               <a:rPr kumimoji="1" lang="ko-KR" altLang="en-US" smtClean="0"/>
-              <a:t>2024-07-02</a:t>
+              <a:t>2024-07-03</a:t>
             </a:fld>
             <a:endParaRPr kumimoji="1" lang="ko-KR" altLang="en-US"/>
           </a:p>
@@ -6691,7 +6691,7 @@
           <a:p>
             <a:fld id="{C4D9C33D-E09A-4F6E-A7FA-CF959C3E6DEE}" type="datetime1">
               <a:rPr kumimoji="1" lang="ko-KR" altLang="en-US" smtClean="0"/>
-              <a:t>2024-07-02</a:t>
+              <a:t>2024-07-03</a:t>
             </a:fld>
             <a:endParaRPr kumimoji="1" lang="ko-KR" altLang="en-US"/>
           </a:p>
@@ -6979,7 +6979,7 @@
           <a:p>
             <a:fld id="{DB10E3DE-CCA8-4CB9-BDA2-4741B0CD6641}" type="datetime1">
               <a:rPr kumimoji="1" lang="ko-KR" altLang="en-US" smtClean="0"/>
-              <a:t>2024-07-02</a:t>
+              <a:t>2024-07-03</a:t>
             </a:fld>
             <a:endParaRPr kumimoji="1" lang="ko-KR" altLang="en-US"/>
           </a:p>
@@ -7222,7 +7222,7 @@
           <a:p>
             <a:fld id="{827CA893-2A65-4E72-A022-7CB16F3818A4}" type="datetime1">
               <a:rPr kumimoji="1" lang="ko-KR" altLang="en-US" smtClean="0"/>
-              <a:t>2024-07-02</a:t>
+              <a:t>2024-07-03</a:t>
             </a:fld>
             <a:endParaRPr kumimoji="1" lang="ko-KR" altLang="en-US"/>
           </a:p>
@@ -16992,7 +16992,7 @@
                 <a:effectLst/>
                 <a:latin typeface="Consolas" panose="020B0609020204030204" pitchFamily="49" charset="0"/>
               </a:rPr>
-              <a:t>Pick&lt;TodoInfoDetail, 'title' | 'content'&gt;</a:t>
+              <a:t>Pick&lt;Todo, 'title' | 'content'&gt;</a:t>
             </a:r>
             <a:r>
               <a:rPr lang="en-US" altLang="ko-KR" b="0">

--- a/PPT/03.타입스크립트 - 타입 관련 문법.pptx
+++ b/PPT/03.타입스크립트 - 타입 관련 문법.pptx
@@ -13170,7 +13170,7 @@
                 <a:latin typeface="Noto Sans CJK KR Regular" panose="020B0500000000000000" pitchFamily="34" charset="-127"/>
                 <a:ea typeface="Noto Sans CJK KR Regular" panose="020B0500000000000000" pitchFamily="34" charset="-127"/>
               </a:rPr>
-              <a:t>매겨변수를 다르게 해서 각각의 함수를 구분</a:t>
+              <a:t>매개변수를 다르게 해서 각각의 함수를 구분</a:t>
             </a:r>
             <a:endParaRPr lang="en-US" altLang="ko-KR">
               <a:latin typeface="Noto Sans CJK KR Regular" panose="020B0500000000000000" pitchFamily="34" charset="-127"/>
